--- a/pie-geometrical-method/docs/CalculatePie.pptx
+++ b/pie-geometrical-method/docs/CalculatePie.pptx
@@ -5,7 +5,7 @@
     <p:sldMasterId id="2147483648" r:id="rId1"/>
   </p:sldMasterIdLst>
   <p:notesMasterIdLst>
-    <p:notesMasterId r:id="rId7"/>
+    <p:notesMasterId r:id="rId11"/>
   </p:notesMasterIdLst>
   <p:sldIdLst>
     <p:sldId id="256" r:id="rId2"/>
@@ -13,6 +13,10 @@
     <p:sldId id="258" r:id="rId4"/>
     <p:sldId id="259" r:id="rId5"/>
     <p:sldId id="260" r:id="rId6"/>
+    <p:sldId id="261" r:id="rId7"/>
+    <p:sldId id="263" r:id="rId8"/>
+    <p:sldId id="262" r:id="rId9"/>
+    <p:sldId id="264" r:id="rId10"/>
   </p:sldIdLst>
   <p:sldSz cx="12192000" cy="6858000"/>
   <p:notesSz cx="6858000" cy="9144000"/>
@@ -201,7 +205,7 @@
           <a:p>
             <a:fld id="{865008CC-3566-4382-8975-6613E4635F48}" type="datetimeFigureOut">
               <a:rPr lang="en-GB" smtClean="0"/>
-              <a:t>14/09/2022</a:t>
+              <a:t>18/09/2022</a:t>
             </a:fld>
             <a:endParaRPr lang="en-GB"/>
           </a:p>
@@ -556,6 +560,267 @@
 </p:notes>
 </file>
 
+<file path=ppt/notesSlides/notesSlide2.xml><?xml version="1.0" encoding="utf-8"?>
+<p:notes xmlns:a="http://schemas.openxmlformats.org/drawingml/2006/main" xmlns:r="http://schemas.openxmlformats.org/officeDocument/2006/relationships" xmlns:p="http://schemas.openxmlformats.org/presentationml/2006/main">
+  <p:cSld>
+    <p:spTree>
+      <p:nvGrpSpPr>
+        <p:cNvPr id="1" name=""/>
+        <p:cNvGrpSpPr/>
+        <p:nvPr/>
+      </p:nvGrpSpPr>
+      <p:grpSpPr>
+        <a:xfrm>
+          <a:off x="0" y="0"/>
+          <a:ext cx="0" cy="0"/>
+          <a:chOff x="0" y="0"/>
+          <a:chExt cx="0" cy="0"/>
+        </a:xfrm>
+      </p:grpSpPr>
+      <p:sp>
+        <p:nvSpPr>
+          <p:cNvPr id="2" name="Slide Image Placeholder 1"/>
+          <p:cNvSpPr>
+            <a:spLocks noGrp="1" noRot="1" noChangeAspect="1"/>
+          </p:cNvSpPr>
+          <p:nvPr>
+            <p:ph type="sldImg"/>
+          </p:nvPr>
+        </p:nvSpPr>
+        <p:spPr/>
+      </p:sp>
+      <p:sp>
+        <p:nvSpPr>
+          <p:cNvPr id="3" name="Notes Placeholder 2"/>
+          <p:cNvSpPr>
+            <a:spLocks noGrp="1"/>
+          </p:cNvSpPr>
+          <p:nvPr>
+            <p:ph type="body" idx="1"/>
+          </p:nvPr>
+        </p:nvSpPr>
+        <p:spPr/>
+        <p:txBody>
+          <a:bodyPr/>
+          <a:lstStyle/>
+          <a:p>
+            <a:r>
+              <a:rPr lang="en-GB" dirty="0"/>
+              <a:t>4-to-8-sides.png</a:t>
+            </a:r>
+          </a:p>
+        </p:txBody>
+      </p:sp>
+      <p:sp>
+        <p:nvSpPr>
+          <p:cNvPr id="4" name="Slide Number Placeholder 3"/>
+          <p:cNvSpPr>
+            <a:spLocks noGrp="1"/>
+          </p:cNvSpPr>
+          <p:nvPr>
+            <p:ph type="sldNum" sz="quarter" idx="5"/>
+          </p:nvPr>
+        </p:nvSpPr>
+        <p:spPr/>
+        <p:txBody>
+          <a:bodyPr/>
+          <a:lstStyle/>
+          <a:p>
+            <a:fld id="{83C2492E-88FF-4D7C-91C0-01748C3C9A9D}" type="slidenum">
+              <a:rPr lang="en-GB" smtClean="0"/>
+              <a:t>7</a:t>
+            </a:fld>
+            <a:endParaRPr lang="en-GB"/>
+          </a:p>
+        </p:txBody>
+      </p:sp>
+    </p:spTree>
+    <p:extLst>
+      <p:ext uri="{BB962C8B-B14F-4D97-AF65-F5344CB8AC3E}">
+        <p14:creationId xmlns:p14="http://schemas.microsoft.com/office/powerpoint/2010/main" val="3256816495"/>
+      </p:ext>
+    </p:extLst>
+  </p:cSld>
+  <p:clrMapOvr>
+    <a:masterClrMapping/>
+  </p:clrMapOvr>
+</p:notes>
+</file>
+
+<file path=ppt/notesSlides/notesSlide3.xml><?xml version="1.0" encoding="utf-8"?>
+<p:notes xmlns:a="http://schemas.openxmlformats.org/drawingml/2006/main" xmlns:r="http://schemas.openxmlformats.org/officeDocument/2006/relationships" xmlns:p="http://schemas.openxmlformats.org/presentationml/2006/main">
+  <p:cSld>
+    <p:spTree>
+      <p:nvGrpSpPr>
+        <p:cNvPr id="1" name=""/>
+        <p:cNvGrpSpPr/>
+        <p:nvPr/>
+      </p:nvGrpSpPr>
+      <p:grpSpPr>
+        <a:xfrm>
+          <a:off x="0" y="0"/>
+          <a:ext cx="0" cy="0"/>
+          <a:chOff x="0" y="0"/>
+          <a:chExt cx="0" cy="0"/>
+        </a:xfrm>
+      </p:grpSpPr>
+      <p:sp>
+        <p:nvSpPr>
+          <p:cNvPr id="2" name="Slide Image Placeholder 1"/>
+          <p:cNvSpPr>
+            <a:spLocks noGrp="1" noRot="1" noChangeAspect="1"/>
+          </p:cNvSpPr>
+          <p:nvPr>
+            <p:ph type="sldImg"/>
+          </p:nvPr>
+        </p:nvSpPr>
+        <p:spPr/>
+      </p:sp>
+      <p:sp>
+        <p:nvSpPr>
+          <p:cNvPr id="3" name="Notes Placeholder 2"/>
+          <p:cNvSpPr>
+            <a:spLocks noGrp="1"/>
+          </p:cNvSpPr>
+          <p:nvPr>
+            <p:ph type="body" idx="1"/>
+          </p:nvPr>
+        </p:nvSpPr>
+        <p:spPr/>
+        <p:txBody>
+          <a:bodyPr/>
+          <a:lstStyle/>
+          <a:p>
+            <a:r>
+              <a:rPr lang="en-GB" dirty="0"/>
+              <a:t>4-to-8-sides-calculation.png</a:t>
+            </a:r>
+          </a:p>
+        </p:txBody>
+      </p:sp>
+      <p:sp>
+        <p:nvSpPr>
+          <p:cNvPr id="4" name="Slide Number Placeholder 3"/>
+          <p:cNvSpPr>
+            <a:spLocks noGrp="1"/>
+          </p:cNvSpPr>
+          <p:nvPr>
+            <p:ph type="sldNum" sz="quarter" idx="5"/>
+          </p:nvPr>
+        </p:nvSpPr>
+        <p:spPr/>
+        <p:txBody>
+          <a:bodyPr/>
+          <a:lstStyle/>
+          <a:p>
+            <a:fld id="{83C2492E-88FF-4D7C-91C0-01748C3C9A9D}" type="slidenum">
+              <a:rPr lang="en-GB" smtClean="0"/>
+              <a:t>8</a:t>
+            </a:fld>
+            <a:endParaRPr lang="en-GB"/>
+          </a:p>
+        </p:txBody>
+      </p:sp>
+    </p:spTree>
+    <p:extLst>
+      <p:ext uri="{BB962C8B-B14F-4D97-AF65-F5344CB8AC3E}">
+        <p14:creationId xmlns:p14="http://schemas.microsoft.com/office/powerpoint/2010/main" val="1618867724"/>
+      </p:ext>
+    </p:extLst>
+  </p:cSld>
+  <p:clrMapOvr>
+    <a:masterClrMapping/>
+  </p:clrMapOvr>
+</p:notes>
+</file>
+
+<file path=ppt/notesSlides/notesSlide4.xml><?xml version="1.0" encoding="utf-8"?>
+<p:notes xmlns:a="http://schemas.openxmlformats.org/drawingml/2006/main" xmlns:r="http://schemas.openxmlformats.org/officeDocument/2006/relationships" xmlns:p="http://schemas.openxmlformats.org/presentationml/2006/main">
+  <p:cSld>
+    <p:spTree>
+      <p:nvGrpSpPr>
+        <p:cNvPr id="1" name=""/>
+        <p:cNvGrpSpPr/>
+        <p:nvPr/>
+      </p:nvGrpSpPr>
+      <p:grpSpPr>
+        <a:xfrm>
+          <a:off x="0" y="0"/>
+          <a:ext cx="0" cy="0"/>
+          <a:chOff x="0" y="0"/>
+          <a:chExt cx="0" cy="0"/>
+        </a:xfrm>
+      </p:grpSpPr>
+      <p:sp>
+        <p:nvSpPr>
+          <p:cNvPr id="2" name="Slide Image Placeholder 1"/>
+          <p:cNvSpPr>
+            <a:spLocks noGrp="1" noRot="1" noChangeAspect="1"/>
+          </p:cNvSpPr>
+          <p:nvPr>
+            <p:ph type="sldImg"/>
+          </p:nvPr>
+        </p:nvSpPr>
+        <p:spPr/>
+      </p:sp>
+      <p:sp>
+        <p:nvSpPr>
+          <p:cNvPr id="3" name="Notes Placeholder 2"/>
+          <p:cNvSpPr>
+            <a:spLocks noGrp="1"/>
+          </p:cNvSpPr>
+          <p:nvPr>
+            <p:ph type="body" idx="1"/>
+          </p:nvPr>
+        </p:nvSpPr>
+        <p:spPr/>
+        <p:txBody>
+          <a:bodyPr/>
+          <a:lstStyle/>
+          <a:p>
+            <a:r>
+              <a:rPr lang="en-GB" dirty="0"/>
+              <a:t>Summary-table.png</a:t>
+            </a:r>
+          </a:p>
+        </p:txBody>
+      </p:sp>
+      <p:sp>
+        <p:nvSpPr>
+          <p:cNvPr id="4" name="Slide Number Placeholder 3"/>
+          <p:cNvSpPr>
+            <a:spLocks noGrp="1"/>
+          </p:cNvSpPr>
+          <p:nvPr>
+            <p:ph type="sldNum" sz="quarter" idx="5"/>
+          </p:nvPr>
+        </p:nvSpPr>
+        <p:spPr/>
+        <p:txBody>
+          <a:bodyPr/>
+          <a:lstStyle/>
+          <a:p>
+            <a:fld id="{83C2492E-88FF-4D7C-91C0-01748C3C9A9D}" type="slidenum">
+              <a:rPr lang="en-GB" smtClean="0"/>
+              <a:t>9</a:t>
+            </a:fld>
+            <a:endParaRPr lang="en-GB"/>
+          </a:p>
+        </p:txBody>
+      </p:sp>
+    </p:spTree>
+    <p:extLst>
+      <p:ext uri="{BB962C8B-B14F-4D97-AF65-F5344CB8AC3E}">
+        <p14:creationId xmlns:p14="http://schemas.microsoft.com/office/powerpoint/2010/main" val="2125775919"/>
+      </p:ext>
+    </p:extLst>
+  </p:cSld>
+  <p:clrMapOvr>
+    <a:masterClrMapping/>
+  </p:clrMapOvr>
+</p:notes>
+</file>
+
 <file path=ppt/slideLayouts/slideLayout1.xml><?xml version="1.0" encoding="utf-8"?>
 <p:sldLayout xmlns:a="http://schemas.openxmlformats.org/drawingml/2006/main" xmlns:r="http://schemas.openxmlformats.org/officeDocument/2006/relationships" xmlns:p="http://schemas.openxmlformats.org/presentationml/2006/main" type="title" preserve="1">
   <p:cSld name="Title Slide">
@@ -705,7 +970,7 @@
           <a:p>
             <a:fld id="{99508C7D-8B6B-48E6-AEC3-763B97EC52A2}" type="datetimeFigureOut">
               <a:rPr lang="en-GB" smtClean="0"/>
-              <a:t>14/09/2022</a:t>
+              <a:t>18/09/2022</a:t>
             </a:fld>
             <a:endParaRPr lang="en-GB"/>
           </a:p>
@@ -905,7 +1170,7 @@
           <a:p>
             <a:fld id="{99508C7D-8B6B-48E6-AEC3-763B97EC52A2}" type="datetimeFigureOut">
               <a:rPr lang="en-GB" smtClean="0"/>
-              <a:t>14/09/2022</a:t>
+              <a:t>18/09/2022</a:t>
             </a:fld>
             <a:endParaRPr lang="en-GB"/>
           </a:p>
@@ -1115,7 +1380,7 @@
           <a:p>
             <a:fld id="{99508C7D-8B6B-48E6-AEC3-763B97EC52A2}" type="datetimeFigureOut">
               <a:rPr lang="en-GB" smtClean="0"/>
-              <a:t>14/09/2022</a:t>
+              <a:t>18/09/2022</a:t>
             </a:fld>
             <a:endParaRPr lang="en-GB"/>
           </a:p>
@@ -1315,7 +1580,7 @@
           <a:p>
             <a:fld id="{99508C7D-8B6B-48E6-AEC3-763B97EC52A2}" type="datetimeFigureOut">
               <a:rPr lang="en-GB" smtClean="0"/>
-              <a:t>14/09/2022</a:t>
+              <a:t>18/09/2022</a:t>
             </a:fld>
             <a:endParaRPr lang="en-GB"/>
           </a:p>
@@ -1591,7 +1856,7 @@
           <a:p>
             <a:fld id="{99508C7D-8B6B-48E6-AEC3-763B97EC52A2}" type="datetimeFigureOut">
               <a:rPr lang="en-GB" smtClean="0"/>
-              <a:t>14/09/2022</a:t>
+              <a:t>18/09/2022</a:t>
             </a:fld>
             <a:endParaRPr lang="en-GB"/>
           </a:p>
@@ -1859,7 +2124,7 @@
           <a:p>
             <a:fld id="{99508C7D-8B6B-48E6-AEC3-763B97EC52A2}" type="datetimeFigureOut">
               <a:rPr lang="en-GB" smtClean="0"/>
-              <a:t>14/09/2022</a:t>
+              <a:t>18/09/2022</a:t>
             </a:fld>
             <a:endParaRPr lang="en-GB"/>
           </a:p>
@@ -2274,7 +2539,7 @@
           <a:p>
             <a:fld id="{99508C7D-8B6B-48E6-AEC3-763B97EC52A2}" type="datetimeFigureOut">
               <a:rPr lang="en-GB" smtClean="0"/>
-              <a:t>14/09/2022</a:t>
+              <a:t>18/09/2022</a:t>
             </a:fld>
             <a:endParaRPr lang="en-GB"/>
           </a:p>
@@ -2416,7 +2681,7 @@
           <a:p>
             <a:fld id="{99508C7D-8B6B-48E6-AEC3-763B97EC52A2}" type="datetimeFigureOut">
               <a:rPr lang="en-GB" smtClean="0"/>
-              <a:t>14/09/2022</a:t>
+              <a:t>18/09/2022</a:t>
             </a:fld>
             <a:endParaRPr lang="en-GB"/>
           </a:p>
@@ -2529,7 +2794,7 @@
           <a:p>
             <a:fld id="{99508C7D-8B6B-48E6-AEC3-763B97EC52A2}" type="datetimeFigureOut">
               <a:rPr lang="en-GB" smtClean="0"/>
-              <a:t>14/09/2022</a:t>
+              <a:t>18/09/2022</a:t>
             </a:fld>
             <a:endParaRPr lang="en-GB"/>
           </a:p>
@@ -2842,7 +3107,7 @@
           <a:p>
             <a:fld id="{99508C7D-8B6B-48E6-AEC3-763B97EC52A2}" type="datetimeFigureOut">
               <a:rPr lang="en-GB" smtClean="0"/>
-              <a:t>14/09/2022</a:t>
+              <a:t>18/09/2022</a:t>
             </a:fld>
             <a:endParaRPr lang="en-GB"/>
           </a:p>
@@ -3131,7 +3396,7 @@
           <a:p>
             <a:fld id="{99508C7D-8B6B-48E6-AEC3-763B97EC52A2}" type="datetimeFigureOut">
               <a:rPr lang="en-GB" smtClean="0"/>
-              <a:t>14/09/2022</a:t>
+              <a:t>18/09/2022</a:t>
             </a:fld>
             <a:endParaRPr lang="en-GB"/>
           </a:p>
@@ -3374,7 +3639,7 @@
           <a:p>
             <a:fld id="{99508C7D-8B6B-48E6-AEC3-763B97EC52A2}" type="datetimeFigureOut">
               <a:rPr lang="en-GB" smtClean="0"/>
-              <a:t>14/09/2022</a:t>
+              <a:t>18/09/2022</a:t>
             </a:fld>
             <a:endParaRPr lang="en-GB"/>
           </a:p>
@@ -4243,6 +4508,6359 @@
     <p:extLst>
       <p:ext uri="{BB962C8B-B14F-4D97-AF65-F5344CB8AC3E}">
         <p14:creationId xmlns:p14="http://schemas.microsoft.com/office/powerpoint/2010/main" val="1224713580"/>
+      </p:ext>
+    </p:extLst>
+  </p:cSld>
+  <p:clrMapOvr>
+    <a:masterClrMapping/>
+  </p:clrMapOvr>
+</p:sld>
+</file>
+
+<file path=ppt/slides/slide6.xml><?xml version="1.0" encoding="utf-8"?>
+<p:sld xmlns:a="http://schemas.openxmlformats.org/drawingml/2006/main" xmlns:r="http://schemas.openxmlformats.org/officeDocument/2006/relationships" xmlns:p="http://schemas.openxmlformats.org/presentationml/2006/main">
+  <p:cSld>
+    <p:spTree>
+      <p:nvGrpSpPr>
+        <p:cNvPr id="1" name=""/>
+        <p:cNvGrpSpPr/>
+        <p:nvPr/>
+      </p:nvGrpSpPr>
+      <p:grpSpPr>
+        <a:xfrm>
+          <a:off x="0" y="0"/>
+          <a:ext cx="0" cy="0"/>
+          <a:chOff x="0" y="0"/>
+          <a:chExt cx="0" cy="0"/>
+        </a:xfrm>
+      </p:grpSpPr>
+      <p:sp>
+        <p:nvSpPr>
+          <p:cNvPr id="5" name="Oval 4">
+            <a:extLst>
+              <a:ext uri="{FF2B5EF4-FFF2-40B4-BE49-F238E27FC236}">
+                <a16:creationId xmlns:a16="http://schemas.microsoft.com/office/drawing/2014/main" id="{7501EEE5-A509-1FB3-40EA-F063365CB104}"/>
+              </a:ext>
+            </a:extLst>
+          </p:cNvPr>
+          <p:cNvSpPr/>
+          <p:nvPr/>
+        </p:nvSpPr>
+        <p:spPr>
+          <a:xfrm>
+            <a:off x="3664303" y="1440024"/>
+            <a:ext cx="2955023" cy="2777743"/>
+          </a:xfrm>
+          <a:prstGeom prst="ellipse">
+            <a:avLst/>
+          </a:prstGeom>
+          <a:noFill/>
+        </p:spPr>
+        <p:style>
+          <a:lnRef idx="2">
+            <a:schemeClr val="accent1">
+              <a:shade val="50000"/>
+            </a:schemeClr>
+          </a:lnRef>
+          <a:fillRef idx="1">
+            <a:schemeClr val="accent1"/>
+          </a:fillRef>
+          <a:effectRef idx="0">
+            <a:schemeClr val="accent1"/>
+          </a:effectRef>
+          <a:fontRef idx="minor">
+            <a:schemeClr val="lt1"/>
+          </a:fontRef>
+        </p:style>
+        <p:txBody>
+          <a:bodyPr rtlCol="0" anchor="ctr"/>
+          <a:lstStyle/>
+          <a:p>
+            <a:pPr algn="ctr"/>
+            <a:endParaRPr lang="en-GB"/>
+          </a:p>
+        </p:txBody>
+      </p:sp>
+      <p:sp>
+        <p:nvSpPr>
+          <p:cNvPr id="7" name="Rectangle 6">
+            <a:extLst>
+              <a:ext uri="{FF2B5EF4-FFF2-40B4-BE49-F238E27FC236}">
+                <a16:creationId xmlns:a16="http://schemas.microsoft.com/office/drawing/2014/main" id="{7AD68B9F-5EB4-311A-7345-5C56B53AD089}"/>
+              </a:ext>
+            </a:extLst>
+          </p:cNvPr>
+          <p:cNvSpPr/>
+          <p:nvPr/>
+        </p:nvSpPr>
+        <p:spPr>
+          <a:xfrm>
+            <a:off x="4051225" y="1902585"/>
+            <a:ext cx="2198451" cy="1809345"/>
+          </a:xfrm>
+          <a:prstGeom prst="rect">
+            <a:avLst/>
+          </a:prstGeom>
+          <a:noFill/>
+        </p:spPr>
+        <p:style>
+          <a:lnRef idx="2">
+            <a:schemeClr val="accent1">
+              <a:shade val="50000"/>
+            </a:schemeClr>
+          </a:lnRef>
+          <a:fillRef idx="1">
+            <a:schemeClr val="accent1"/>
+          </a:fillRef>
+          <a:effectRef idx="0">
+            <a:schemeClr val="accent1"/>
+          </a:effectRef>
+          <a:fontRef idx="minor">
+            <a:schemeClr val="lt1"/>
+          </a:fontRef>
+        </p:style>
+        <p:txBody>
+          <a:bodyPr rtlCol="0" anchor="ctr"/>
+          <a:lstStyle/>
+          <a:p>
+            <a:pPr algn="ctr"/>
+            <a:endParaRPr lang="en-GB"/>
+          </a:p>
+        </p:txBody>
+      </p:sp>
+      <p:cxnSp>
+        <p:nvCxnSpPr>
+          <p:cNvPr id="6" name="Straight Arrow Connector 5">
+            <a:extLst>
+              <a:ext uri="{FF2B5EF4-FFF2-40B4-BE49-F238E27FC236}">
+                <a16:creationId xmlns:a16="http://schemas.microsoft.com/office/drawing/2014/main" id="{C186B7CD-3D23-1468-3EBC-BB738DD0866E}"/>
+              </a:ext>
+            </a:extLst>
+          </p:cNvPr>
+          <p:cNvCxnSpPr/>
+          <p:nvPr/>
+        </p:nvCxnSpPr>
+        <p:spPr>
+          <a:xfrm flipV="1">
+            <a:off x="5113176" y="1902585"/>
+            <a:ext cx="1136500" cy="924591"/>
+          </a:xfrm>
+          <a:prstGeom prst="straightConnector1">
+            <a:avLst/>
+          </a:prstGeom>
+          <a:ln w="19050">
+            <a:prstDash val="dashDot"/>
+            <a:tailEnd type="triangle"/>
+          </a:ln>
+        </p:spPr>
+        <p:style>
+          <a:lnRef idx="1">
+            <a:schemeClr val="accent1"/>
+          </a:lnRef>
+          <a:fillRef idx="0">
+            <a:schemeClr val="accent1"/>
+          </a:fillRef>
+          <a:effectRef idx="0">
+            <a:schemeClr val="accent1"/>
+          </a:effectRef>
+          <a:fontRef idx="minor">
+            <a:schemeClr val="tx1"/>
+          </a:fontRef>
+        </p:style>
+      </p:cxnSp>
+      <p:cxnSp>
+        <p:nvCxnSpPr>
+          <p:cNvPr id="8" name="Straight Arrow Connector 7">
+            <a:extLst>
+              <a:ext uri="{FF2B5EF4-FFF2-40B4-BE49-F238E27FC236}">
+                <a16:creationId xmlns:a16="http://schemas.microsoft.com/office/drawing/2014/main" id="{231E28D2-C03E-9341-47F7-AF36D9C599E7}"/>
+              </a:ext>
+            </a:extLst>
+          </p:cNvPr>
+          <p:cNvCxnSpPr>
+            <a:cxnSpLocks/>
+            <a:endCxn id="5" idx="6"/>
+          </p:cNvCxnSpPr>
+          <p:nvPr/>
+        </p:nvCxnSpPr>
+        <p:spPr>
+          <a:xfrm>
+            <a:off x="5150450" y="2827176"/>
+            <a:ext cx="1468876" cy="1720"/>
+          </a:xfrm>
+          <a:prstGeom prst="straightConnector1">
+            <a:avLst/>
+          </a:prstGeom>
+          <a:ln w="19050">
+            <a:prstDash val="dashDot"/>
+            <a:tailEnd type="triangle"/>
+          </a:ln>
+        </p:spPr>
+        <p:style>
+          <a:lnRef idx="1">
+            <a:schemeClr val="accent1"/>
+          </a:lnRef>
+          <a:fillRef idx="0">
+            <a:schemeClr val="accent1"/>
+          </a:fillRef>
+          <a:effectRef idx="0">
+            <a:schemeClr val="accent1"/>
+          </a:effectRef>
+          <a:fontRef idx="minor">
+            <a:schemeClr val="tx1"/>
+          </a:fontRef>
+        </p:style>
+      </p:cxnSp>
+      <p:cxnSp>
+        <p:nvCxnSpPr>
+          <p:cNvPr id="9" name="Straight Arrow Connector 8">
+            <a:extLst>
+              <a:ext uri="{FF2B5EF4-FFF2-40B4-BE49-F238E27FC236}">
+                <a16:creationId xmlns:a16="http://schemas.microsoft.com/office/drawing/2014/main" id="{DDC9C3FC-1D92-E6B0-808B-71EED4EF9E1A}"/>
+              </a:ext>
+            </a:extLst>
+          </p:cNvPr>
+          <p:cNvCxnSpPr>
+            <a:cxnSpLocks/>
+          </p:cNvCxnSpPr>
+          <p:nvPr/>
+        </p:nvCxnSpPr>
+        <p:spPr>
+          <a:xfrm>
+            <a:off x="5113176" y="2827176"/>
+            <a:ext cx="1136500" cy="884754"/>
+          </a:xfrm>
+          <a:prstGeom prst="straightConnector1">
+            <a:avLst/>
+          </a:prstGeom>
+          <a:ln w="19050">
+            <a:prstDash val="dashDot"/>
+            <a:tailEnd type="triangle"/>
+          </a:ln>
+        </p:spPr>
+        <p:style>
+          <a:lnRef idx="1">
+            <a:schemeClr val="accent1"/>
+          </a:lnRef>
+          <a:fillRef idx="0">
+            <a:schemeClr val="accent1"/>
+          </a:fillRef>
+          <a:effectRef idx="0">
+            <a:schemeClr val="accent1"/>
+          </a:effectRef>
+          <a:fontRef idx="minor">
+            <a:schemeClr val="tx1"/>
+          </a:fontRef>
+        </p:style>
+      </p:cxnSp>
+      <p:sp>
+        <p:nvSpPr>
+          <p:cNvPr id="14" name="TextBox 13">
+            <a:extLst>
+              <a:ext uri="{FF2B5EF4-FFF2-40B4-BE49-F238E27FC236}">
+                <a16:creationId xmlns:a16="http://schemas.microsoft.com/office/drawing/2014/main" id="{84772D2C-9AA9-76D8-FB7E-894BC0AB60C3}"/>
+              </a:ext>
+            </a:extLst>
+          </p:cNvPr>
+          <p:cNvSpPr txBox="1"/>
+          <p:nvPr/>
+        </p:nvSpPr>
+        <p:spPr>
+          <a:xfrm>
+            <a:off x="5411808" y="1995548"/>
+            <a:ext cx="246524" cy="369332"/>
+          </a:xfrm>
+          <a:prstGeom prst="rect">
+            <a:avLst/>
+          </a:prstGeom>
+          <a:noFill/>
+        </p:spPr>
+        <p:txBody>
+          <a:bodyPr wrap="square" rtlCol="0">
+            <a:spAutoFit/>
+          </a:bodyPr>
+          <a:lstStyle/>
+          <a:p>
+            <a:r>
+              <a:rPr lang="en-GB" dirty="0"/>
+              <a:t>r</a:t>
+            </a:r>
+          </a:p>
+        </p:txBody>
+      </p:sp>
+      <p:cxnSp>
+        <p:nvCxnSpPr>
+          <p:cNvPr id="20" name="Straight Arrow Connector 19">
+            <a:extLst>
+              <a:ext uri="{FF2B5EF4-FFF2-40B4-BE49-F238E27FC236}">
+                <a16:creationId xmlns:a16="http://schemas.microsoft.com/office/drawing/2014/main" id="{64A385D3-03CA-7727-E8FF-492262490D0F}"/>
+              </a:ext>
+            </a:extLst>
+          </p:cNvPr>
+          <p:cNvCxnSpPr/>
+          <p:nvPr/>
+        </p:nvCxnSpPr>
+        <p:spPr>
+          <a:xfrm>
+            <a:off x="6737897" y="1902585"/>
+            <a:ext cx="0" cy="904672"/>
+          </a:xfrm>
+          <a:prstGeom prst="straightConnector1">
+            <a:avLst/>
+          </a:prstGeom>
+          <a:ln w="19050">
+            <a:prstDash val="sysDot"/>
+            <a:headEnd type="stealth"/>
+            <a:tailEnd type="stealth"/>
+          </a:ln>
+        </p:spPr>
+        <p:style>
+          <a:lnRef idx="1">
+            <a:schemeClr val="accent1"/>
+          </a:lnRef>
+          <a:fillRef idx="0">
+            <a:schemeClr val="accent1"/>
+          </a:fillRef>
+          <a:effectRef idx="0">
+            <a:schemeClr val="accent1"/>
+          </a:effectRef>
+          <a:fontRef idx="minor">
+            <a:schemeClr val="tx1"/>
+          </a:fontRef>
+        </p:style>
+      </p:cxnSp>
+      <p:sp>
+        <p:nvSpPr>
+          <p:cNvPr id="23" name="TextBox 22">
+            <a:extLst>
+              <a:ext uri="{FF2B5EF4-FFF2-40B4-BE49-F238E27FC236}">
+                <a16:creationId xmlns:a16="http://schemas.microsoft.com/office/drawing/2014/main" id="{D1E87A1F-C5C1-E648-0F0F-07B472F63F77}"/>
+              </a:ext>
+            </a:extLst>
+          </p:cNvPr>
+          <p:cNvSpPr txBox="1"/>
+          <p:nvPr/>
+        </p:nvSpPr>
+        <p:spPr>
+          <a:xfrm>
+            <a:off x="6745313" y="2129524"/>
+            <a:ext cx="473081" cy="369332"/>
+          </a:xfrm>
+          <a:prstGeom prst="rect">
+            <a:avLst/>
+          </a:prstGeom>
+          <a:noFill/>
+        </p:spPr>
+        <p:txBody>
+          <a:bodyPr wrap="square" rtlCol="0">
+            <a:spAutoFit/>
+          </a:bodyPr>
+          <a:lstStyle/>
+          <a:p>
+            <a:r>
+              <a:rPr lang="en-GB" dirty="0"/>
+              <a:t>s</a:t>
+            </a:r>
+          </a:p>
+        </p:txBody>
+      </p:sp>
+      <p:sp>
+        <p:nvSpPr>
+          <p:cNvPr id="24" name="Freeform: Shape 23">
+            <a:extLst>
+              <a:ext uri="{FF2B5EF4-FFF2-40B4-BE49-F238E27FC236}">
+                <a16:creationId xmlns:a16="http://schemas.microsoft.com/office/drawing/2014/main" id="{48129310-F5ED-4741-E55F-8F0FA77C6C3B}"/>
+              </a:ext>
+            </a:extLst>
+          </p:cNvPr>
+          <p:cNvSpPr/>
+          <p:nvPr/>
+        </p:nvSpPr>
+        <p:spPr>
+          <a:xfrm>
+            <a:off x="5378902" y="2607013"/>
+            <a:ext cx="104331" cy="447472"/>
+          </a:xfrm>
+          <a:custGeom>
+            <a:avLst/>
+            <a:gdLst>
+              <a:gd name="connsiteX0" fmla="*/ 29677 w 104331"/>
+              <a:gd name="connsiteY0" fmla="*/ 0 h 447472"/>
+              <a:gd name="connsiteX1" fmla="*/ 49132 w 104331"/>
+              <a:gd name="connsiteY1" fmla="*/ 48638 h 447472"/>
+              <a:gd name="connsiteX2" fmla="*/ 78315 w 104331"/>
+              <a:gd name="connsiteY2" fmla="*/ 68093 h 447472"/>
+              <a:gd name="connsiteX3" fmla="*/ 97770 w 104331"/>
+              <a:gd name="connsiteY3" fmla="*/ 126459 h 447472"/>
+              <a:gd name="connsiteX4" fmla="*/ 49132 w 104331"/>
+              <a:gd name="connsiteY4" fmla="*/ 379378 h 447472"/>
+              <a:gd name="connsiteX5" fmla="*/ 19949 w 104331"/>
+              <a:gd name="connsiteY5" fmla="*/ 389106 h 447472"/>
+              <a:gd name="connsiteX6" fmla="*/ 494 w 104331"/>
+              <a:gd name="connsiteY6" fmla="*/ 447472 h 447472"/>
+            </a:gdLst>
+            <a:ahLst/>
+            <a:cxnLst>
+              <a:cxn ang="0">
+                <a:pos x="connsiteX0" y="connsiteY0"/>
+              </a:cxn>
+              <a:cxn ang="0">
+                <a:pos x="connsiteX1" y="connsiteY1"/>
+              </a:cxn>
+              <a:cxn ang="0">
+                <a:pos x="connsiteX2" y="connsiteY2"/>
+              </a:cxn>
+              <a:cxn ang="0">
+                <a:pos x="connsiteX3" y="connsiteY3"/>
+              </a:cxn>
+              <a:cxn ang="0">
+                <a:pos x="connsiteX4" y="connsiteY4"/>
+              </a:cxn>
+              <a:cxn ang="0">
+                <a:pos x="connsiteX5" y="connsiteY5"/>
+              </a:cxn>
+              <a:cxn ang="0">
+                <a:pos x="connsiteX6" y="connsiteY6"/>
+              </a:cxn>
+            </a:cxnLst>
+            <a:rect l="l" t="t" r="r" b="b"/>
+            <a:pathLst>
+              <a:path w="104331" h="447472">
+                <a:moveTo>
+                  <a:pt x="29677" y="0"/>
+                </a:moveTo>
+                <a:cubicBezTo>
+                  <a:pt x="36162" y="16213"/>
+                  <a:pt x="38983" y="34429"/>
+                  <a:pt x="49132" y="48638"/>
+                </a:cubicBezTo>
+                <a:cubicBezTo>
+                  <a:pt x="55927" y="58151"/>
+                  <a:pt x="72119" y="58179"/>
+                  <a:pt x="78315" y="68093"/>
+                </a:cubicBezTo>
+                <a:cubicBezTo>
+                  <a:pt x="89184" y="85483"/>
+                  <a:pt x="97770" y="126459"/>
+                  <a:pt x="97770" y="126459"/>
+                </a:cubicBezTo>
+                <a:cubicBezTo>
+                  <a:pt x="91882" y="256013"/>
+                  <a:pt x="137338" y="316374"/>
+                  <a:pt x="49132" y="379378"/>
+                </a:cubicBezTo>
+                <a:cubicBezTo>
+                  <a:pt x="40788" y="385338"/>
+                  <a:pt x="29677" y="385863"/>
+                  <a:pt x="19949" y="389106"/>
+                </a:cubicBezTo>
+                <a:cubicBezTo>
+                  <a:pt x="-4902" y="426383"/>
+                  <a:pt x="494" y="406598"/>
+                  <a:pt x="494" y="447472"/>
+                </a:cubicBezTo>
+              </a:path>
+            </a:pathLst>
+          </a:custGeom>
+          <a:noFill/>
+        </p:spPr>
+        <p:style>
+          <a:lnRef idx="2">
+            <a:schemeClr val="accent1">
+              <a:shade val="50000"/>
+            </a:schemeClr>
+          </a:lnRef>
+          <a:fillRef idx="1">
+            <a:schemeClr val="accent1"/>
+          </a:fillRef>
+          <a:effectRef idx="0">
+            <a:schemeClr val="accent1"/>
+          </a:effectRef>
+          <a:fontRef idx="minor">
+            <a:schemeClr val="lt1"/>
+          </a:fontRef>
+        </p:style>
+        <p:txBody>
+          <a:bodyPr rtlCol="0" anchor="ctr"/>
+          <a:lstStyle/>
+          <a:p>
+            <a:pPr algn="ctr"/>
+            <a:endParaRPr lang="en-GB"/>
+          </a:p>
+        </p:txBody>
+      </p:sp>
+      <p:sp>
+        <p:nvSpPr>
+          <p:cNvPr id="26" name="TextBox 25">
+            <a:extLst>
+              <a:ext uri="{FF2B5EF4-FFF2-40B4-BE49-F238E27FC236}">
+                <a16:creationId xmlns:a16="http://schemas.microsoft.com/office/drawing/2014/main" id="{13DBA574-E072-A4B1-8EFB-F8030264A96A}"/>
+              </a:ext>
+            </a:extLst>
+          </p:cNvPr>
+          <p:cNvSpPr txBox="1"/>
+          <p:nvPr/>
+        </p:nvSpPr>
+        <p:spPr>
+          <a:xfrm>
+            <a:off x="4895747" y="2920139"/>
+            <a:ext cx="473081" cy="369332"/>
+          </a:xfrm>
+          <a:prstGeom prst="rect">
+            <a:avLst/>
+          </a:prstGeom>
+          <a:noFill/>
+        </p:spPr>
+        <p:txBody>
+          <a:bodyPr wrap="square" rtlCol="0">
+            <a:spAutoFit/>
+          </a:bodyPr>
+          <a:lstStyle/>
+          <a:p>
+            <a:r>
+              <a:rPr lang="en-GB" dirty="0"/>
+              <a:t>90</a:t>
+            </a:r>
+          </a:p>
+        </p:txBody>
+      </p:sp>
+      <p:cxnSp>
+        <p:nvCxnSpPr>
+          <p:cNvPr id="28" name="Straight Arrow Connector 27">
+            <a:extLst>
+              <a:ext uri="{FF2B5EF4-FFF2-40B4-BE49-F238E27FC236}">
+                <a16:creationId xmlns:a16="http://schemas.microsoft.com/office/drawing/2014/main" id="{7B2533F7-0523-5E02-045A-7017CCD988C7}"/>
+              </a:ext>
+            </a:extLst>
+          </p:cNvPr>
+          <p:cNvCxnSpPr>
+            <a:cxnSpLocks/>
+          </p:cNvCxnSpPr>
+          <p:nvPr/>
+        </p:nvCxnSpPr>
+        <p:spPr>
+          <a:xfrm>
+            <a:off x="4051225" y="4593910"/>
+            <a:ext cx="2198451" cy="0"/>
+          </a:xfrm>
+          <a:prstGeom prst="straightConnector1">
+            <a:avLst/>
+          </a:prstGeom>
+          <a:ln w="19050">
+            <a:prstDash val="sysDot"/>
+            <a:headEnd type="stealth"/>
+            <a:tailEnd type="stealth"/>
+          </a:ln>
+        </p:spPr>
+        <p:style>
+          <a:lnRef idx="1">
+            <a:schemeClr val="accent1"/>
+          </a:lnRef>
+          <a:fillRef idx="0">
+            <a:schemeClr val="accent1"/>
+          </a:fillRef>
+          <a:effectRef idx="0">
+            <a:schemeClr val="accent1"/>
+          </a:effectRef>
+          <a:fontRef idx="minor">
+            <a:schemeClr val="tx1"/>
+          </a:fontRef>
+        </p:style>
+      </p:cxnSp>
+      <p:sp>
+        <p:nvSpPr>
+          <p:cNvPr id="33" name="TextBox 32">
+            <a:extLst>
+              <a:ext uri="{FF2B5EF4-FFF2-40B4-BE49-F238E27FC236}">
+                <a16:creationId xmlns:a16="http://schemas.microsoft.com/office/drawing/2014/main" id="{A98E867D-FC14-AF11-2B0E-6E916148EEA3}"/>
+              </a:ext>
+            </a:extLst>
+          </p:cNvPr>
+          <p:cNvSpPr txBox="1"/>
+          <p:nvPr/>
+        </p:nvSpPr>
+        <p:spPr>
+          <a:xfrm>
+            <a:off x="4905821" y="4680062"/>
+            <a:ext cx="473081" cy="369332"/>
+          </a:xfrm>
+          <a:prstGeom prst="rect">
+            <a:avLst/>
+          </a:prstGeom>
+          <a:noFill/>
+        </p:spPr>
+        <p:txBody>
+          <a:bodyPr wrap="square" rtlCol="0">
+            <a:spAutoFit/>
+          </a:bodyPr>
+          <a:lstStyle/>
+          <a:p>
+            <a:r>
+              <a:rPr lang="en-GB" dirty="0"/>
+              <a:t>2s</a:t>
+            </a:r>
+          </a:p>
+        </p:txBody>
+      </p:sp>
+      <mc:AlternateContent xmlns:mc="http://schemas.openxmlformats.org/markup-compatibility/2006" xmlns:a14="http://schemas.microsoft.com/office/drawing/2010/main">
+        <mc:Choice Requires="a14">
+          <p:sp>
+            <p:nvSpPr>
+              <p:cNvPr id="35" name="TextBox 34">
+                <a:extLst>
+                  <a:ext uri="{FF2B5EF4-FFF2-40B4-BE49-F238E27FC236}">
+                    <a16:creationId xmlns:a16="http://schemas.microsoft.com/office/drawing/2014/main" id="{B12F12C0-9004-9F7D-3F6A-63CD2A204ECA}"/>
+                  </a:ext>
+                </a:extLst>
+              </p:cNvPr>
+              <p:cNvSpPr txBox="1"/>
+              <p:nvPr/>
+            </p:nvSpPr>
+            <p:spPr>
+              <a:xfrm>
+                <a:off x="3192759" y="5429154"/>
+                <a:ext cx="6094378" cy="618567"/>
+              </a:xfrm>
+              <a:prstGeom prst="rect">
+                <a:avLst/>
+              </a:prstGeom>
+              <a:noFill/>
+            </p:spPr>
+            <p:txBody>
+              <a:bodyPr wrap="square">
+                <a:spAutoFit/>
+              </a:bodyPr>
+              <a:lstStyle/>
+              <a:p>
+                <a:pPr/>
+                <a14:m>
+                  <m:oMathPara xmlns:m="http://schemas.openxmlformats.org/officeDocument/2006/math">
+                    <m:oMathParaPr>
+                      <m:jc m:val="centerGroup"/>
+                    </m:oMathParaPr>
+                    <m:oMath xmlns:m="http://schemas.openxmlformats.org/officeDocument/2006/math">
+                      <m:r>
+                        <a:rPr lang="en-GB" b="0" i="1" smtClean="0">
+                          <a:latin typeface="Cambria Math" panose="02040503050406030204" pitchFamily="18" charset="0"/>
+                        </a:rPr>
+                        <m:t>𝑝𝑒𝑟𝑖𝑚𝑒𝑡𝑒𝑟</m:t>
+                      </m:r>
+                      <m:r>
+                        <a:rPr lang="en-US" i="1">
+                          <a:latin typeface="Cambria Math" panose="02040503050406030204" pitchFamily="18" charset="0"/>
+                        </a:rPr>
+                        <m:t>=</m:t>
+                      </m:r>
+                      <m:r>
+                        <a:rPr lang="en-GB" b="0" i="1" smtClean="0">
+                          <a:latin typeface="Cambria Math" panose="02040503050406030204" pitchFamily="18" charset="0"/>
+                        </a:rPr>
+                        <m:t>4 ∗2</m:t>
+                      </m:r>
+                      <m:r>
+                        <a:rPr lang="en-GB" b="0" i="1" smtClean="0">
+                          <a:latin typeface="Cambria Math" panose="02040503050406030204" pitchFamily="18" charset="0"/>
+                        </a:rPr>
+                        <m:t>𝑠</m:t>
+                      </m:r>
+                      <m:r>
+                        <a:rPr lang="en-US" i="1">
+                          <a:latin typeface="Cambria Math" panose="02040503050406030204" pitchFamily="18" charset="0"/>
+                        </a:rPr>
+                        <m:t>=</m:t>
+                      </m:r>
+                      <m:r>
+                        <a:rPr lang="en-GB" b="0" i="1" smtClean="0">
+                          <a:latin typeface="Cambria Math" panose="02040503050406030204" pitchFamily="18" charset="0"/>
+                        </a:rPr>
+                        <m:t>8∗</m:t>
+                      </m:r>
+                      <m:f>
+                        <m:fPr>
+                          <m:ctrlPr>
+                            <a:rPr lang="en-US" i="1" smtClean="0">
+                              <a:latin typeface="Cambria Math" panose="02040503050406030204" pitchFamily="18" charset="0"/>
+                            </a:rPr>
+                          </m:ctrlPr>
+                        </m:fPr>
+                        <m:num>
+                          <m:r>
+                            <a:rPr lang="en-GB" b="0" i="1" smtClean="0">
+                              <a:latin typeface="Cambria Math" panose="02040503050406030204" pitchFamily="18" charset="0"/>
+                            </a:rPr>
+                            <m:t>𝑟</m:t>
+                          </m:r>
+                        </m:num>
+                        <m:den>
+                          <m:rad>
+                            <m:radPr>
+                              <m:degHide m:val="on"/>
+                              <m:ctrlPr>
+                                <a:rPr lang="en-US" i="1" smtClean="0">
+                                  <a:latin typeface="Cambria Math" panose="02040503050406030204" pitchFamily="18" charset="0"/>
+                                </a:rPr>
+                              </m:ctrlPr>
+                            </m:radPr>
+                            <m:deg/>
+                            <m:e>
+                              <m:r>
+                                <a:rPr lang="en-GB" i="1">
+                                  <a:latin typeface="Cambria Math" panose="02040503050406030204" pitchFamily="18" charset="0"/>
+                                </a:rPr>
+                                <m:t>2</m:t>
+                              </m:r>
+                            </m:e>
+                          </m:rad>
+                        </m:den>
+                      </m:f>
+                    </m:oMath>
+                  </m:oMathPara>
+                </a14:m>
+                <a:endParaRPr lang="en-GB" dirty="0"/>
+              </a:p>
+            </p:txBody>
+          </p:sp>
+        </mc:Choice>
+        <mc:Fallback xmlns="">
+          <p:sp>
+            <p:nvSpPr>
+              <p:cNvPr id="35" name="TextBox 34">
+                <a:extLst>
+                  <a:ext uri="{FF2B5EF4-FFF2-40B4-BE49-F238E27FC236}">
+                    <a16:creationId xmlns:a16="http://schemas.microsoft.com/office/drawing/2014/main" id="{B12F12C0-9004-9F7D-3F6A-63CD2A204ECA}"/>
+                  </a:ext>
+                </a:extLst>
+              </p:cNvPr>
+              <p:cNvSpPr txBox="1">
+                <a:spLocks noRot="1" noChangeAspect="1" noMove="1" noResize="1" noEditPoints="1" noAdjustHandles="1" noChangeArrowheads="1" noChangeShapeType="1" noTextEdit="1"/>
+              </p:cNvSpPr>
+              <p:nvPr/>
+            </p:nvSpPr>
+            <p:spPr>
+              <a:xfrm>
+                <a:off x="3192759" y="5429154"/>
+                <a:ext cx="6094378" cy="618567"/>
+              </a:xfrm>
+              <a:prstGeom prst="rect">
+                <a:avLst/>
+              </a:prstGeom>
+              <a:blipFill>
+                <a:blip r:embed="rId2"/>
+                <a:stretch>
+                  <a:fillRect/>
+                </a:stretch>
+              </a:blipFill>
+            </p:spPr>
+            <p:txBody>
+              <a:bodyPr/>
+              <a:lstStyle/>
+              <a:p>
+                <a:r>
+                  <a:rPr lang="en-GB">
+                    <a:noFill/>
+                  </a:rPr>
+                  <a:t> </a:t>
+                </a:r>
+              </a:p>
+            </p:txBody>
+          </p:sp>
+        </mc:Fallback>
+      </mc:AlternateContent>
+      <mc:AlternateContent xmlns:mc="http://schemas.openxmlformats.org/markup-compatibility/2006" xmlns:a14="http://schemas.microsoft.com/office/drawing/2010/main">
+        <mc:Choice Requires="a14">
+          <p:sp>
+            <p:nvSpPr>
+              <p:cNvPr id="2" name="TextBox 1">
+                <a:extLst>
+                  <a:ext uri="{FF2B5EF4-FFF2-40B4-BE49-F238E27FC236}">
+                    <a16:creationId xmlns:a16="http://schemas.microsoft.com/office/drawing/2014/main" id="{A233D20A-7252-EDF2-91E0-3A9577A58F24}"/>
+                  </a:ext>
+                </a:extLst>
+              </p:cNvPr>
+              <p:cNvSpPr txBox="1"/>
+              <p:nvPr/>
+            </p:nvSpPr>
+            <p:spPr>
+              <a:xfrm>
+                <a:off x="7817464" y="2498856"/>
+                <a:ext cx="1546770" cy="276999"/>
+              </a:xfrm>
+              <a:prstGeom prst="rect">
+                <a:avLst/>
+              </a:prstGeom>
+              <a:noFill/>
+            </p:spPr>
+            <p:txBody>
+              <a:bodyPr wrap="none" lIns="0" tIns="0" rIns="0" bIns="0" rtlCol="0">
+                <a:spAutoFit/>
+              </a:bodyPr>
+              <a:lstStyle/>
+              <a:p>
+                <a:r>
+                  <a:rPr lang="en-GB" dirty="0"/>
+                  <a:t>(</a:t>
+                </a:r>
+                <a14:m>
+                  <m:oMath xmlns:m="http://schemas.openxmlformats.org/officeDocument/2006/math">
+                    <m:sSup>
+                      <m:sSupPr>
+                        <m:ctrlPr>
+                          <a:rPr lang="en-GB" i="1" smtClean="0">
+                            <a:latin typeface="Cambria Math" panose="02040503050406030204" pitchFamily="18" charset="0"/>
+                          </a:rPr>
+                        </m:ctrlPr>
+                      </m:sSupPr>
+                      <m:e>
+                        <m:r>
+                          <a:rPr lang="en-GB" b="0" i="1" smtClean="0">
+                            <a:latin typeface="Cambria Math" panose="02040503050406030204" pitchFamily="18" charset="0"/>
+                          </a:rPr>
+                          <m:t>2</m:t>
+                        </m:r>
+                        <m:r>
+                          <a:rPr lang="en-GB" b="0" i="1" smtClean="0">
+                            <a:latin typeface="Cambria Math" panose="02040503050406030204" pitchFamily="18" charset="0"/>
+                          </a:rPr>
+                          <m:t>𝑠</m:t>
+                        </m:r>
+                        <m:r>
+                          <a:rPr lang="en-GB" b="0" i="1" smtClean="0">
+                            <a:latin typeface="Cambria Math" panose="02040503050406030204" pitchFamily="18" charset="0"/>
+                          </a:rPr>
+                          <m:t>)</m:t>
+                        </m:r>
+                      </m:e>
+                      <m:sup>
+                        <m:r>
+                          <a:rPr lang="en-GB" i="1">
+                            <a:latin typeface="Cambria Math" panose="02040503050406030204" pitchFamily="18" charset="0"/>
+                          </a:rPr>
+                          <m:t>2</m:t>
+                        </m:r>
+                      </m:sup>
+                    </m:sSup>
+                    <m:r>
+                      <a:rPr lang="en-GB" i="1" smtClean="0">
+                        <a:latin typeface="Cambria Math" panose="02040503050406030204" pitchFamily="18" charset="0"/>
+                      </a:rPr>
+                      <m:t>=</m:t>
+                    </m:r>
+                    <m:sSup>
+                      <m:sSupPr>
+                        <m:ctrlPr>
+                          <a:rPr lang="en-GB" i="1">
+                            <a:latin typeface="Cambria Math" panose="02040503050406030204" pitchFamily="18" charset="0"/>
+                          </a:rPr>
+                        </m:ctrlPr>
+                      </m:sSupPr>
+                      <m:e>
+                        <m:r>
+                          <a:rPr lang="en-GB" i="1">
+                            <a:latin typeface="Cambria Math" panose="02040503050406030204" pitchFamily="18" charset="0"/>
+                          </a:rPr>
+                          <m:t>𝑟</m:t>
+                        </m:r>
+                      </m:e>
+                      <m:sup>
+                        <m:r>
+                          <a:rPr lang="en-GB" i="1">
+                            <a:latin typeface="Cambria Math" panose="02040503050406030204" pitchFamily="18" charset="0"/>
+                          </a:rPr>
+                          <m:t>2</m:t>
+                        </m:r>
+                      </m:sup>
+                    </m:sSup>
+                    <m:r>
+                      <a:rPr lang="en-GB" b="0" i="1" smtClean="0">
+                        <a:latin typeface="Cambria Math" panose="02040503050406030204" pitchFamily="18" charset="0"/>
+                      </a:rPr>
+                      <m:t>+</m:t>
+                    </m:r>
+                    <m:sSup>
+                      <m:sSupPr>
+                        <m:ctrlPr>
+                          <a:rPr lang="en-GB" i="1" smtClean="0">
+                            <a:latin typeface="Cambria Math" panose="02040503050406030204" pitchFamily="18" charset="0"/>
+                          </a:rPr>
+                        </m:ctrlPr>
+                      </m:sSupPr>
+                      <m:e>
+                        <m:r>
+                          <a:rPr lang="en-GB" i="1" smtClean="0">
+                            <a:latin typeface="Cambria Math" panose="02040503050406030204" pitchFamily="18" charset="0"/>
+                          </a:rPr>
+                          <m:t>𝑟</m:t>
+                        </m:r>
+                      </m:e>
+                      <m:sup>
+                        <m:r>
+                          <a:rPr lang="en-GB" i="1" smtClean="0">
+                            <a:latin typeface="Cambria Math" panose="02040503050406030204" pitchFamily="18" charset="0"/>
+                          </a:rPr>
+                          <m:t>2</m:t>
+                        </m:r>
+                      </m:sup>
+                    </m:sSup>
+                  </m:oMath>
+                </a14:m>
+                <a:endParaRPr lang="en-GB" dirty="0"/>
+              </a:p>
+            </p:txBody>
+          </p:sp>
+        </mc:Choice>
+        <mc:Fallback xmlns="">
+          <p:sp>
+            <p:nvSpPr>
+              <p:cNvPr id="2" name="TextBox 1">
+                <a:extLst>
+                  <a:ext uri="{FF2B5EF4-FFF2-40B4-BE49-F238E27FC236}">
+                    <a16:creationId xmlns:a16="http://schemas.microsoft.com/office/drawing/2014/main" id="{A233D20A-7252-EDF2-91E0-3A9577A58F24}"/>
+                  </a:ext>
+                </a:extLst>
+              </p:cNvPr>
+              <p:cNvSpPr txBox="1">
+                <a:spLocks noRot="1" noChangeAspect="1" noMove="1" noResize="1" noEditPoints="1" noAdjustHandles="1" noChangeArrowheads="1" noChangeShapeType="1" noTextEdit="1"/>
+              </p:cNvSpPr>
+              <p:nvPr/>
+            </p:nvSpPr>
+            <p:spPr>
+              <a:xfrm>
+                <a:off x="7817464" y="2498856"/>
+                <a:ext cx="1546770" cy="276999"/>
+              </a:xfrm>
+              <a:prstGeom prst="rect">
+                <a:avLst/>
+              </a:prstGeom>
+              <a:blipFill>
+                <a:blip r:embed="rId3"/>
+                <a:stretch>
+                  <a:fillRect l="-9055" t="-28889" r="-2756" b="-51111"/>
+                </a:stretch>
+              </a:blipFill>
+            </p:spPr>
+            <p:txBody>
+              <a:bodyPr/>
+              <a:lstStyle/>
+              <a:p>
+                <a:r>
+                  <a:rPr lang="en-GB">
+                    <a:noFill/>
+                  </a:rPr>
+                  <a:t> </a:t>
+                </a:r>
+              </a:p>
+            </p:txBody>
+          </p:sp>
+        </mc:Fallback>
+      </mc:AlternateContent>
+      <mc:AlternateContent xmlns:mc="http://schemas.openxmlformats.org/markup-compatibility/2006" xmlns:a14="http://schemas.microsoft.com/office/drawing/2010/main">
+        <mc:Choice Requires="a14">
+          <p:sp>
+            <p:nvSpPr>
+              <p:cNvPr id="4" name="TextBox 3">
+                <a:extLst>
+                  <a:ext uri="{FF2B5EF4-FFF2-40B4-BE49-F238E27FC236}">
+                    <a16:creationId xmlns:a16="http://schemas.microsoft.com/office/drawing/2014/main" id="{2C3DF128-31B9-AA96-2CA6-DAAE13DA02E6}"/>
+                  </a:ext>
+                </a:extLst>
+              </p:cNvPr>
+              <p:cNvSpPr txBox="1"/>
+              <p:nvPr/>
+            </p:nvSpPr>
+            <p:spPr>
+              <a:xfrm>
+                <a:off x="7817464" y="2979383"/>
+                <a:ext cx="1064074" cy="276999"/>
+              </a:xfrm>
+              <a:prstGeom prst="rect">
+                <a:avLst/>
+              </a:prstGeom>
+              <a:noFill/>
+            </p:spPr>
+            <p:txBody>
+              <a:bodyPr wrap="none" lIns="0" tIns="0" rIns="0" bIns="0" rtlCol="0">
+                <a:spAutoFit/>
+              </a:bodyPr>
+              <a:lstStyle/>
+              <a:p>
+                <a:pPr/>
+                <a14:m>
+                  <m:oMathPara xmlns:m="http://schemas.openxmlformats.org/officeDocument/2006/math">
+                    <m:oMathParaPr>
+                      <m:jc m:val="centerGroup"/>
+                    </m:oMathParaPr>
+                    <m:oMath xmlns:m="http://schemas.openxmlformats.org/officeDocument/2006/math">
+                      <m:sSup>
+                        <m:sSupPr>
+                          <m:ctrlPr>
+                            <a:rPr lang="en-GB" i="1" smtClean="0">
+                              <a:latin typeface="Cambria Math" panose="02040503050406030204" pitchFamily="18" charset="0"/>
+                            </a:rPr>
+                          </m:ctrlPr>
+                        </m:sSupPr>
+                        <m:e>
+                          <m:r>
+                            <a:rPr lang="en-GB" b="0" i="1" smtClean="0">
+                              <a:latin typeface="Cambria Math" panose="02040503050406030204" pitchFamily="18" charset="0"/>
+                            </a:rPr>
+                            <m:t>4</m:t>
+                          </m:r>
+                          <m:r>
+                            <a:rPr lang="en-GB" b="0" i="1" smtClean="0">
+                              <a:latin typeface="Cambria Math" panose="02040503050406030204" pitchFamily="18" charset="0"/>
+                            </a:rPr>
+                            <m:t>𝑠</m:t>
+                          </m:r>
+                        </m:e>
+                        <m:sup>
+                          <m:r>
+                            <a:rPr lang="en-GB" i="1">
+                              <a:latin typeface="Cambria Math" panose="02040503050406030204" pitchFamily="18" charset="0"/>
+                            </a:rPr>
+                            <m:t>2</m:t>
+                          </m:r>
+                        </m:sup>
+                      </m:sSup>
+                      <m:r>
+                        <a:rPr lang="en-GB" i="1" smtClean="0">
+                          <a:latin typeface="Cambria Math" panose="02040503050406030204" pitchFamily="18" charset="0"/>
+                        </a:rPr>
+                        <m:t>=</m:t>
+                      </m:r>
+                      <m:sSup>
+                        <m:sSupPr>
+                          <m:ctrlPr>
+                            <a:rPr lang="en-GB" i="1">
+                              <a:latin typeface="Cambria Math" panose="02040503050406030204" pitchFamily="18" charset="0"/>
+                            </a:rPr>
+                          </m:ctrlPr>
+                        </m:sSupPr>
+                        <m:e>
+                          <m:r>
+                            <a:rPr lang="en-GB" b="0" i="1" smtClean="0">
+                              <a:latin typeface="Cambria Math" panose="02040503050406030204" pitchFamily="18" charset="0"/>
+                            </a:rPr>
+                            <m:t>2</m:t>
+                          </m:r>
+                          <m:r>
+                            <a:rPr lang="en-GB" i="1">
+                              <a:latin typeface="Cambria Math" panose="02040503050406030204" pitchFamily="18" charset="0"/>
+                            </a:rPr>
+                            <m:t>𝑟</m:t>
+                          </m:r>
+                        </m:e>
+                        <m:sup>
+                          <m:r>
+                            <a:rPr lang="en-GB" i="1">
+                              <a:latin typeface="Cambria Math" panose="02040503050406030204" pitchFamily="18" charset="0"/>
+                            </a:rPr>
+                            <m:t>2</m:t>
+                          </m:r>
+                        </m:sup>
+                      </m:sSup>
+                    </m:oMath>
+                  </m:oMathPara>
+                </a14:m>
+                <a:endParaRPr lang="en-GB" dirty="0"/>
+              </a:p>
+            </p:txBody>
+          </p:sp>
+        </mc:Choice>
+        <mc:Fallback xmlns="">
+          <p:sp>
+            <p:nvSpPr>
+              <p:cNvPr id="4" name="TextBox 3">
+                <a:extLst>
+                  <a:ext uri="{FF2B5EF4-FFF2-40B4-BE49-F238E27FC236}">
+                    <a16:creationId xmlns:a16="http://schemas.microsoft.com/office/drawing/2014/main" id="{2C3DF128-31B9-AA96-2CA6-DAAE13DA02E6}"/>
+                  </a:ext>
+                </a:extLst>
+              </p:cNvPr>
+              <p:cNvSpPr txBox="1">
+                <a:spLocks noRot="1" noChangeAspect="1" noMove="1" noResize="1" noEditPoints="1" noAdjustHandles="1" noChangeArrowheads="1" noChangeShapeType="1" noTextEdit="1"/>
+              </p:cNvSpPr>
+              <p:nvPr/>
+            </p:nvSpPr>
+            <p:spPr>
+              <a:xfrm>
+                <a:off x="7817464" y="2979383"/>
+                <a:ext cx="1064074" cy="276999"/>
+              </a:xfrm>
+              <a:prstGeom prst="rect">
+                <a:avLst/>
+              </a:prstGeom>
+              <a:blipFill>
+                <a:blip r:embed="rId4"/>
+                <a:stretch>
+                  <a:fillRect l="-4571" t="-4444" r="-2286" b="-6667"/>
+                </a:stretch>
+              </a:blipFill>
+            </p:spPr>
+            <p:txBody>
+              <a:bodyPr/>
+              <a:lstStyle/>
+              <a:p>
+                <a:r>
+                  <a:rPr lang="en-GB">
+                    <a:noFill/>
+                  </a:rPr>
+                  <a:t> </a:t>
+                </a:r>
+              </a:p>
+            </p:txBody>
+          </p:sp>
+        </mc:Fallback>
+      </mc:AlternateContent>
+      <mc:AlternateContent xmlns:mc="http://schemas.openxmlformats.org/markup-compatibility/2006" xmlns:a14="http://schemas.microsoft.com/office/drawing/2010/main">
+        <mc:Choice Requires="a14">
+          <p:sp>
+            <p:nvSpPr>
+              <p:cNvPr id="12" name="TextBox 11">
+                <a:extLst>
+                  <a:ext uri="{FF2B5EF4-FFF2-40B4-BE49-F238E27FC236}">
+                    <a16:creationId xmlns:a16="http://schemas.microsoft.com/office/drawing/2014/main" id="{631DB7D2-12EB-F36B-602C-0FFDF5B7AC43}"/>
+                  </a:ext>
+                </a:extLst>
+              </p:cNvPr>
+              <p:cNvSpPr txBox="1"/>
+              <p:nvPr/>
+            </p:nvSpPr>
+            <p:spPr>
+              <a:xfrm>
+                <a:off x="7830747" y="3498982"/>
+                <a:ext cx="797526" cy="526234"/>
+              </a:xfrm>
+              <a:prstGeom prst="rect">
+                <a:avLst/>
+              </a:prstGeom>
+              <a:noFill/>
+            </p:spPr>
+            <p:txBody>
+              <a:bodyPr wrap="none" lIns="0" tIns="0" rIns="0" bIns="0" rtlCol="0">
+                <a:spAutoFit/>
+              </a:bodyPr>
+              <a:lstStyle/>
+              <a:p>
+                <a:pPr/>
+                <a14:m>
+                  <m:oMathPara xmlns:m="http://schemas.openxmlformats.org/officeDocument/2006/math">
+                    <m:oMathParaPr>
+                      <m:jc m:val="centerGroup"/>
+                    </m:oMathParaPr>
+                    <m:oMath xmlns:m="http://schemas.openxmlformats.org/officeDocument/2006/math">
+                      <m:r>
+                        <a:rPr lang="en-GB" b="0" i="1" smtClean="0">
+                          <a:latin typeface="Cambria Math" panose="02040503050406030204" pitchFamily="18" charset="0"/>
+                        </a:rPr>
+                        <m:t>𝑠</m:t>
+                      </m:r>
+                      <m:r>
+                        <a:rPr lang="en-GB" i="1" smtClean="0">
+                          <a:latin typeface="Cambria Math" panose="02040503050406030204" pitchFamily="18" charset="0"/>
+                        </a:rPr>
+                        <m:t>=</m:t>
+                      </m:r>
+                      <m:r>
+                        <a:rPr lang="en-GB" b="0" i="1" smtClean="0">
+                          <a:latin typeface="Cambria Math" panose="02040503050406030204" pitchFamily="18" charset="0"/>
+                        </a:rPr>
+                        <m:t> </m:t>
+                      </m:r>
+                      <m:f>
+                        <m:fPr>
+                          <m:ctrlPr>
+                            <a:rPr lang="en-GB" b="0" i="1" smtClean="0">
+                              <a:latin typeface="Cambria Math" panose="02040503050406030204" pitchFamily="18" charset="0"/>
+                            </a:rPr>
+                          </m:ctrlPr>
+                        </m:fPr>
+                        <m:num>
+                          <m:r>
+                            <a:rPr lang="en-GB" b="0" i="1" smtClean="0">
+                              <a:latin typeface="Cambria Math" panose="02040503050406030204" pitchFamily="18" charset="0"/>
+                            </a:rPr>
+                            <m:t>𝑟</m:t>
+                          </m:r>
+                        </m:num>
+                        <m:den>
+                          <m:rad>
+                            <m:radPr>
+                              <m:degHide m:val="on"/>
+                              <m:ctrlPr>
+                                <a:rPr lang="en-GB" b="0" i="1" smtClean="0">
+                                  <a:latin typeface="Cambria Math" panose="02040503050406030204" pitchFamily="18" charset="0"/>
+                                </a:rPr>
+                              </m:ctrlPr>
+                            </m:radPr>
+                            <m:deg/>
+                            <m:e>
+                              <m:r>
+                                <a:rPr lang="en-GB" b="0" i="1" smtClean="0">
+                                  <a:latin typeface="Cambria Math" panose="02040503050406030204" pitchFamily="18" charset="0"/>
+                                </a:rPr>
+                                <m:t>2</m:t>
+                              </m:r>
+                            </m:e>
+                          </m:rad>
+                        </m:den>
+                      </m:f>
+                    </m:oMath>
+                  </m:oMathPara>
+                </a14:m>
+                <a:endParaRPr lang="en-GB" dirty="0"/>
+              </a:p>
+            </p:txBody>
+          </p:sp>
+        </mc:Choice>
+        <mc:Fallback xmlns="">
+          <p:sp>
+            <p:nvSpPr>
+              <p:cNvPr id="12" name="TextBox 11">
+                <a:extLst>
+                  <a:ext uri="{FF2B5EF4-FFF2-40B4-BE49-F238E27FC236}">
+                    <a16:creationId xmlns:a16="http://schemas.microsoft.com/office/drawing/2014/main" id="{631DB7D2-12EB-F36B-602C-0FFDF5B7AC43}"/>
+                  </a:ext>
+                </a:extLst>
+              </p:cNvPr>
+              <p:cNvSpPr txBox="1">
+                <a:spLocks noRot="1" noChangeAspect="1" noMove="1" noResize="1" noEditPoints="1" noAdjustHandles="1" noChangeArrowheads="1" noChangeShapeType="1" noTextEdit="1"/>
+              </p:cNvSpPr>
+              <p:nvPr/>
+            </p:nvSpPr>
+            <p:spPr>
+              <a:xfrm>
+                <a:off x="7830747" y="3498982"/>
+                <a:ext cx="797526" cy="526234"/>
+              </a:xfrm>
+              <a:prstGeom prst="rect">
+                <a:avLst/>
+              </a:prstGeom>
+              <a:blipFill>
+                <a:blip r:embed="rId5"/>
+                <a:stretch>
+                  <a:fillRect b="-1163"/>
+                </a:stretch>
+              </a:blipFill>
+            </p:spPr>
+            <p:txBody>
+              <a:bodyPr/>
+              <a:lstStyle/>
+              <a:p>
+                <a:r>
+                  <a:rPr lang="en-GB">
+                    <a:noFill/>
+                  </a:rPr>
+                  <a:t> </a:t>
+                </a:r>
+              </a:p>
+            </p:txBody>
+          </p:sp>
+        </mc:Fallback>
+      </mc:AlternateContent>
+      <p:sp>
+        <p:nvSpPr>
+          <p:cNvPr id="15" name="TextBox 14">
+            <a:extLst>
+              <a:ext uri="{FF2B5EF4-FFF2-40B4-BE49-F238E27FC236}">
+                <a16:creationId xmlns:a16="http://schemas.microsoft.com/office/drawing/2014/main" id="{7A4BCC65-05DB-8B71-E97C-429057EE5B81}"/>
+              </a:ext>
+            </a:extLst>
+          </p:cNvPr>
+          <p:cNvSpPr txBox="1"/>
+          <p:nvPr/>
+        </p:nvSpPr>
+        <p:spPr>
+          <a:xfrm>
+            <a:off x="5350318" y="3236058"/>
+            <a:ext cx="246524" cy="369332"/>
+          </a:xfrm>
+          <a:prstGeom prst="rect">
+            <a:avLst/>
+          </a:prstGeom>
+          <a:noFill/>
+        </p:spPr>
+        <p:txBody>
+          <a:bodyPr wrap="square" rtlCol="0">
+            <a:spAutoFit/>
+          </a:bodyPr>
+          <a:lstStyle/>
+          <a:p>
+            <a:r>
+              <a:rPr lang="en-GB" dirty="0"/>
+              <a:t>r</a:t>
+            </a:r>
+          </a:p>
+        </p:txBody>
+      </p:sp>
+      <p:cxnSp>
+        <p:nvCxnSpPr>
+          <p:cNvPr id="16" name="Straight Arrow Connector 15">
+            <a:extLst>
+              <a:ext uri="{FF2B5EF4-FFF2-40B4-BE49-F238E27FC236}">
+                <a16:creationId xmlns:a16="http://schemas.microsoft.com/office/drawing/2014/main" id="{B1348DCF-5D20-87B6-4D0B-A761826B4A1C}"/>
+              </a:ext>
+            </a:extLst>
+          </p:cNvPr>
+          <p:cNvCxnSpPr/>
+          <p:nvPr/>
+        </p:nvCxnSpPr>
+        <p:spPr>
+          <a:xfrm>
+            <a:off x="6741006" y="2838750"/>
+            <a:ext cx="0" cy="904672"/>
+          </a:xfrm>
+          <a:prstGeom prst="straightConnector1">
+            <a:avLst/>
+          </a:prstGeom>
+          <a:ln w="19050">
+            <a:prstDash val="sysDot"/>
+            <a:headEnd type="stealth"/>
+            <a:tailEnd type="stealth"/>
+          </a:ln>
+        </p:spPr>
+        <p:style>
+          <a:lnRef idx="1">
+            <a:schemeClr val="accent1"/>
+          </a:lnRef>
+          <a:fillRef idx="0">
+            <a:schemeClr val="accent1"/>
+          </a:fillRef>
+          <a:effectRef idx="0">
+            <a:schemeClr val="accent1"/>
+          </a:effectRef>
+          <a:fontRef idx="minor">
+            <a:schemeClr val="tx1"/>
+          </a:fontRef>
+        </p:style>
+      </p:cxnSp>
+      <p:sp>
+        <p:nvSpPr>
+          <p:cNvPr id="17" name="TextBox 16">
+            <a:extLst>
+              <a:ext uri="{FF2B5EF4-FFF2-40B4-BE49-F238E27FC236}">
+                <a16:creationId xmlns:a16="http://schemas.microsoft.com/office/drawing/2014/main" id="{777EBFE5-E579-74F4-E9EC-6C1171E7A9D8}"/>
+              </a:ext>
+            </a:extLst>
+          </p:cNvPr>
+          <p:cNvSpPr txBox="1"/>
+          <p:nvPr/>
+        </p:nvSpPr>
+        <p:spPr>
+          <a:xfrm>
+            <a:off x="6748422" y="3065689"/>
+            <a:ext cx="473081" cy="369332"/>
+          </a:xfrm>
+          <a:prstGeom prst="rect">
+            <a:avLst/>
+          </a:prstGeom>
+          <a:noFill/>
+        </p:spPr>
+        <p:txBody>
+          <a:bodyPr wrap="square" rtlCol="0">
+            <a:spAutoFit/>
+          </a:bodyPr>
+          <a:lstStyle/>
+          <a:p>
+            <a:r>
+              <a:rPr lang="en-GB" dirty="0"/>
+              <a:t>s</a:t>
+            </a:r>
+          </a:p>
+        </p:txBody>
+      </p:sp>
+    </p:spTree>
+    <p:extLst>
+      <p:ext uri="{BB962C8B-B14F-4D97-AF65-F5344CB8AC3E}">
+        <p14:creationId xmlns:p14="http://schemas.microsoft.com/office/powerpoint/2010/main" val="4036461199"/>
+      </p:ext>
+    </p:extLst>
+  </p:cSld>
+  <p:clrMapOvr>
+    <a:masterClrMapping/>
+  </p:clrMapOvr>
+</p:sld>
+</file>
+
+<file path=ppt/slides/slide7.xml><?xml version="1.0" encoding="utf-8"?>
+<p:sld xmlns:a="http://schemas.openxmlformats.org/drawingml/2006/main" xmlns:r="http://schemas.openxmlformats.org/officeDocument/2006/relationships" xmlns:p="http://schemas.openxmlformats.org/presentationml/2006/main">
+  <p:cSld>
+    <p:spTree>
+      <p:nvGrpSpPr>
+        <p:cNvPr id="1" name=""/>
+        <p:cNvGrpSpPr/>
+        <p:nvPr/>
+      </p:nvGrpSpPr>
+      <p:grpSpPr>
+        <a:xfrm>
+          <a:off x="0" y="0"/>
+          <a:ext cx="0" cy="0"/>
+          <a:chOff x="0" y="0"/>
+          <a:chExt cx="0" cy="0"/>
+        </a:xfrm>
+      </p:grpSpPr>
+      <p:sp>
+        <p:nvSpPr>
+          <p:cNvPr id="5" name="Oval 4">
+            <a:extLst>
+              <a:ext uri="{FF2B5EF4-FFF2-40B4-BE49-F238E27FC236}">
+                <a16:creationId xmlns:a16="http://schemas.microsoft.com/office/drawing/2014/main" id="{7501EEE5-A509-1FB3-40EA-F063365CB104}"/>
+              </a:ext>
+            </a:extLst>
+          </p:cNvPr>
+          <p:cNvSpPr/>
+          <p:nvPr/>
+        </p:nvSpPr>
+        <p:spPr>
+          <a:xfrm>
+            <a:off x="681400" y="1440024"/>
+            <a:ext cx="2955023" cy="2777743"/>
+          </a:xfrm>
+          <a:prstGeom prst="ellipse">
+            <a:avLst/>
+          </a:prstGeom>
+          <a:noFill/>
+        </p:spPr>
+        <p:style>
+          <a:lnRef idx="2">
+            <a:schemeClr val="accent1">
+              <a:shade val="50000"/>
+            </a:schemeClr>
+          </a:lnRef>
+          <a:fillRef idx="1">
+            <a:schemeClr val="accent1"/>
+          </a:fillRef>
+          <a:effectRef idx="0">
+            <a:schemeClr val="accent1"/>
+          </a:effectRef>
+          <a:fontRef idx="minor">
+            <a:schemeClr val="lt1"/>
+          </a:fontRef>
+        </p:style>
+        <p:txBody>
+          <a:bodyPr rtlCol="0" anchor="ctr"/>
+          <a:lstStyle/>
+          <a:p>
+            <a:pPr algn="ctr"/>
+            <a:endParaRPr lang="en-GB"/>
+          </a:p>
+        </p:txBody>
+      </p:sp>
+      <p:sp>
+        <p:nvSpPr>
+          <p:cNvPr id="7" name="Rectangle 6">
+            <a:extLst>
+              <a:ext uri="{FF2B5EF4-FFF2-40B4-BE49-F238E27FC236}">
+                <a16:creationId xmlns:a16="http://schemas.microsoft.com/office/drawing/2014/main" id="{7AD68B9F-5EB4-311A-7345-5C56B53AD089}"/>
+              </a:ext>
+            </a:extLst>
+          </p:cNvPr>
+          <p:cNvSpPr/>
+          <p:nvPr/>
+        </p:nvSpPr>
+        <p:spPr>
+          <a:xfrm>
+            <a:off x="1068322" y="1902585"/>
+            <a:ext cx="2198451" cy="1809345"/>
+          </a:xfrm>
+          <a:prstGeom prst="rect">
+            <a:avLst/>
+          </a:prstGeom>
+          <a:noFill/>
+        </p:spPr>
+        <p:style>
+          <a:lnRef idx="2">
+            <a:schemeClr val="accent1">
+              <a:shade val="50000"/>
+            </a:schemeClr>
+          </a:lnRef>
+          <a:fillRef idx="1">
+            <a:schemeClr val="accent1"/>
+          </a:fillRef>
+          <a:effectRef idx="0">
+            <a:schemeClr val="accent1"/>
+          </a:effectRef>
+          <a:fontRef idx="minor">
+            <a:schemeClr val="lt1"/>
+          </a:fontRef>
+        </p:style>
+        <p:txBody>
+          <a:bodyPr rtlCol="0" anchor="ctr"/>
+          <a:lstStyle/>
+          <a:p>
+            <a:pPr algn="ctr"/>
+            <a:endParaRPr lang="en-GB"/>
+          </a:p>
+        </p:txBody>
+      </p:sp>
+      <p:cxnSp>
+        <p:nvCxnSpPr>
+          <p:cNvPr id="6" name="Straight Arrow Connector 5">
+            <a:extLst>
+              <a:ext uri="{FF2B5EF4-FFF2-40B4-BE49-F238E27FC236}">
+                <a16:creationId xmlns:a16="http://schemas.microsoft.com/office/drawing/2014/main" id="{C186B7CD-3D23-1468-3EBC-BB738DD0866E}"/>
+              </a:ext>
+            </a:extLst>
+          </p:cNvPr>
+          <p:cNvCxnSpPr/>
+          <p:nvPr/>
+        </p:nvCxnSpPr>
+        <p:spPr>
+          <a:xfrm flipV="1">
+            <a:off x="2130273" y="1902585"/>
+            <a:ext cx="1136500" cy="924591"/>
+          </a:xfrm>
+          <a:prstGeom prst="straightConnector1">
+            <a:avLst/>
+          </a:prstGeom>
+          <a:ln w="19050">
+            <a:prstDash val="dashDot"/>
+            <a:tailEnd type="triangle"/>
+          </a:ln>
+        </p:spPr>
+        <p:style>
+          <a:lnRef idx="1">
+            <a:schemeClr val="accent1"/>
+          </a:lnRef>
+          <a:fillRef idx="0">
+            <a:schemeClr val="accent1"/>
+          </a:fillRef>
+          <a:effectRef idx="0">
+            <a:schemeClr val="accent1"/>
+          </a:effectRef>
+          <a:fontRef idx="minor">
+            <a:schemeClr val="tx1"/>
+          </a:fontRef>
+        </p:style>
+      </p:cxnSp>
+      <p:cxnSp>
+        <p:nvCxnSpPr>
+          <p:cNvPr id="8" name="Straight Arrow Connector 7">
+            <a:extLst>
+              <a:ext uri="{FF2B5EF4-FFF2-40B4-BE49-F238E27FC236}">
+                <a16:creationId xmlns:a16="http://schemas.microsoft.com/office/drawing/2014/main" id="{231E28D2-C03E-9341-47F7-AF36D9C599E7}"/>
+              </a:ext>
+            </a:extLst>
+          </p:cNvPr>
+          <p:cNvCxnSpPr>
+            <a:cxnSpLocks/>
+            <a:endCxn id="5" idx="6"/>
+          </p:cNvCxnSpPr>
+          <p:nvPr/>
+        </p:nvCxnSpPr>
+        <p:spPr>
+          <a:xfrm>
+            <a:off x="2167547" y="2827176"/>
+            <a:ext cx="1468876" cy="1720"/>
+          </a:xfrm>
+          <a:prstGeom prst="straightConnector1">
+            <a:avLst/>
+          </a:prstGeom>
+          <a:ln w="19050">
+            <a:prstDash val="dashDot"/>
+            <a:tailEnd type="triangle"/>
+          </a:ln>
+        </p:spPr>
+        <p:style>
+          <a:lnRef idx="1">
+            <a:schemeClr val="accent1"/>
+          </a:lnRef>
+          <a:fillRef idx="0">
+            <a:schemeClr val="accent1"/>
+          </a:fillRef>
+          <a:effectRef idx="0">
+            <a:schemeClr val="accent1"/>
+          </a:effectRef>
+          <a:fontRef idx="minor">
+            <a:schemeClr val="tx1"/>
+          </a:fontRef>
+        </p:style>
+      </p:cxnSp>
+      <p:cxnSp>
+        <p:nvCxnSpPr>
+          <p:cNvPr id="9" name="Straight Arrow Connector 8">
+            <a:extLst>
+              <a:ext uri="{FF2B5EF4-FFF2-40B4-BE49-F238E27FC236}">
+                <a16:creationId xmlns:a16="http://schemas.microsoft.com/office/drawing/2014/main" id="{DDC9C3FC-1D92-E6B0-808B-71EED4EF9E1A}"/>
+              </a:ext>
+            </a:extLst>
+          </p:cNvPr>
+          <p:cNvCxnSpPr>
+            <a:cxnSpLocks/>
+          </p:cNvCxnSpPr>
+          <p:nvPr/>
+        </p:nvCxnSpPr>
+        <p:spPr>
+          <a:xfrm>
+            <a:off x="2130273" y="2827176"/>
+            <a:ext cx="1136500" cy="884754"/>
+          </a:xfrm>
+          <a:prstGeom prst="straightConnector1">
+            <a:avLst/>
+          </a:prstGeom>
+          <a:ln w="19050">
+            <a:prstDash val="dashDot"/>
+            <a:tailEnd type="triangle"/>
+          </a:ln>
+        </p:spPr>
+        <p:style>
+          <a:lnRef idx="1">
+            <a:schemeClr val="accent1"/>
+          </a:lnRef>
+          <a:fillRef idx="0">
+            <a:schemeClr val="accent1"/>
+          </a:fillRef>
+          <a:effectRef idx="0">
+            <a:schemeClr val="accent1"/>
+          </a:effectRef>
+          <a:fontRef idx="minor">
+            <a:schemeClr val="tx1"/>
+          </a:fontRef>
+        </p:style>
+      </p:cxnSp>
+      <p:sp>
+        <p:nvSpPr>
+          <p:cNvPr id="14" name="TextBox 13">
+            <a:extLst>
+              <a:ext uri="{FF2B5EF4-FFF2-40B4-BE49-F238E27FC236}">
+                <a16:creationId xmlns:a16="http://schemas.microsoft.com/office/drawing/2014/main" id="{84772D2C-9AA9-76D8-FB7E-894BC0AB60C3}"/>
+              </a:ext>
+            </a:extLst>
+          </p:cNvPr>
+          <p:cNvSpPr txBox="1"/>
+          <p:nvPr/>
+        </p:nvSpPr>
+        <p:spPr>
+          <a:xfrm>
+            <a:off x="2428905" y="1995548"/>
+            <a:ext cx="246524" cy="369332"/>
+          </a:xfrm>
+          <a:prstGeom prst="rect">
+            <a:avLst/>
+          </a:prstGeom>
+          <a:noFill/>
+        </p:spPr>
+        <p:txBody>
+          <a:bodyPr wrap="square" rtlCol="0">
+            <a:spAutoFit/>
+          </a:bodyPr>
+          <a:lstStyle/>
+          <a:p>
+            <a:r>
+              <a:rPr lang="en-GB" dirty="0"/>
+              <a:t>r</a:t>
+            </a:r>
+          </a:p>
+        </p:txBody>
+      </p:sp>
+      <p:cxnSp>
+        <p:nvCxnSpPr>
+          <p:cNvPr id="20" name="Straight Arrow Connector 19">
+            <a:extLst>
+              <a:ext uri="{FF2B5EF4-FFF2-40B4-BE49-F238E27FC236}">
+                <a16:creationId xmlns:a16="http://schemas.microsoft.com/office/drawing/2014/main" id="{64A385D3-03CA-7727-E8FF-492262490D0F}"/>
+              </a:ext>
+            </a:extLst>
+          </p:cNvPr>
+          <p:cNvCxnSpPr/>
+          <p:nvPr/>
+        </p:nvCxnSpPr>
+        <p:spPr>
+          <a:xfrm>
+            <a:off x="3754994" y="1902585"/>
+            <a:ext cx="0" cy="904672"/>
+          </a:xfrm>
+          <a:prstGeom prst="straightConnector1">
+            <a:avLst/>
+          </a:prstGeom>
+          <a:ln w="19050">
+            <a:prstDash val="sysDot"/>
+            <a:headEnd type="stealth"/>
+            <a:tailEnd type="stealth"/>
+          </a:ln>
+        </p:spPr>
+        <p:style>
+          <a:lnRef idx="1">
+            <a:schemeClr val="accent1"/>
+          </a:lnRef>
+          <a:fillRef idx="0">
+            <a:schemeClr val="accent1"/>
+          </a:fillRef>
+          <a:effectRef idx="0">
+            <a:schemeClr val="accent1"/>
+          </a:effectRef>
+          <a:fontRef idx="minor">
+            <a:schemeClr val="tx1"/>
+          </a:fontRef>
+        </p:style>
+      </p:cxnSp>
+      <p:sp>
+        <p:nvSpPr>
+          <p:cNvPr id="23" name="TextBox 22">
+            <a:extLst>
+              <a:ext uri="{FF2B5EF4-FFF2-40B4-BE49-F238E27FC236}">
+                <a16:creationId xmlns:a16="http://schemas.microsoft.com/office/drawing/2014/main" id="{D1E87A1F-C5C1-E648-0F0F-07B472F63F77}"/>
+              </a:ext>
+            </a:extLst>
+          </p:cNvPr>
+          <p:cNvSpPr txBox="1"/>
+          <p:nvPr/>
+        </p:nvSpPr>
+        <p:spPr>
+          <a:xfrm>
+            <a:off x="3762410" y="2129524"/>
+            <a:ext cx="379507" cy="369332"/>
+          </a:xfrm>
+          <a:prstGeom prst="rect">
+            <a:avLst/>
+          </a:prstGeom>
+          <a:noFill/>
+        </p:spPr>
+        <p:txBody>
+          <a:bodyPr wrap="square" rtlCol="0">
+            <a:spAutoFit/>
+          </a:bodyPr>
+          <a:lstStyle/>
+          <a:p>
+            <a:r>
+              <a:rPr lang="en-GB" dirty="0"/>
+              <a:t>S</a:t>
+            </a:r>
+            <a:r>
+              <a:rPr lang="en-GB" sz="1200" dirty="0"/>
+              <a:t>0</a:t>
+            </a:r>
+            <a:endParaRPr lang="en-GB" dirty="0"/>
+          </a:p>
+        </p:txBody>
+      </p:sp>
+      <p:sp>
+        <p:nvSpPr>
+          <p:cNvPr id="24" name="Freeform: Shape 23">
+            <a:extLst>
+              <a:ext uri="{FF2B5EF4-FFF2-40B4-BE49-F238E27FC236}">
+                <a16:creationId xmlns:a16="http://schemas.microsoft.com/office/drawing/2014/main" id="{48129310-F5ED-4741-E55F-8F0FA77C6C3B}"/>
+              </a:ext>
+            </a:extLst>
+          </p:cNvPr>
+          <p:cNvSpPr/>
+          <p:nvPr/>
+        </p:nvSpPr>
+        <p:spPr>
+          <a:xfrm>
+            <a:off x="2395999" y="2607013"/>
+            <a:ext cx="104331" cy="447472"/>
+          </a:xfrm>
+          <a:custGeom>
+            <a:avLst/>
+            <a:gdLst>
+              <a:gd name="connsiteX0" fmla="*/ 29677 w 104331"/>
+              <a:gd name="connsiteY0" fmla="*/ 0 h 447472"/>
+              <a:gd name="connsiteX1" fmla="*/ 49132 w 104331"/>
+              <a:gd name="connsiteY1" fmla="*/ 48638 h 447472"/>
+              <a:gd name="connsiteX2" fmla="*/ 78315 w 104331"/>
+              <a:gd name="connsiteY2" fmla="*/ 68093 h 447472"/>
+              <a:gd name="connsiteX3" fmla="*/ 97770 w 104331"/>
+              <a:gd name="connsiteY3" fmla="*/ 126459 h 447472"/>
+              <a:gd name="connsiteX4" fmla="*/ 49132 w 104331"/>
+              <a:gd name="connsiteY4" fmla="*/ 379378 h 447472"/>
+              <a:gd name="connsiteX5" fmla="*/ 19949 w 104331"/>
+              <a:gd name="connsiteY5" fmla="*/ 389106 h 447472"/>
+              <a:gd name="connsiteX6" fmla="*/ 494 w 104331"/>
+              <a:gd name="connsiteY6" fmla="*/ 447472 h 447472"/>
+            </a:gdLst>
+            <a:ahLst/>
+            <a:cxnLst>
+              <a:cxn ang="0">
+                <a:pos x="connsiteX0" y="connsiteY0"/>
+              </a:cxn>
+              <a:cxn ang="0">
+                <a:pos x="connsiteX1" y="connsiteY1"/>
+              </a:cxn>
+              <a:cxn ang="0">
+                <a:pos x="connsiteX2" y="connsiteY2"/>
+              </a:cxn>
+              <a:cxn ang="0">
+                <a:pos x="connsiteX3" y="connsiteY3"/>
+              </a:cxn>
+              <a:cxn ang="0">
+                <a:pos x="connsiteX4" y="connsiteY4"/>
+              </a:cxn>
+              <a:cxn ang="0">
+                <a:pos x="connsiteX5" y="connsiteY5"/>
+              </a:cxn>
+              <a:cxn ang="0">
+                <a:pos x="connsiteX6" y="connsiteY6"/>
+              </a:cxn>
+            </a:cxnLst>
+            <a:rect l="l" t="t" r="r" b="b"/>
+            <a:pathLst>
+              <a:path w="104331" h="447472">
+                <a:moveTo>
+                  <a:pt x="29677" y="0"/>
+                </a:moveTo>
+                <a:cubicBezTo>
+                  <a:pt x="36162" y="16213"/>
+                  <a:pt x="38983" y="34429"/>
+                  <a:pt x="49132" y="48638"/>
+                </a:cubicBezTo>
+                <a:cubicBezTo>
+                  <a:pt x="55927" y="58151"/>
+                  <a:pt x="72119" y="58179"/>
+                  <a:pt x="78315" y="68093"/>
+                </a:cubicBezTo>
+                <a:cubicBezTo>
+                  <a:pt x="89184" y="85483"/>
+                  <a:pt x="97770" y="126459"/>
+                  <a:pt x="97770" y="126459"/>
+                </a:cubicBezTo>
+                <a:cubicBezTo>
+                  <a:pt x="91882" y="256013"/>
+                  <a:pt x="137338" y="316374"/>
+                  <a:pt x="49132" y="379378"/>
+                </a:cubicBezTo>
+                <a:cubicBezTo>
+                  <a:pt x="40788" y="385338"/>
+                  <a:pt x="29677" y="385863"/>
+                  <a:pt x="19949" y="389106"/>
+                </a:cubicBezTo>
+                <a:cubicBezTo>
+                  <a:pt x="-4902" y="426383"/>
+                  <a:pt x="494" y="406598"/>
+                  <a:pt x="494" y="447472"/>
+                </a:cubicBezTo>
+              </a:path>
+            </a:pathLst>
+          </a:custGeom>
+          <a:noFill/>
+        </p:spPr>
+        <p:style>
+          <a:lnRef idx="2">
+            <a:schemeClr val="accent1">
+              <a:shade val="50000"/>
+            </a:schemeClr>
+          </a:lnRef>
+          <a:fillRef idx="1">
+            <a:schemeClr val="accent1"/>
+          </a:fillRef>
+          <a:effectRef idx="0">
+            <a:schemeClr val="accent1"/>
+          </a:effectRef>
+          <a:fontRef idx="minor">
+            <a:schemeClr val="lt1"/>
+          </a:fontRef>
+        </p:style>
+        <p:txBody>
+          <a:bodyPr rtlCol="0" anchor="ctr"/>
+          <a:lstStyle/>
+          <a:p>
+            <a:pPr algn="ctr"/>
+            <a:endParaRPr lang="en-GB"/>
+          </a:p>
+        </p:txBody>
+      </p:sp>
+      <p:sp>
+        <p:nvSpPr>
+          <p:cNvPr id="26" name="TextBox 25">
+            <a:extLst>
+              <a:ext uri="{FF2B5EF4-FFF2-40B4-BE49-F238E27FC236}">
+                <a16:creationId xmlns:a16="http://schemas.microsoft.com/office/drawing/2014/main" id="{13DBA574-E072-A4B1-8EFB-F8030264A96A}"/>
+              </a:ext>
+            </a:extLst>
+          </p:cNvPr>
+          <p:cNvSpPr txBox="1"/>
+          <p:nvPr/>
+        </p:nvSpPr>
+        <p:spPr>
+          <a:xfrm>
+            <a:off x="1912844" y="2920139"/>
+            <a:ext cx="473081" cy="369332"/>
+          </a:xfrm>
+          <a:prstGeom prst="rect">
+            <a:avLst/>
+          </a:prstGeom>
+          <a:noFill/>
+        </p:spPr>
+        <p:txBody>
+          <a:bodyPr wrap="square" rtlCol="0">
+            <a:spAutoFit/>
+          </a:bodyPr>
+          <a:lstStyle/>
+          <a:p>
+            <a:r>
+              <a:rPr lang="en-GB" dirty="0"/>
+              <a:t>90</a:t>
+            </a:r>
+          </a:p>
+        </p:txBody>
+      </p:sp>
+      <p:cxnSp>
+        <p:nvCxnSpPr>
+          <p:cNvPr id="28" name="Straight Arrow Connector 27">
+            <a:extLst>
+              <a:ext uri="{FF2B5EF4-FFF2-40B4-BE49-F238E27FC236}">
+                <a16:creationId xmlns:a16="http://schemas.microsoft.com/office/drawing/2014/main" id="{7B2533F7-0523-5E02-045A-7017CCD988C7}"/>
+              </a:ext>
+            </a:extLst>
+          </p:cNvPr>
+          <p:cNvCxnSpPr>
+            <a:cxnSpLocks/>
+          </p:cNvCxnSpPr>
+          <p:nvPr/>
+        </p:nvCxnSpPr>
+        <p:spPr>
+          <a:xfrm>
+            <a:off x="1068322" y="4593910"/>
+            <a:ext cx="2198451" cy="0"/>
+          </a:xfrm>
+          <a:prstGeom prst="straightConnector1">
+            <a:avLst/>
+          </a:prstGeom>
+          <a:ln w="19050">
+            <a:prstDash val="sysDot"/>
+            <a:headEnd type="stealth"/>
+            <a:tailEnd type="stealth"/>
+          </a:ln>
+        </p:spPr>
+        <p:style>
+          <a:lnRef idx="1">
+            <a:schemeClr val="accent1"/>
+          </a:lnRef>
+          <a:fillRef idx="0">
+            <a:schemeClr val="accent1"/>
+          </a:fillRef>
+          <a:effectRef idx="0">
+            <a:schemeClr val="accent1"/>
+          </a:effectRef>
+          <a:fontRef idx="minor">
+            <a:schemeClr val="tx1"/>
+          </a:fontRef>
+        </p:style>
+      </p:cxnSp>
+      <p:sp>
+        <p:nvSpPr>
+          <p:cNvPr id="33" name="TextBox 32">
+            <a:extLst>
+              <a:ext uri="{FF2B5EF4-FFF2-40B4-BE49-F238E27FC236}">
+                <a16:creationId xmlns:a16="http://schemas.microsoft.com/office/drawing/2014/main" id="{A98E867D-FC14-AF11-2B0E-6E916148EEA3}"/>
+              </a:ext>
+            </a:extLst>
+          </p:cNvPr>
+          <p:cNvSpPr txBox="1"/>
+          <p:nvPr/>
+        </p:nvSpPr>
+        <p:spPr>
+          <a:xfrm>
+            <a:off x="1922919" y="4680062"/>
+            <a:ext cx="577412" cy="369332"/>
+          </a:xfrm>
+          <a:prstGeom prst="rect">
+            <a:avLst/>
+          </a:prstGeom>
+          <a:noFill/>
+        </p:spPr>
+        <p:txBody>
+          <a:bodyPr wrap="square" rtlCol="0">
+            <a:spAutoFit/>
+          </a:bodyPr>
+          <a:lstStyle/>
+          <a:p>
+            <a:r>
+              <a:rPr lang="en-GB" dirty="0"/>
+              <a:t>2S</a:t>
+            </a:r>
+            <a:r>
+              <a:rPr lang="en-GB" sz="1200" dirty="0"/>
+              <a:t>0</a:t>
+            </a:r>
+            <a:endParaRPr lang="en-GB" dirty="0"/>
+          </a:p>
+        </p:txBody>
+      </p:sp>
+      <p:sp>
+        <p:nvSpPr>
+          <p:cNvPr id="15" name="TextBox 14">
+            <a:extLst>
+              <a:ext uri="{FF2B5EF4-FFF2-40B4-BE49-F238E27FC236}">
+                <a16:creationId xmlns:a16="http://schemas.microsoft.com/office/drawing/2014/main" id="{7A4BCC65-05DB-8B71-E97C-429057EE5B81}"/>
+              </a:ext>
+            </a:extLst>
+          </p:cNvPr>
+          <p:cNvSpPr txBox="1"/>
+          <p:nvPr/>
+        </p:nvSpPr>
+        <p:spPr>
+          <a:xfrm>
+            <a:off x="2367415" y="3236058"/>
+            <a:ext cx="246524" cy="369332"/>
+          </a:xfrm>
+          <a:prstGeom prst="rect">
+            <a:avLst/>
+          </a:prstGeom>
+          <a:noFill/>
+        </p:spPr>
+        <p:txBody>
+          <a:bodyPr wrap="square" rtlCol="0">
+            <a:spAutoFit/>
+          </a:bodyPr>
+          <a:lstStyle/>
+          <a:p>
+            <a:r>
+              <a:rPr lang="en-GB" dirty="0"/>
+              <a:t>r</a:t>
+            </a:r>
+          </a:p>
+        </p:txBody>
+      </p:sp>
+      <p:cxnSp>
+        <p:nvCxnSpPr>
+          <p:cNvPr id="16" name="Straight Arrow Connector 15">
+            <a:extLst>
+              <a:ext uri="{FF2B5EF4-FFF2-40B4-BE49-F238E27FC236}">
+                <a16:creationId xmlns:a16="http://schemas.microsoft.com/office/drawing/2014/main" id="{B1348DCF-5D20-87B6-4D0B-A761826B4A1C}"/>
+              </a:ext>
+            </a:extLst>
+          </p:cNvPr>
+          <p:cNvCxnSpPr/>
+          <p:nvPr/>
+        </p:nvCxnSpPr>
+        <p:spPr>
+          <a:xfrm>
+            <a:off x="3758103" y="2838750"/>
+            <a:ext cx="0" cy="904672"/>
+          </a:xfrm>
+          <a:prstGeom prst="straightConnector1">
+            <a:avLst/>
+          </a:prstGeom>
+          <a:ln w="19050">
+            <a:prstDash val="sysDot"/>
+            <a:headEnd type="stealth"/>
+            <a:tailEnd type="stealth"/>
+          </a:ln>
+        </p:spPr>
+        <p:style>
+          <a:lnRef idx="1">
+            <a:schemeClr val="accent1"/>
+          </a:lnRef>
+          <a:fillRef idx="0">
+            <a:schemeClr val="accent1"/>
+          </a:fillRef>
+          <a:effectRef idx="0">
+            <a:schemeClr val="accent1"/>
+          </a:effectRef>
+          <a:fontRef idx="minor">
+            <a:schemeClr val="tx1"/>
+          </a:fontRef>
+        </p:style>
+      </p:cxnSp>
+      <p:sp>
+        <p:nvSpPr>
+          <p:cNvPr id="17" name="TextBox 16">
+            <a:extLst>
+              <a:ext uri="{FF2B5EF4-FFF2-40B4-BE49-F238E27FC236}">
+                <a16:creationId xmlns:a16="http://schemas.microsoft.com/office/drawing/2014/main" id="{777EBFE5-E579-74F4-E9EC-6C1171E7A9D8}"/>
+              </a:ext>
+            </a:extLst>
+          </p:cNvPr>
+          <p:cNvSpPr txBox="1"/>
+          <p:nvPr/>
+        </p:nvSpPr>
+        <p:spPr>
+          <a:xfrm>
+            <a:off x="3765519" y="3065689"/>
+            <a:ext cx="473081" cy="369332"/>
+          </a:xfrm>
+          <a:prstGeom prst="rect">
+            <a:avLst/>
+          </a:prstGeom>
+          <a:noFill/>
+        </p:spPr>
+        <p:txBody>
+          <a:bodyPr wrap="square" rtlCol="0">
+            <a:spAutoFit/>
+          </a:bodyPr>
+          <a:lstStyle/>
+          <a:p>
+            <a:r>
+              <a:rPr lang="en-GB" dirty="0"/>
+              <a:t>S</a:t>
+            </a:r>
+            <a:r>
+              <a:rPr lang="en-GB" sz="1200" dirty="0"/>
+              <a:t>0</a:t>
+            </a:r>
+            <a:endParaRPr lang="en-GB" dirty="0"/>
+          </a:p>
+        </p:txBody>
+      </p:sp>
+      <p:sp>
+        <p:nvSpPr>
+          <p:cNvPr id="3" name="Oval 2">
+            <a:extLst>
+              <a:ext uri="{FF2B5EF4-FFF2-40B4-BE49-F238E27FC236}">
+                <a16:creationId xmlns:a16="http://schemas.microsoft.com/office/drawing/2014/main" id="{B609FA15-CBB4-BA1B-2851-8FAC980E89F6}"/>
+              </a:ext>
+            </a:extLst>
+          </p:cNvPr>
+          <p:cNvSpPr/>
+          <p:nvPr/>
+        </p:nvSpPr>
+        <p:spPr>
+          <a:xfrm>
+            <a:off x="7839282" y="1453884"/>
+            <a:ext cx="2955023" cy="2777743"/>
+          </a:xfrm>
+          <a:prstGeom prst="ellipse">
+            <a:avLst/>
+          </a:prstGeom>
+          <a:noFill/>
+        </p:spPr>
+        <p:style>
+          <a:lnRef idx="2">
+            <a:schemeClr val="accent1">
+              <a:shade val="50000"/>
+            </a:schemeClr>
+          </a:lnRef>
+          <a:fillRef idx="1">
+            <a:schemeClr val="accent1"/>
+          </a:fillRef>
+          <a:effectRef idx="0">
+            <a:schemeClr val="accent1"/>
+          </a:effectRef>
+          <a:fontRef idx="minor">
+            <a:schemeClr val="lt1"/>
+          </a:fontRef>
+        </p:style>
+        <p:txBody>
+          <a:bodyPr rtlCol="0" anchor="ctr"/>
+          <a:lstStyle/>
+          <a:p>
+            <a:pPr algn="ctr"/>
+            <a:endParaRPr lang="en-GB"/>
+          </a:p>
+        </p:txBody>
+      </p:sp>
+      <p:sp>
+        <p:nvSpPr>
+          <p:cNvPr id="10" name="Rectangle 9">
+            <a:extLst>
+              <a:ext uri="{FF2B5EF4-FFF2-40B4-BE49-F238E27FC236}">
+                <a16:creationId xmlns:a16="http://schemas.microsoft.com/office/drawing/2014/main" id="{6514684D-FFC5-AC9B-E645-0C9F88AA6404}"/>
+              </a:ext>
+            </a:extLst>
+          </p:cNvPr>
+          <p:cNvSpPr/>
+          <p:nvPr/>
+        </p:nvSpPr>
+        <p:spPr>
+          <a:xfrm>
+            <a:off x="8226204" y="1916445"/>
+            <a:ext cx="2198451" cy="1809345"/>
+          </a:xfrm>
+          <a:prstGeom prst="rect">
+            <a:avLst/>
+          </a:prstGeom>
+          <a:noFill/>
+        </p:spPr>
+        <p:style>
+          <a:lnRef idx="2">
+            <a:schemeClr val="accent1">
+              <a:shade val="50000"/>
+            </a:schemeClr>
+          </a:lnRef>
+          <a:fillRef idx="1">
+            <a:schemeClr val="accent1"/>
+          </a:fillRef>
+          <a:effectRef idx="0">
+            <a:schemeClr val="accent1"/>
+          </a:effectRef>
+          <a:fontRef idx="minor">
+            <a:schemeClr val="lt1"/>
+          </a:fontRef>
+        </p:style>
+        <p:txBody>
+          <a:bodyPr rtlCol="0" anchor="ctr"/>
+          <a:lstStyle/>
+          <a:p>
+            <a:pPr algn="ctr"/>
+            <a:endParaRPr lang="en-GB"/>
+          </a:p>
+        </p:txBody>
+      </p:sp>
+      <p:cxnSp>
+        <p:nvCxnSpPr>
+          <p:cNvPr id="11" name="Straight Arrow Connector 10">
+            <a:extLst>
+              <a:ext uri="{FF2B5EF4-FFF2-40B4-BE49-F238E27FC236}">
+                <a16:creationId xmlns:a16="http://schemas.microsoft.com/office/drawing/2014/main" id="{C97078E2-F498-5DCD-738D-0B6ED18C1A5E}"/>
+              </a:ext>
+            </a:extLst>
+          </p:cNvPr>
+          <p:cNvCxnSpPr/>
+          <p:nvPr/>
+        </p:nvCxnSpPr>
+        <p:spPr>
+          <a:xfrm flipV="1">
+            <a:off x="9288155" y="1916445"/>
+            <a:ext cx="1136500" cy="924591"/>
+          </a:xfrm>
+          <a:prstGeom prst="straightConnector1">
+            <a:avLst/>
+          </a:prstGeom>
+          <a:ln w="19050">
+            <a:prstDash val="dashDot"/>
+            <a:tailEnd type="triangle"/>
+          </a:ln>
+        </p:spPr>
+        <p:style>
+          <a:lnRef idx="1">
+            <a:schemeClr val="accent1"/>
+          </a:lnRef>
+          <a:fillRef idx="0">
+            <a:schemeClr val="accent1"/>
+          </a:fillRef>
+          <a:effectRef idx="0">
+            <a:schemeClr val="accent1"/>
+          </a:effectRef>
+          <a:fontRef idx="minor">
+            <a:schemeClr val="tx1"/>
+          </a:fontRef>
+        </p:style>
+      </p:cxnSp>
+      <p:cxnSp>
+        <p:nvCxnSpPr>
+          <p:cNvPr id="13" name="Straight Arrow Connector 12">
+            <a:extLst>
+              <a:ext uri="{FF2B5EF4-FFF2-40B4-BE49-F238E27FC236}">
+                <a16:creationId xmlns:a16="http://schemas.microsoft.com/office/drawing/2014/main" id="{27FBF139-201A-F496-A756-83122BF0DD7F}"/>
+              </a:ext>
+            </a:extLst>
+          </p:cNvPr>
+          <p:cNvCxnSpPr>
+            <a:cxnSpLocks/>
+            <a:endCxn id="3" idx="6"/>
+          </p:cNvCxnSpPr>
+          <p:nvPr/>
+        </p:nvCxnSpPr>
+        <p:spPr>
+          <a:xfrm>
+            <a:off x="9325429" y="2841036"/>
+            <a:ext cx="1468876" cy="1720"/>
+          </a:xfrm>
+          <a:prstGeom prst="straightConnector1">
+            <a:avLst/>
+          </a:prstGeom>
+          <a:ln w="19050">
+            <a:prstDash val="dashDot"/>
+            <a:tailEnd type="triangle"/>
+          </a:ln>
+        </p:spPr>
+        <p:style>
+          <a:lnRef idx="1">
+            <a:schemeClr val="accent1"/>
+          </a:lnRef>
+          <a:fillRef idx="0">
+            <a:schemeClr val="accent1"/>
+          </a:fillRef>
+          <a:effectRef idx="0">
+            <a:schemeClr val="accent1"/>
+          </a:effectRef>
+          <a:fontRef idx="minor">
+            <a:schemeClr val="tx1"/>
+          </a:fontRef>
+        </p:style>
+      </p:cxnSp>
+      <p:cxnSp>
+        <p:nvCxnSpPr>
+          <p:cNvPr id="18" name="Straight Arrow Connector 17">
+            <a:extLst>
+              <a:ext uri="{FF2B5EF4-FFF2-40B4-BE49-F238E27FC236}">
+                <a16:creationId xmlns:a16="http://schemas.microsoft.com/office/drawing/2014/main" id="{8EFB47FA-4F86-E2DC-1349-1A82D74AF5F4}"/>
+              </a:ext>
+            </a:extLst>
+          </p:cNvPr>
+          <p:cNvCxnSpPr>
+            <a:cxnSpLocks/>
+          </p:cNvCxnSpPr>
+          <p:nvPr/>
+        </p:nvCxnSpPr>
+        <p:spPr>
+          <a:xfrm>
+            <a:off x="9288155" y="2841036"/>
+            <a:ext cx="1136500" cy="884754"/>
+          </a:xfrm>
+          <a:prstGeom prst="straightConnector1">
+            <a:avLst/>
+          </a:prstGeom>
+          <a:ln w="19050">
+            <a:prstDash val="dashDot"/>
+            <a:tailEnd type="triangle"/>
+          </a:ln>
+        </p:spPr>
+        <p:style>
+          <a:lnRef idx="1">
+            <a:schemeClr val="accent1"/>
+          </a:lnRef>
+          <a:fillRef idx="0">
+            <a:schemeClr val="accent1"/>
+          </a:fillRef>
+          <a:effectRef idx="0">
+            <a:schemeClr val="accent1"/>
+          </a:effectRef>
+          <a:fontRef idx="minor">
+            <a:schemeClr val="tx1"/>
+          </a:fontRef>
+        </p:style>
+      </p:cxnSp>
+      <p:sp>
+        <p:nvSpPr>
+          <p:cNvPr id="19" name="TextBox 18">
+            <a:extLst>
+              <a:ext uri="{FF2B5EF4-FFF2-40B4-BE49-F238E27FC236}">
+                <a16:creationId xmlns:a16="http://schemas.microsoft.com/office/drawing/2014/main" id="{0AA04313-6A02-5446-9404-C9E2E01FDF1F}"/>
+              </a:ext>
+            </a:extLst>
+          </p:cNvPr>
+          <p:cNvSpPr txBox="1"/>
+          <p:nvPr/>
+        </p:nvSpPr>
+        <p:spPr>
+          <a:xfrm>
+            <a:off x="9586787" y="2009408"/>
+            <a:ext cx="246524" cy="369332"/>
+          </a:xfrm>
+          <a:prstGeom prst="rect">
+            <a:avLst/>
+          </a:prstGeom>
+          <a:noFill/>
+        </p:spPr>
+        <p:txBody>
+          <a:bodyPr wrap="square" rtlCol="0">
+            <a:spAutoFit/>
+          </a:bodyPr>
+          <a:lstStyle/>
+          <a:p>
+            <a:r>
+              <a:rPr lang="en-GB" dirty="0"/>
+              <a:t>r</a:t>
+            </a:r>
+          </a:p>
+        </p:txBody>
+      </p:sp>
+      <p:cxnSp>
+        <p:nvCxnSpPr>
+          <p:cNvPr id="21" name="Straight Arrow Connector 20">
+            <a:extLst>
+              <a:ext uri="{FF2B5EF4-FFF2-40B4-BE49-F238E27FC236}">
+                <a16:creationId xmlns:a16="http://schemas.microsoft.com/office/drawing/2014/main" id="{CE8ABC1C-75E3-C1CF-06D5-223882B0235D}"/>
+              </a:ext>
+            </a:extLst>
+          </p:cNvPr>
+          <p:cNvCxnSpPr>
+            <a:cxnSpLocks/>
+          </p:cNvCxnSpPr>
+          <p:nvPr/>
+        </p:nvCxnSpPr>
+        <p:spPr>
+          <a:xfrm>
+            <a:off x="10682974" y="1764045"/>
+            <a:ext cx="498253" cy="936165"/>
+          </a:xfrm>
+          <a:prstGeom prst="straightConnector1">
+            <a:avLst/>
+          </a:prstGeom>
+          <a:ln w="19050">
+            <a:prstDash val="sysDot"/>
+            <a:headEnd type="stealth"/>
+            <a:tailEnd type="stealth"/>
+          </a:ln>
+        </p:spPr>
+        <p:style>
+          <a:lnRef idx="1">
+            <a:schemeClr val="accent1"/>
+          </a:lnRef>
+          <a:fillRef idx="0">
+            <a:schemeClr val="accent1"/>
+          </a:fillRef>
+          <a:effectRef idx="0">
+            <a:schemeClr val="accent1"/>
+          </a:effectRef>
+          <a:fontRef idx="minor">
+            <a:schemeClr val="tx1"/>
+          </a:fontRef>
+        </p:style>
+      </p:cxnSp>
+      <p:sp>
+        <p:nvSpPr>
+          <p:cNvPr id="22" name="Freeform: Shape 21">
+            <a:extLst>
+              <a:ext uri="{FF2B5EF4-FFF2-40B4-BE49-F238E27FC236}">
+                <a16:creationId xmlns:a16="http://schemas.microsoft.com/office/drawing/2014/main" id="{DB83F838-FE7C-8439-9CFD-A468EFEB1F25}"/>
+              </a:ext>
+            </a:extLst>
+          </p:cNvPr>
+          <p:cNvSpPr/>
+          <p:nvPr/>
+        </p:nvSpPr>
+        <p:spPr>
+          <a:xfrm>
+            <a:off x="9553881" y="2620873"/>
+            <a:ext cx="104331" cy="447472"/>
+          </a:xfrm>
+          <a:custGeom>
+            <a:avLst/>
+            <a:gdLst>
+              <a:gd name="connsiteX0" fmla="*/ 29677 w 104331"/>
+              <a:gd name="connsiteY0" fmla="*/ 0 h 447472"/>
+              <a:gd name="connsiteX1" fmla="*/ 49132 w 104331"/>
+              <a:gd name="connsiteY1" fmla="*/ 48638 h 447472"/>
+              <a:gd name="connsiteX2" fmla="*/ 78315 w 104331"/>
+              <a:gd name="connsiteY2" fmla="*/ 68093 h 447472"/>
+              <a:gd name="connsiteX3" fmla="*/ 97770 w 104331"/>
+              <a:gd name="connsiteY3" fmla="*/ 126459 h 447472"/>
+              <a:gd name="connsiteX4" fmla="*/ 49132 w 104331"/>
+              <a:gd name="connsiteY4" fmla="*/ 379378 h 447472"/>
+              <a:gd name="connsiteX5" fmla="*/ 19949 w 104331"/>
+              <a:gd name="connsiteY5" fmla="*/ 389106 h 447472"/>
+              <a:gd name="connsiteX6" fmla="*/ 494 w 104331"/>
+              <a:gd name="connsiteY6" fmla="*/ 447472 h 447472"/>
+            </a:gdLst>
+            <a:ahLst/>
+            <a:cxnLst>
+              <a:cxn ang="0">
+                <a:pos x="connsiteX0" y="connsiteY0"/>
+              </a:cxn>
+              <a:cxn ang="0">
+                <a:pos x="connsiteX1" y="connsiteY1"/>
+              </a:cxn>
+              <a:cxn ang="0">
+                <a:pos x="connsiteX2" y="connsiteY2"/>
+              </a:cxn>
+              <a:cxn ang="0">
+                <a:pos x="connsiteX3" y="connsiteY3"/>
+              </a:cxn>
+              <a:cxn ang="0">
+                <a:pos x="connsiteX4" y="connsiteY4"/>
+              </a:cxn>
+              <a:cxn ang="0">
+                <a:pos x="connsiteX5" y="connsiteY5"/>
+              </a:cxn>
+              <a:cxn ang="0">
+                <a:pos x="connsiteX6" y="connsiteY6"/>
+              </a:cxn>
+            </a:cxnLst>
+            <a:rect l="l" t="t" r="r" b="b"/>
+            <a:pathLst>
+              <a:path w="104331" h="447472">
+                <a:moveTo>
+                  <a:pt x="29677" y="0"/>
+                </a:moveTo>
+                <a:cubicBezTo>
+                  <a:pt x="36162" y="16213"/>
+                  <a:pt x="38983" y="34429"/>
+                  <a:pt x="49132" y="48638"/>
+                </a:cubicBezTo>
+                <a:cubicBezTo>
+                  <a:pt x="55927" y="58151"/>
+                  <a:pt x="72119" y="58179"/>
+                  <a:pt x="78315" y="68093"/>
+                </a:cubicBezTo>
+                <a:cubicBezTo>
+                  <a:pt x="89184" y="85483"/>
+                  <a:pt x="97770" y="126459"/>
+                  <a:pt x="97770" y="126459"/>
+                </a:cubicBezTo>
+                <a:cubicBezTo>
+                  <a:pt x="91882" y="256013"/>
+                  <a:pt x="137338" y="316374"/>
+                  <a:pt x="49132" y="379378"/>
+                </a:cubicBezTo>
+                <a:cubicBezTo>
+                  <a:pt x="40788" y="385338"/>
+                  <a:pt x="29677" y="385863"/>
+                  <a:pt x="19949" y="389106"/>
+                </a:cubicBezTo>
+                <a:cubicBezTo>
+                  <a:pt x="-4902" y="426383"/>
+                  <a:pt x="494" y="406598"/>
+                  <a:pt x="494" y="447472"/>
+                </a:cubicBezTo>
+              </a:path>
+            </a:pathLst>
+          </a:custGeom>
+          <a:noFill/>
+        </p:spPr>
+        <p:style>
+          <a:lnRef idx="2">
+            <a:schemeClr val="accent1">
+              <a:shade val="50000"/>
+            </a:schemeClr>
+          </a:lnRef>
+          <a:fillRef idx="1">
+            <a:schemeClr val="accent1"/>
+          </a:fillRef>
+          <a:effectRef idx="0">
+            <a:schemeClr val="accent1"/>
+          </a:effectRef>
+          <a:fontRef idx="minor">
+            <a:schemeClr val="lt1"/>
+          </a:fontRef>
+        </p:style>
+        <p:txBody>
+          <a:bodyPr rtlCol="0" anchor="ctr"/>
+          <a:lstStyle/>
+          <a:p>
+            <a:pPr algn="ctr"/>
+            <a:endParaRPr lang="en-GB"/>
+          </a:p>
+        </p:txBody>
+      </p:sp>
+      <p:sp>
+        <p:nvSpPr>
+          <p:cNvPr id="25" name="TextBox 24">
+            <a:extLst>
+              <a:ext uri="{FF2B5EF4-FFF2-40B4-BE49-F238E27FC236}">
+                <a16:creationId xmlns:a16="http://schemas.microsoft.com/office/drawing/2014/main" id="{A966A362-5EED-430C-BD4A-A6DE1F1F85C2}"/>
+              </a:ext>
+            </a:extLst>
+          </p:cNvPr>
+          <p:cNvSpPr txBox="1"/>
+          <p:nvPr/>
+        </p:nvSpPr>
+        <p:spPr>
+          <a:xfrm>
+            <a:off x="9070726" y="2933999"/>
+            <a:ext cx="473081" cy="369332"/>
+          </a:xfrm>
+          <a:prstGeom prst="rect">
+            <a:avLst/>
+          </a:prstGeom>
+          <a:noFill/>
+        </p:spPr>
+        <p:txBody>
+          <a:bodyPr wrap="square" rtlCol="0">
+            <a:spAutoFit/>
+          </a:bodyPr>
+          <a:lstStyle/>
+          <a:p>
+            <a:r>
+              <a:rPr lang="en-GB" dirty="0"/>
+              <a:t>90</a:t>
+            </a:r>
+          </a:p>
+        </p:txBody>
+      </p:sp>
+      <p:sp>
+        <p:nvSpPr>
+          <p:cNvPr id="27" name="TextBox 26">
+            <a:extLst>
+              <a:ext uri="{FF2B5EF4-FFF2-40B4-BE49-F238E27FC236}">
+                <a16:creationId xmlns:a16="http://schemas.microsoft.com/office/drawing/2014/main" id="{6A39DCD4-A8D2-A0E9-BD72-6D9BC0B81207}"/>
+              </a:ext>
+            </a:extLst>
+          </p:cNvPr>
+          <p:cNvSpPr txBox="1"/>
+          <p:nvPr/>
+        </p:nvSpPr>
+        <p:spPr>
+          <a:xfrm>
+            <a:off x="9525297" y="3249918"/>
+            <a:ext cx="246524" cy="369332"/>
+          </a:xfrm>
+          <a:prstGeom prst="rect">
+            <a:avLst/>
+          </a:prstGeom>
+          <a:noFill/>
+        </p:spPr>
+        <p:txBody>
+          <a:bodyPr wrap="square" rtlCol="0">
+            <a:spAutoFit/>
+          </a:bodyPr>
+          <a:lstStyle/>
+          <a:p>
+            <a:r>
+              <a:rPr lang="en-GB" dirty="0"/>
+              <a:t>r</a:t>
+            </a:r>
+          </a:p>
+        </p:txBody>
+      </p:sp>
+      <p:cxnSp>
+        <p:nvCxnSpPr>
+          <p:cNvPr id="30" name="Straight Connector 29">
+            <a:extLst>
+              <a:ext uri="{FF2B5EF4-FFF2-40B4-BE49-F238E27FC236}">
+                <a16:creationId xmlns:a16="http://schemas.microsoft.com/office/drawing/2014/main" id="{C37AC185-9FD7-5682-B161-96637B3D3B88}"/>
+              </a:ext>
+            </a:extLst>
+          </p:cNvPr>
+          <p:cNvCxnSpPr>
+            <a:cxnSpLocks/>
+            <a:endCxn id="3" idx="0"/>
+          </p:cNvCxnSpPr>
+          <p:nvPr/>
+        </p:nvCxnSpPr>
+        <p:spPr>
+          <a:xfrm flipV="1">
+            <a:off x="8226204" y="1453884"/>
+            <a:ext cx="1090590" cy="470395"/>
+          </a:xfrm>
+          <a:prstGeom prst="line">
+            <a:avLst/>
+          </a:prstGeom>
+          <a:ln>
+            <a:prstDash val="dash"/>
+          </a:ln>
+        </p:spPr>
+        <p:style>
+          <a:lnRef idx="1">
+            <a:schemeClr val="accent1"/>
+          </a:lnRef>
+          <a:fillRef idx="0">
+            <a:schemeClr val="accent1"/>
+          </a:fillRef>
+          <a:effectRef idx="0">
+            <a:schemeClr val="accent1"/>
+          </a:effectRef>
+          <a:fontRef idx="minor">
+            <a:schemeClr val="tx1"/>
+          </a:fontRef>
+        </p:style>
+      </p:cxnSp>
+      <p:cxnSp>
+        <p:nvCxnSpPr>
+          <p:cNvPr id="32" name="Straight Connector 31">
+            <a:extLst>
+              <a:ext uri="{FF2B5EF4-FFF2-40B4-BE49-F238E27FC236}">
+                <a16:creationId xmlns:a16="http://schemas.microsoft.com/office/drawing/2014/main" id="{AD010DFA-150E-71AB-ECD0-BA456799B5EC}"/>
+              </a:ext>
+            </a:extLst>
+          </p:cNvPr>
+          <p:cNvCxnSpPr>
+            <a:stCxn id="3" idx="0"/>
+          </p:cNvCxnSpPr>
+          <p:nvPr/>
+        </p:nvCxnSpPr>
+        <p:spPr>
+          <a:xfrm>
+            <a:off x="9316794" y="1453884"/>
+            <a:ext cx="1107861" cy="462561"/>
+          </a:xfrm>
+          <a:prstGeom prst="line">
+            <a:avLst/>
+          </a:prstGeom>
+          <a:ln>
+            <a:prstDash val="dash"/>
+          </a:ln>
+        </p:spPr>
+        <p:style>
+          <a:lnRef idx="1">
+            <a:schemeClr val="accent1"/>
+          </a:lnRef>
+          <a:fillRef idx="0">
+            <a:schemeClr val="accent1"/>
+          </a:fillRef>
+          <a:effectRef idx="0">
+            <a:schemeClr val="accent1"/>
+          </a:effectRef>
+          <a:fontRef idx="minor">
+            <a:schemeClr val="tx1"/>
+          </a:fontRef>
+        </p:style>
+      </p:cxnSp>
+      <p:cxnSp>
+        <p:nvCxnSpPr>
+          <p:cNvPr id="37" name="Straight Connector 36">
+            <a:extLst>
+              <a:ext uri="{FF2B5EF4-FFF2-40B4-BE49-F238E27FC236}">
+                <a16:creationId xmlns:a16="http://schemas.microsoft.com/office/drawing/2014/main" id="{DC546094-1B9C-7142-8A66-E9CA41D5AB01}"/>
+              </a:ext>
+            </a:extLst>
+          </p:cNvPr>
+          <p:cNvCxnSpPr>
+            <a:endCxn id="3" idx="2"/>
+          </p:cNvCxnSpPr>
+          <p:nvPr/>
+        </p:nvCxnSpPr>
+        <p:spPr>
+          <a:xfrm flipH="1" flipV="1">
+            <a:off x="7839282" y="2842756"/>
+            <a:ext cx="386922" cy="883034"/>
+          </a:xfrm>
+          <a:prstGeom prst="line">
+            <a:avLst/>
+          </a:prstGeom>
+          <a:ln>
+            <a:prstDash val="dash"/>
+          </a:ln>
+        </p:spPr>
+        <p:style>
+          <a:lnRef idx="1">
+            <a:schemeClr val="accent1"/>
+          </a:lnRef>
+          <a:fillRef idx="0">
+            <a:schemeClr val="accent1"/>
+          </a:fillRef>
+          <a:effectRef idx="0">
+            <a:schemeClr val="accent1"/>
+          </a:effectRef>
+          <a:fontRef idx="minor">
+            <a:schemeClr val="tx1"/>
+          </a:fontRef>
+        </p:style>
+      </p:cxnSp>
+      <p:cxnSp>
+        <p:nvCxnSpPr>
+          <p:cNvPr id="39" name="Straight Connector 38">
+            <a:extLst>
+              <a:ext uri="{FF2B5EF4-FFF2-40B4-BE49-F238E27FC236}">
+                <a16:creationId xmlns:a16="http://schemas.microsoft.com/office/drawing/2014/main" id="{1C340A3E-3097-3609-C6CD-B76DBE614797}"/>
+              </a:ext>
+            </a:extLst>
+          </p:cNvPr>
+          <p:cNvCxnSpPr>
+            <a:stCxn id="3" idx="2"/>
+          </p:cNvCxnSpPr>
+          <p:nvPr/>
+        </p:nvCxnSpPr>
+        <p:spPr>
+          <a:xfrm flipV="1">
+            <a:off x="7839282" y="1924279"/>
+            <a:ext cx="386922" cy="918477"/>
+          </a:xfrm>
+          <a:prstGeom prst="line">
+            <a:avLst/>
+          </a:prstGeom>
+          <a:ln>
+            <a:prstDash val="dash"/>
+          </a:ln>
+        </p:spPr>
+        <p:style>
+          <a:lnRef idx="1">
+            <a:schemeClr val="accent1"/>
+          </a:lnRef>
+          <a:fillRef idx="0">
+            <a:schemeClr val="accent1"/>
+          </a:fillRef>
+          <a:effectRef idx="0">
+            <a:schemeClr val="accent1"/>
+          </a:effectRef>
+          <a:fontRef idx="minor">
+            <a:schemeClr val="tx1"/>
+          </a:fontRef>
+        </p:style>
+      </p:cxnSp>
+      <p:cxnSp>
+        <p:nvCxnSpPr>
+          <p:cNvPr id="41" name="Straight Connector 40">
+            <a:extLst>
+              <a:ext uri="{FF2B5EF4-FFF2-40B4-BE49-F238E27FC236}">
+                <a16:creationId xmlns:a16="http://schemas.microsoft.com/office/drawing/2014/main" id="{EDA05934-4B92-BEC5-3EE0-58B6B9E421F5}"/>
+              </a:ext>
+            </a:extLst>
+          </p:cNvPr>
+          <p:cNvCxnSpPr>
+            <a:endCxn id="3" idx="4"/>
+          </p:cNvCxnSpPr>
+          <p:nvPr/>
+        </p:nvCxnSpPr>
+        <p:spPr>
+          <a:xfrm>
+            <a:off x="8226204" y="3725790"/>
+            <a:ext cx="1090590" cy="505837"/>
+          </a:xfrm>
+          <a:prstGeom prst="line">
+            <a:avLst/>
+          </a:prstGeom>
+          <a:ln>
+            <a:prstDash val="dash"/>
+          </a:ln>
+        </p:spPr>
+        <p:style>
+          <a:lnRef idx="1">
+            <a:schemeClr val="accent1"/>
+          </a:lnRef>
+          <a:fillRef idx="0">
+            <a:schemeClr val="accent1"/>
+          </a:fillRef>
+          <a:effectRef idx="0">
+            <a:schemeClr val="accent1"/>
+          </a:effectRef>
+          <a:fontRef idx="minor">
+            <a:schemeClr val="tx1"/>
+          </a:fontRef>
+        </p:style>
+      </p:cxnSp>
+      <p:cxnSp>
+        <p:nvCxnSpPr>
+          <p:cNvPr id="43" name="Straight Connector 42">
+            <a:extLst>
+              <a:ext uri="{FF2B5EF4-FFF2-40B4-BE49-F238E27FC236}">
+                <a16:creationId xmlns:a16="http://schemas.microsoft.com/office/drawing/2014/main" id="{F81615CB-10F6-C054-64DB-6E0297751572}"/>
+              </a:ext>
+            </a:extLst>
+          </p:cNvPr>
+          <p:cNvCxnSpPr>
+            <a:stCxn id="3" idx="4"/>
+          </p:cNvCxnSpPr>
+          <p:nvPr/>
+        </p:nvCxnSpPr>
+        <p:spPr>
+          <a:xfrm flipV="1">
+            <a:off x="9316794" y="3725790"/>
+            <a:ext cx="1107861" cy="505837"/>
+          </a:xfrm>
+          <a:prstGeom prst="line">
+            <a:avLst/>
+          </a:prstGeom>
+          <a:ln>
+            <a:prstDash val="dash"/>
+          </a:ln>
+        </p:spPr>
+        <p:style>
+          <a:lnRef idx="1">
+            <a:schemeClr val="accent1"/>
+          </a:lnRef>
+          <a:fillRef idx="0">
+            <a:schemeClr val="accent1"/>
+          </a:fillRef>
+          <a:effectRef idx="0">
+            <a:schemeClr val="accent1"/>
+          </a:effectRef>
+          <a:fontRef idx="minor">
+            <a:schemeClr val="tx1"/>
+          </a:fontRef>
+        </p:style>
+      </p:cxnSp>
+      <p:cxnSp>
+        <p:nvCxnSpPr>
+          <p:cNvPr id="45" name="Straight Connector 44">
+            <a:extLst>
+              <a:ext uri="{FF2B5EF4-FFF2-40B4-BE49-F238E27FC236}">
+                <a16:creationId xmlns:a16="http://schemas.microsoft.com/office/drawing/2014/main" id="{4FCDF86F-C60E-9C1D-6030-C6424736239C}"/>
+              </a:ext>
+            </a:extLst>
+          </p:cNvPr>
+          <p:cNvCxnSpPr>
+            <a:endCxn id="3" idx="6"/>
+          </p:cNvCxnSpPr>
+          <p:nvPr/>
+        </p:nvCxnSpPr>
+        <p:spPr>
+          <a:xfrm flipV="1">
+            <a:off x="10424655" y="2842756"/>
+            <a:ext cx="369650" cy="883034"/>
+          </a:xfrm>
+          <a:prstGeom prst="line">
+            <a:avLst/>
+          </a:prstGeom>
+          <a:ln>
+            <a:prstDash val="dash"/>
+          </a:ln>
+        </p:spPr>
+        <p:style>
+          <a:lnRef idx="1">
+            <a:schemeClr val="accent1"/>
+          </a:lnRef>
+          <a:fillRef idx="0">
+            <a:schemeClr val="accent1"/>
+          </a:fillRef>
+          <a:effectRef idx="0">
+            <a:schemeClr val="accent1"/>
+          </a:effectRef>
+          <a:fontRef idx="minor">
+            <a:schemeClr val="tx1"/>
+          </a:fontRef>
+        </p:style>
+      </p:cxnSp>
+      <p:cxnSp>
+        <p:nvCxnSpPr>
+          <p:cNvPr id="47" name="Straight Connector 46">
+            <a:extLst>
+              <a:ext uri="{FF2B5EF4-FFF2-40B4-BE49-F238E27FC236}">
+                <a16:creationId xmlns:a16="http://schemas.microsoft.com/office/drawing/2014/main" id="{9FE258BC-D637-FE3C-FB3D-430E8F76C037}"/>
+              </a:ext>
+            </a:extLst>
+          </p:cNvPr>
+          <p:cNvCxnSpPr>
+            <a:stCxn id="3" idx="6"/>
+            <a:endCxn id="3" idx="7"/>
+          </p:cNvCxnSpPr>
+          <p:nvPr/>
+        </p:nvCxnSpPr>
+        <p:spPr>
+          <a:xfrm flipH="1" flipV="1">
+            <a:off x="10361552" y="1860675"/>
+            <a:ext cx="432753" cy="982081"/>
+          </a:xfrm>
+          <a:prstGeom prst="line">
+            <a:avLst/>
+          </a:prstGeom>
+          <a:ln>
+            <a:prstDash val="dash"/>
+          </a:ln>
+        </p:spPr>
+        <p:style>
+          <a:lnRef idx="1">
+            <a:schemeClr val="accent1"/>
+          </a:lnRef>
+          <a:fillRef idx="0">
+            <a:schemeClr val="accent1"/>
+          </a:fillRef>
+          <a:effectRef idx="0">
+            <a:schemeClr val="accent1"/>
+          </a:effectRef>
+          <a:fontRef idx="minor">
+            <a:schemeClr val="tx1"/>
+          </a:fontRef>
+        </p:style>
+      </p:cxnSp>
+      <p:sp>
+        <p:nvSpPr>
+          <p:cNvPr id="55" name="TextBox 54">
+            <a:extLst>
+              <a:ext uri="{FF2B5EF4-FFF2-40B4-BE49-F238E27FC236}">
+                <a16:creationId xmlns:a16="http://schemas.microsoft.com/office/drawing/2014/main" id="{5C4F3D0A-2B86-F465-8237-BDCB8459891C}"/>
+              </a:ext>
+            </a:extLst>
+          </p:cNvPr>
+          <p:cNvSpPr txBox="1"/>
+          <p:nvPr/>
+        </p:nvSpPr>
+        <p:spPr>
+          <a:xfrm>
+            <a:off x="10875154" y="1897895"/>
+            <a:ext cx="611452" cy="369332"/>
+          </a:xfrm>
+          <a:prstGeom prst="rect">
+            <a:avLst/>
+          </a:prstGeom>
+          <a:noFill/>
+        </p:spPr>
+        <p:txBody>
+          <a:bodyPr wrap="square" rtlCol="0">
+            <a:spAutoFit/>
+          </a:bodyPr>
+          <a:lstStyle/>
+          <a:p>
+            <a:r>
+              <a:rPr lang="en-GB" dirty="0"/>
+              <a:t>2S</a:t>
+            </a:r>
+            <a:r>
+              <a:rPr lang="en-GB" sz="1200" dirty="0"/>
+              <a:t>1</a:t>
+            </a:r>
+            <a:endParaRPr lang="en-GB" dirty="0"/>
+          </a:p>
+        </p:txBody>
+      </p:sp>
+      <p:sp>
+        <p:nvSpPr>
+          <p:cNvPr id="56" name="Speech Bubble: Oval 55">
+            <a:extLst>
+              <a:ext uri="{FF2B5EF4-FFF2-40B4-BE49-F238E27FC236}">
+                <a16:creationId xmlns:a16="http://schemas.microsoft.com/office/drawing/2014/main" id="{94D60C90-F6F4-8718-5448-CDD18E873667}"/>
+              </a:ext>
+            </a:extLst>
+          </p:cNvPr>
+          <p:cNvSpPr/>
+          <p:nvPr/>
+        </p:nvSpPr>
+        <p:spPr>
+          <a:xfrm>
+            <a:off x="3754994" y="498764"/>
+            <a:ext cx="2955023" cy="1025236"/>
+          </a:xfrm>
+          <a:prstGeom prst="wedgeEllipseCallout">
+            <a:avLst>
+              <a:gd name="adj1" fmla="val -53652"/>
+              <a:gd name="adj2" fmla="val 72410"/>
+            </a:avLst>
+          </a:prstGeom>
+        </p:spPr>
+        <p:style>
+          <a:lnRef idx="2">
+            <a:schemeClr val="accent1">
+              <a:shade val="50000"/>
+            </a:schemeClr>
+          </a:lnRef>
+          <a:fillRef idx="1">
+            <a:schemeClr val="accent1"/>
+          </a:fillRef>
+          <a:effectRef idx="0">
+            <a:schemeClr val="accent1"/>
+          </a:effectRef>
+          <a:fontRef idx="minor">
+            <a:schemeClr val="lt1"/>
+          </a:fontRef>
+        </p:style>
+        <p:txBody>
+          <a:bodyPr rtlCol="0" anchor="ctr"/>
+          <a:lstStyle/>
+          <a:p>
+            <a:pPr algn="ctr"/>
+            <a:r>
+              <a:rPr lang="en-GB" dirty="0"/>
+              <a:t>Square of side 2*</a:t>
+            </a:r>
+            <a:r>
+              <a:rPr lang="en-GB" dirty="0">
+                <a:solidFill>
+                  <a:schemeClr val="bg1"/>
+                </a:solidFill>
+              </a:rPr>
+              <a:t>S</a:t>
+            </a:r>
+            <a:r>
+              <a:rPr lang="en-GB" sz="1200" dirty="0">
+                <a:solidFill>
+                  <a:schemeClr val="bg1"/>
+                </a:solidFill>
+              </a:rPr>
+              <a:t>0</a:t>
+            </a:r>
+          </a:p>
+        </p:txBody>
+      </p:sp>
+      <p:sp>
+        <p:nvSpPr>
+          <p:cNvPr id="58" name="Speech Bubble: Oval 57">
+            <a:extLst>
+              <a:ext uri="{FF2B5EF4-FFF2-40B4-BE49-F238E27FC236}">
+                <a16:creationId xmlns:a16="http://schemas.microsoft.com/office/drawing/2014/main" id="{618DA3B2-D637-C424-66E3-DA95A96EF88B}"/>
+              </a:ext>
+            </a:extLst>
+          </p:cNvPr>
+          <p:cNvSpPr/>
+          <p:nvPr/>
+        </p:nvSpPr>
+        <p:spPr>
+          <a:xfrm>
+            <a:off x="4876801" y="4167444"/>
+            <a:ext cx="3077888" cy="1025236"/>
+          </a:xfrm>
+          <a:prstGeom prst="wedgeEllipseCallout">
+            <a:avLst>
+              <a:gd name="adj1" fmla="val 62620"/>
+              <a:gd name="adj2" fmla="val -64527"/>
+            </a:avLst>
+          </a:prstGeom>
+        </p:spPr>
+        <p:style>
+          <a:lnRef idx="2">
+            <a:schemeClr val="accent1">
+              <a:shade val="50000"/>
+            </a:schemeClr>
+          </a:lnRef>
+          <a:fillRef idx="1">
+            <a:schemeClr val="accent1"/>
+          </a:fillRef>
+          <a:effectRef idx="0">
+            <a:schemeClr val="accent1"/>
+          </a:effectRef>
+          <a:fontRef idx="minor">
+            <a:schemeClr val="lt1"/>
+          </a:fontRef>
+        </p:style>
+        <p:txBody>
+          <a:bodyPr rtlCol="0" anchor="ctr"/>
+          <a:lstStyle/>
+          <a:p>
+            <a:pPr algn="ctr"/>
+            <a:r>
+              <a:rPr lang="en-GB" dirty="0"/>
+              <a:t>Octagon of side 2*</a:t>
+            </a:r>
+            <a:r>
+              <a:rPr lang="en-GB" dirty="0">
+                <a:solidFill>
+                  <a:schemeClr val="bg1"/>
+                </a:solidFill>
+              </a:rPr>
+              <a:t> S</a:t>
+            </a:r>
+            <a:r>
+              <a:rPr lang="en-GB" sz="1200" dirty="0">
+                <a:solidFill>
+                  <a:schemeClr val="bg1"/>
+                </a:solidFill>
+              </a:rPr>
+              <a:t>1</a:t>
+            </a:r>
+            <a:endParaRPr lang="en-GB" dirty="0"/>
+          </a:p>
+        </p:txBody>
+      </p:sp>
+      <p:sp>
+        <p:nvSpPr>
+          <p:cNvPr id="59" name="Arrow: Right 58">
+            <a:extLst>
+              <a:ext uri="{FF2B5EF4-FFF2-40B4-BE49-F238E27FC236}">
+                <a16:creationId xmlns:a16="http://schemas.microsoft.com/office/drawing/2014/main" id="{4FFF4422-3164-3648-1F96-B50FD213575B}"/>
+              </a:ext>
+            </a:extLst>
+          </p:cNvPr>
+          <p:cNvSpPr/>
+          <p:nvPr/>
+        </p:nvSpPr>
+        <p:spPr>
+          <a:xfrm>
+            <a:off x="5080000" y="2620873"/>
+            <a:ext cx="1992830" cy="814148"/>
+          </a:xfrm>
+          <a:prstGeom prst="rightArrow">
+            <a:avLst/>
+          </a:prstGeom>
+        </p:spPr>
+        <p:style>
+          <a:lnRef idx="2">
+            <a:schemeClr val="accent1">
+              <a:shade val="50000"/>
+            </a:schemeClr>
+          </a:lnRef>
+          <a:fillRef idx="1">
+            <a:schemeClr val="accent1"/>
+          </a:fillRef>
+          <a:effectRef idx="0">
+            <a:schemeClr val="accent1"/>
+          </a:effectRef>
+          <a:fontRef idx="minor">
+            <a:schemeClr val="lt1"/>
+          </a:fontRef>
+        </p:style>
+        <p:txBody>
+          <a:bodyPr rtlCol="0" anchor="ctr"/>
+          <a:lstStyle/>
+          <a:p>
+            <a:pPr algn="ctr"/>
+            <a:r>
+              <a:rPr lang="en-GB" dirty="0"/>
+              <a:t>From 4 to 8 sides</a:t>
+            </a:r>
+          </a:p>
+        </p:txBody>
+      </p:sp>
+      <p:sp>
+        <p:nvSpPr>
+          <p:cNvPr id="60" name="TextBox 59">
+            <a:extLst>
+              <a:ext uri="{FF2B5EF4-FFF2-40B4-BE49-F238E27FC236}">
+                <a16:creationId xmlns:a16="http://schemas.microsoft.com/office/drawing/2014/main" id="{F68F4D3E-585F-69FB-EB64-D5D1AF208BB4}"/>
+              </a:ext>
+            </a:extLst>
+          </p:cNvPr>
+          <p:cNvSpPr txBox="1"/>
+          <p:nvPr/>
+        </p:nvSpPr>
+        <p:spPr>
+          <a:xfrm>
+            <a:off x="2947386" y="5814874"/>
+            <a:ext cx="6824435" cy="646331"/>
+          </a:xfrm>
+          <a:prstGeom prst="rect">
+            <a:avLst/>
+          </a:prstGeom>
+          <a:noFill/>
+        </p:spPr>
+        <p:txBody>
+          <a:bodyPr wrap="square" rtlCol="0">
+            <a:spAutoFit/>
+          </a:bodyPr>
+          <a:lstStyle/>
+          <a:p>
+            <a:r>
+              <a:rPr lang="en-GB" dirty="0"/>
+              <a:t>Can we come up a formula that gives us the value of given </a:t>
+            </a:r>
+            <a:r>
+              <a:rPr lang="en-GB" b="1" dirty="0"/>
+              <a:t>S</a:t>
+            </a:r>
+            <a:r>
+              <a:rPr lang="en-GB" sz="1200" b="1" dirty="0"/>
+              <a:t>1</a:t>
+            </a:r>
+            <a:r>
+              <a:rPr lang="en-GB" sz="1200" dirty="0"/>
+              <a:t> </a:t>
+            </a:r>
+            <a:r>
+              <a:rPr kumimoji="0" lang="en-GB" sz="1800" b="0" i="0" u="none" strike="noStrike" kern="1200" cap="none" spc="0" normalizeH="0" baseline="0" noProof="0" dirty="0">
+                <a:ln>
+                  <a:noFill/>
+                </a:ln>
+                <a:solidFill>
+                  <a:prstClr val="black"/>
+                </a:solidFill>
+                <a:effectLst/>
+                <a:uLnTx/>
+                <a:uFillTx/>
+                <a:latin typeface="Calibri" panose="020F0502020204030204"/>
+                <a:ea typeface="+mn-ea"/>
+                <a:cs typeface="+mn-cs"/>
+              </a:rPr>
+              <a:t>given </a:t>
+            </a:r>
+            <a:r>
+              <a:rPr lang="en-GB" b="1" dirty="0"/>
+              <a:t>S</a:t>
+            </a:r>
+            <a:r>
+              <a:rPr lang="en-GB" sz="1200" b="1" dirty="0"/>
+              <a:t>0 </a:t>
+            </a:r>
+            <a:endParaRPr lang="en-GB" b="1" dirty="0"/>
+          </a:p>
+          <a:p>
+            <a:endParaRPr lang="en-GB" dirty="0"/>
+          </a:p>
+        </p:txBody>
+      </p:sp>
+    </p:spTree>
+    <p:extLst>
+      <p:ext uri="{BB962C8B-B14F-4D97-AF65-F5344CB8AC3E}">
+        <p14:creationId xmlns:p14="http://schemas.microsoft.com/office/powerpoint/2010/main" val="386973057"/>
+      </p:ext>
+    </p:extLst>
+  </p:cSld>
+  <p:clrMapOvr>
+    <a:masterClrMapping/>
+  </p:clrMapOvr>
+</p:sld>
+</file>
+
+<file path=ppt/slides/slide8.xml><?xml version="1.0" encoding="utf-8"?>
+<p:sld xmlns:a="http://schemas.openxmlformats.org/drawingml/2006/main" xmlns:r="http://schemas.openxmlformats.org/officeDocument/2006/relationships" xmlns:p="http://schemas.openxmlformats.org/presentationml/2006/main">
+  <p:cSld>
+    <p:spTree>
+      <p:nvGrpSpPr>
+        <p:cNvPr id="1" name=""/>
+        <p:cNvGrpSpPr/>
+        <p:nvPr/>
+      </p:nvGrpSpPr>
+      <p:grpSpPr>
+        <a:xfrm>
+          <a:off x="0" y="0"/>
+          <a:ext cx="0" cy="0"/>
+          <a:chOff x="0" y="0"/>
+          <a:chExt cx="0" cy="0"/>
+        </a:xfrm>
+      </p:grpSpPr>
+      <p:sp>
+        <p:nvSpPr>
+          <p:cNvPr id="5" name="Oval 4">
+            <a:extLst>
+              <a:ext uri="{FF2B5EF4-FFF2-40B4-BE49-F238E27FC236}">
+                <a16:creationId xmlns:a16="http://schemas.microsoft.com/office/drawing/2014/main" id="{7501EEE5-A509-1FB3-40EA-F063365CB104}"/>
+              </a:ext>
+            </a:extLst>
+          </p:cNvPr>
+          <p:cNvSpPr/>
+          <p:nvPr/>
+        </p:nvSpPr>
+        <p:spPr>
+          <a:xfrm>
+            <a:off x="3934892" y="1337383"/>
+            <a:ext cx="2955023" cy="2777743"/>
+          </a:xfrm>
+          <a:prstGeom prst="ellipse">
+            <a:avLst/>
+          </a:prstGeom>
+          <a:noFill/>
+        </p:spPr>
+        <p:style>
+          <a:lnRef idx="2">
+            <a:schemeClr val="accent1">
+              <a:shade val="50000"/>
+            </a:schemeClr>
+          </a:lnRef>
+          <a:fillRef idx="1">
+            <a:schemeClr val="accent1"/>
+          </a:fillRef>
+          <a:effectRef idx="0">
+            <a:schemeClr val="accent1"/>
+          </a:effectRef>
+          <a:fontRef idx="minor">
+            <a:schemeClr val="lt1"/>
+          </a:fontRef>
+        </p:style>
+        <p:txBody>
+          <a:bodyPr rtlCol="0" anchor="ctr"/>
+          <a:lstStyle/>
+          <a:p>
+            <a:pPr algn="ctr"/>
+            <a:endParaRPr lang="en-GB"/>
+          </a:p>
+        </p:txBody>
+      </p:sp>
+      <p:cxnSp>
+        <p:nvCxnSpPr>
+          <p:cNvPr id="6" name="Straight Arrow Connector 5">
+            <a:extLst>
+              <a:ext uri="{FF2B5EF4-FFF2-40B4-BE49-F238E27FC236}">
+                <a16:creationId xmlns:a16="http://schemas.microsoft.com/office/drawing/2014/main" id="{C186B7CD-3D23-1468-3EBC-BB738DD0866E}"/>
+              </a:ext>
+            </a:extLst>
+          </p:cNvPr>
+          <p:cNvCxnSpPr>
+            <a:cxnSpLocks/>
+          </p:cNvCxnSpPr>
+          <p:nvPr/>
+        </p:nvCxnSpPr>
+        <p:spPr>
+          <a:xfrm flipV="1">
+            <a:off x="5383765" y="1649969"/>
+            <a:ext cx="982824" cy="1074566"/>
+          </a:xfrm>
+          <a:prstGeom prst="straightConnector1">
+            <a:avLst/>
+          </a:prstGeom>
+          <a:ln w="19050">
+            <a:prstDash val="dashDot"/>
+            <a:tailEnd type="triangle"/>
+          </a:ln>
+        </p:spPr>
+        <p:style>
+          <a:lnRef idx="1">
+            <a:schemeClr val="accent1"/>
+          </a:lnRef>
+          <a:fillRef idx="0">
+            <a:schemeClr val="accent1"/>
+          </a:fillRef>
+          <a:effectRef idx="0">
+            <a:schemeClr val="accent1"/>
+          </a:effectRef>
+          <a:fontRef idx="minor">
+            <a:schemeClr val="tx1"/>
+          </a:fontRef>
+        </p:style>
+      </p:cxnSp>
+      <p:cxnSp>
+        <p:nvCxnSpPr>
+          <p:cNvPr id="8" name="Straight Arrow Connector 7">
+            <a:extLst>
+              <a:ext uri="{FF2B5EF4-FFF2-40B4-BE49-F238E27FC236}">
+                <a16:creationId xmlns:a16="http://schemas.microsoft.com/office/drawing/2014/main" id="{231E28D2-C03E-9341-47F7-AF36D9C599E7}"/>
+              </a:ext>
+            </a:extLst>
+          </p:cNvPr>
+          <p:cNvCxnSpPr>
+            <a:cxnSpLocks/>
+            <a:endCxn id="5" idx="6"/>
+          </p:cNvCxnSpPr>
+          <p:nvPr/>
+        </p:nvCxnSpPr>
+        <p:spPr>
+          <a:xfrm>
+            <a:off x="5421039" y="2724535"/>
+            <a:ext cx="1468876" cy="1720"/>
+          </a:xfrm>
+          <a:prstGeom prst="straightConnector1">
+            <a:avLst/>
+          </a:prstGeom>
+          <a:ln w="19050">
+            <a:prstDash val="dashDot"/>
+            <a:tailEnd type="triangle"/>
+          </a:ln>
+        </p:spPr>
+        <p:style>
+          <a:lnRef idx="1">
+            <a:schemeClr val="accent1"/>
+          </a:lnRef>
+          <a:fillRef idx="0">
+            <a:schemeClr val="accent1"/>
+          </a:fillRef>
+          <a:effectRef idx="0">
+            <a:schemeClr val="accent1"/>
+          </a:effectRef>
+          <a:fontRef idx="minor">
+            <a:schemeClr val="tx1"/>
+          </a:fontRef>
+        </p:style>
+      </p:cxnSp>
+      <p:cxnSp>
+        <p:nvCxnSpPr>
+          <p:cNvPr id="9" name="Straight Arrow Connector 8">
+            <a:extLst>
+              <a:ext uri="{FF2B5EF4-FFF2-40B4-BE49-F238E27FC236}">
+                <a16:creationId xmlns:a16="http://schemas.microsoft.com/office/drawing/2014/main" id="{DDC9C3FC-1D92-E6B0-808B-71EED4EF9E1A}"/>
+              </a:ext>
+            </a:extLst>
+          </p:cNvPr>
+          <p:cNvCxnSpPr>
+            <a:cxnSpLocks/>
+          </p:cNvCxnSpPr>
+          <p:nvPr/>
+        </p:nvCxnSpPr>
+        <p:spPr>
+          <a:xfrm>
+            <a:off x="5383765" y="2724535"/>
+            <a:ext cx="1054415" cy="1093726"/>
+          </a:xfrm>
+          <a:prstGeom prst="straightConnector1">
+            <a:avLst/>
+          </a:prstGeom>
+          <a:ln w="19050">
+            <a:prstDash val="dashDot"/>
+            <a:tailEnd type="triangle"/>
+          </a:ln>
+        </p:spPr>
+        <p:style>
+          <a:lnRef idx="1">
+            <a:schemeClr val="accent1"/>
+          </a:lnRef>
+          <a:fillRef idx="0">
+            <a:schemeClr val="accent1"/>
+          </a:fillRef>
+          <a:effectRef idx="0">
+            <a:schemeClr val="accent1"/>
+          </a:effectRef>
+          <a:fontRef idx="minor">
+            <a:schemeClr val="tx1"/>
+          </a:fontRef>
+        </p:style>
+      </p:cxnSp>
+      <p:sp>
+        <p:nvSpPr>
+          <p:cNvPr id="14" name="TextBox 13">
+            <a:extLst>
+              <a:ext uri="{FF2B5EF4-FFF2-40B4-BE49-F238E27FC236}">
+                <a16:creationId xmlns:a16="http://schemas.microsoft.com/office/drawing/2014/main" id="{84772D2C-9AA9-76D8-FB7E-894BC0AB60C3}"/>
+              </a:ext>
+            </a:extLst>
+          </p:cNvPr>
+          <p:cNvSpPr txBox="1"/>
+          <p:nvPr/>
+        </p:nvSpPr>
+        <p:spPr>
+          <a:xfrm>
+            <a:off x="5682397" y="1892908"/>
+            <a:ext cx="301638" cy="369332"/>
+          </a:xfrm>
+          <a:prstGeom prst="rect">
+            <a:avLst/>
+          </a:prstGeom>
+          <a:noFill/>
+        </p:spPr>
+        <p:txBody>
+          <a:bodyPr wrap="square" rtlCol="0">
+            <a:spAutoFit/>
+          </a:bodyPr>
+          <a:lstStyle/>
+          <a:p>
+            <a:r>
+              <a:rPr lang="en-GB" dirty="0"/>
+              <a:t>r</a:t>
+            </a:r>
+          </a:p>
+        </p:txBody>
+      </p:sp>
+      <p:cxnSp>
+        <p:nvCxnSpPr>
+          <p:cNvPr id="20" name="Straight Arrow Connector 19">
+            <a:extLst>
+              <a:ext uri="{FF2B5EF4-FFF2-40B4-BE49-F238E27FC236}">
+                <a16:creationId xmlns:a16="http://schemas.microsoft.com/office/drawing/2014/main" id="{64A385D3-03CA-7727-E8FF-492262490D0F}"/>
+              </a:ext>
+            </a:extLst>
+          </p:cNvPr>
+          <p:cNvCxnSpPr>
+            <a:cxnSpLocks/>
+          </p:cNvCxnSpPr>
+          <p:nvPr/>
+        </p:nvCxnSpPr>
+        <p:spPr>
+          <a:xfrm>
+            <a:off x="7344383" y="1649969"/>
+            <a:ext cx="0" cy="1157288"/>
+          </a:xfrm>
+          <a:prstGeom prst="straightConnector1">
+            <a:avLst/>
+          </a:prstGeom>
+          <a:ln w="19050">
+            <a:prstDash val="sysDot"/>
+            <a:headEnd type="stealth"/>
+            <a:tailEnd type="stealth"/>
+          </a:ln>
+        </p:spPr>
+        <p:style>
+          <a:lnRef idx="1">
+            <a:schemeClr val="accent1"/>
+          </a:lnRef>
+          <a:fillRef idx="0">
+            <a:schemeClr val="accent1"/>
+          </a:fillRef>
+          <a:effectRef idx="0">
+            <a:schemeClr val="accent1"/>
+          </a:effectRef>
+          <a:fontRef idx="minor">
+            <a:schemeClr val="tx1"/>
+          </a:fontRef>
+        </p:style>
+      </p:cxnSp>
+      <p:sp>
+        <p:nvSpPr>
+          <p:cNvPr id="23" name="TextBox 22">
+            <a:extLst>
+              <a:ext uri="{FF2B5EF4-FFF2-40B4-BE49-F238E27FC236}">
+                <a16:creationId xmlns:a16="http://schemas.microsoft.com/office/drawing/2014/main" id="{D1E87A1F-C5C1-E648-0F0F-07B472F63F77}"/>
+              </a:ext>
+            </a:extLst>
+          </p:cNvPr>
+          <p:cNvSpPr txBox="1"/>
+          <p:nvPr/>
+        </p:nvSpPr>
+        <p:spPr>
+          <a:xfrm>
+            <a:off x="7344383" y="2170255"/>
+            <a:ext cx="993081" cy="369332"/>
+          </a:xfrm>
+          <a:prstGeom prst="rect">
+            <a:avLst/>
+          </a:prstGeom>
+          <a:noFill/>
+        </p:spPr>
+        <p:txBody>
+          <a:bodyPr wrap="square" rtlCol="0">
+            <a:spAutoFit/>
+          </a:bodyPr>
+          <a:lstStyle/>
+          <a:p>
+            <a:r>
+              <a:rPr lang="en-GB" dirty="0"/>
+              <a:t>AB/2=S0</a:t>
+            </a:r>
+          </a:p>
+        </p:txBody>
+      </p:sp>
+      <p:cxnSp>
+        <p:nvCxnSpPr>
+          <p:cNvPr id="28" name="Straight Arrow Connector 27">
+            <a:extLst>
+              <a:ext uri="{FF2B5EF4-FFF2-40B4-BE49-F238E27FC236}">
+                <a16:creationId xmlns:a16="http://schemas.microsoft.com/office/drawing/2014/main" id="{7B2533F7-0523-5E02-045A-7017CCD988C7}"/>
+              </a:ext>
+            </a:extLst>
+          </p:cNvPr>
+          <p:cNvCxnSpPr>
+            <a:cxnSpLocks/>
+          </p:cNvCxnSpPr>
+          <p:nvPr/>
+        </p:nvCxnSpPr>
+        <p:spPr>
+          <a:xfrm>
+            <a:off x="4051225" y="4593910"/>
+            <a:ext cx="2198451" cy="0"/>
+          </a:xfrm>
+          <a:prstGeom prst="straightConnector1">
+            <a:avLst/>
+          </a:prstGeom>
+          <a:ln w="19050">
+            <a:prstDash val="sysDot"/>
+            <a:headEnd type="stealth"/>
+            <a:tailEnd type="stealth"/>
+          </a:ln>
+        </p:spPr>
+        <p:style>
+          <a:lnRef idx="1">
+            <a:schemeClr val="accent1"/>
+          </a:lnRef>
+          <a:fillRef idx="0">
+            <a:schemeClr val="accent1"/>
+          </a:fillRef>
+          <a:effectRef idx="0">
+            <a:schemeClr val="accent1"/>
+          </a:effectRef>
+          <a:fontRef idx="minor">
+            <a:schemeClr val="tx1"/>
+          </a:fontRef>
+        </p:style>
+      </p:cxnSp>
+      <p:sp>
+        <p:nvSpPr>
+          <p:cNvPr id="33" name="TextBox 32">
+            <a:extLst>
+              <a:ext uri="{FF2B5EF4-FFF2-40B4-BE49-F238E27FC236}">
+                <a16:creationId xmlns:a16="http://schemas.microsoft.com/office/drawing/2014/main" id="{A98E867D-FC14-AF11-2B0E-6E916148EEA3}"/>
+              </a:ext>
+            </a:extLst>
+          </p:cNvPr>
+          <p:cNvSpPr txBox="1"/>
+          <p:nvPr/>
+        </p:nvSpPr>
+        <p:spPr>
+          <a:xfrm>
+            <a:off x="4905821" y="4680062"/>
+            <a:ext cx="881110" cy="369332"/>
+          </a:xfrm>
+          <a:prstGeom prst="rect">
+            <a:avLst/>
+          </a:prstGeom>
+          <a:noFill/>
+        </p:spPr>
+        <p:txBody>
+          <a:bodyPr wrap="square" rtlCol="0">
+            <a:spAutoFit/>
+          </a:bodyPr>
+          <a:lstStyle/>
+          <a:p>
+            <a:r>
+              <a:rPr lang="en-GB" dirty="0"/>
+              <a:t>2S</a:t>
+            </a:r>
+            <a:r>
+              <a:rPr lang="en-GB" sz="1200" dirty="0"/>
+              <a:t>0</a:t>
+            </a:r>
+            <a:endParaRPr lang="en-GB" dirty="0"/>
+          </a:p>
+        </p:txBody>
+      </p:sp>
+      <p:cxnSp>
+        <p:nvCxnSpPr>
+          <p:cNvPr id="17" name="Straight Arrow Connector 16">
+            <a:extLst>
+              <a:ext uri="{FF2B5EF4-FFF2-40B4-BE49-F238E27FC236}">
+                <a16:creationId xmlns:a16="http://schemas.microsoft.com/office/drawing/2014/main" id="{FE929CE1-40E7-905C-7A1A-D3E39826A34D}"/>
+              </a:ext>
+            </a:extLst>
+          </p:cNvPr>
+          <p:cNvCxnSpPr>
+            <a:cxnSpLocks/>
+          </p:cNvCxnSpPr>
+          <p:nvPr/>
+        </p:nvCxnSpPr>
+        <p:spPr>
+          <a:xfrm>
+            <a:off x="6366589" y="1669129"/>
+            <a:ext cx="0" cy="2129972"/>
+          </a:xfrm>
+          <a:prstGeom prst="straightConnector1">
+            <a:avLst/>
+          </a:prstGeom>
+          <a:ln w="19050">
+            <a:prstDash val="dashDot"/>
+            <a:tailEnd type="triangle"/>
+          </a:ln>
+        </p:spPr>
+        <p:style>
+          <a:lnRef idx="1">
+            <a:schemeClr val="accent1"/>
+          </a:lnRef>
+          <a:fillRef idx="0">
+            <a:schemeClr val="accent1"/>
+          </a:fillRef>
+          <a:effectRef idx="0">
+            <a:schemeClr val="accent1"/>
+          </a:effectRef>
+          <a:fontRef idx="minor">
+            <a:schemeClr val="tx1"/>
+          </a:fontRef>
+        </p:style>
+      </p:cxnSp>
+      <p:cxnSp>
+        <p:nvCxnSpPr>
+          <p:cNvPr id="22" name="Straight Arrow Connector 21">
+            <a:extLst>
+              <a:ext uri="{FF2B5EF4-FFF2-40B4-BE49-F238E27FC236}">
+                <a16:creationId xmlns:a16="http://schemas.microsoft.com/office/drawing/2014/main" id="{4A942F35-B65E-10B3-38FB-629AB70D7A8C}"/>
+              </a:ext>
+            </a:extLst>
+          </p:cNvPr>
+          <p:cNvCxnSpPr>
+            <a:cxnSpLocks/>
+            <a:endCxn id="5" idx="6"/>
+          </p:cNvCxnSpPr>
+          <p:nvPr/>
+        </p:nvCxnSpPr>
+        <p:spPr>
+          <a:xfrm>
+            <a:off x="6366589" y="1669129"/>
+            <a:ext cx="523326" cy="1057126"/>
+          </a:xfrm>
+          <a:prstGeom prst="straightConnector1">
+            <a:avLst/>
+          </a:prstGeom>
+          <a:ln w="19050">
+            <a:prstDash val="dashDot"/>
+            <a:tailEnd type="triangle"/>
+          </a:ln>
+        </p:spPr>
+        <p:style>
+          <a:lnRef idx="1">
+            <a:schemeClr val="accent1"/>
+          </a:lnRef>
+          <a:fillRef idx="0">
+            <a:schemeClr val="accent1"/>
+          </a:fillRef>
+          <a:effectRef idx="0">
+            <a:schemeClr val="accent1"/>
+          </a:effectRef>
+          <a:fontRef idx="minor">
+            <a:schemeClr val="tx1"/>
+          </a:fontRef>
+        </p:style>
+      </p:cxnSp>
+      <p:sp>
+        <p:nvSpPr>
+          <p:cNvPr id="3" name="Freeform: Shape 2">
+            <a:extLst>
+              <a:ext uri="{FF2B5EF4-FFF2-40B4-BE49-F238E27FC236}">
+                <a16:creationId xmlns:a16="http://schemas.microsoft.com/office/drawing/2014/main" id="{73C3D2A6-4D56-10C6-0EDA-A34B42953253}"/>
+              </a:ext>
+            </a:extLst>
+          </p:cNvPr>
+          <p:cNvSpPr/>
+          <p:nvPr/>
+        </p:nvSpPr>
+        <p:spPr>
+          <a:xfrm>
+            <a:off x="5607698" y="2472612"/>
+            <a:ext cx="111967" cy="251927"/>
+          </a:xfrm>
+          <a:custGeom>
+            <a:avLst/>
+            <a:gdLst>
+              <a:gd name="connsiteX0" fmla="*/ 0 w 111967"/>
+              <a:gd name="connsiteY0" fmla="*/ 0 h 251927"/>
+              <a:gd name="connsiteX1" fmla="*/ 46653 w 111967"/>
+              <a:gd name="connsiteY1" fmla="*/ 27992 h 251927"/>
+              <a:gd name="connsiteX2" fmla="*/ 74645 w 111967"/>
+              <a:gd name="connsiteY2" fmla="*/ 46653 h 251927"/>
+              <a:gd name="connsiteX3" fmla="*/ 83975 w 111967"/>
+              <a:gd name="connsiteY3" fmla="*/ 102637 h 251927"/>
+              <a:gd name="connsiteX4" fmla="*/ 93306 w 111967"/>
+              <a:gd name="connsiteY4" fmla="*/ 130629 h 251927"/>
+              <a:gd name="connsiteX5" fmla="*/ 102637 w 111967"/>
+              <a:gd name="connsiteY5" fmla="*/ 223935 h 251927"/>
+              <a:gd name="connsiteX6" fmla="*/ 111967 w 111967"/>
+              <a:gd name="connsiteY6" fmla="*/ 251927 h 251927"/>
+            </a:gdLst>
+            <a:ahLst/>
+            <a:cxnLst>
+              <a:cxn ang="0">
+                <a:pos x="connsiteX0" y="connsiteY0"/>
+              </a:cxn>
+              <a:cxn ang="0">
+                <a:pos x="connsiteX1" y="connsiteY1"/>
+              </a:cxn>
+              <a:cxn ang="0">
+                <a:pos x="connsiteX2" y="connsiteY2"/>
+              </a:cxn>
+              <a:cxn ang="0">
+                <a:pos x="connsiteX3" y="connsiteY3"/>
+              </a:cxn>
+              <a:cxn ang="0">
+                <a:pos x="connsiteX4" y="connsiteY4"/>
+              </a:cxn>
+              <a:cxn ang="0">
+                <a:pos x="connsiteX5" y="connsiteY5"/>
+              </a:cxn>
+              <a:cxn ang="0">
+                <a:pos x="connsiteX6" y="connsiteY6"/>
+              </a:cxn>
+            </a:cxnLst>
+            <a:rect l="l" t="t" r="r" b="b"/>
+            <a:pathLst>
+              <a:path w="111967" h="251927">
+                <a:moveTo>
+                  <a:pt x="0" y="0"/>
+                </a:moveTo>
+                <a:cubicBezTo>
+                  <a:pt x="15551" y="9331"/>
+                  <a:pt x="31274" y="18380"/>
+                  <a:pt x="46653" y="27992"/>
+                </a:cubicBezTo>
+                <a:cubicBezTo>
+                  <a:pt x="56162" y="33935"/>
+                  <a:pt x="69630" y="36623"/>
+                  <a:pt x="74645" y="46653"/>
+                </a:cubicBezTo>
+                <a:cubicBezTo>
+                  <a:pt x="83106" y="63574"/>
+                  <a:pt x="79871" y="84169"/>
+                  <a:pt x="83975" y="102637"/>
+                </a:cubicBezTo>
+                <a:cubicBezTo>
+                  <a:pt x="86109" y="112238"/>
+                  <a:pt x="90196" y="121298"/>
+                  <a:pt x="93306" y="130629"/>
+                </a:cubicBezTo>
+                <a:cubicBezTo>
+                  <a:pt x="96416" y="161731"/>
+                  <a:pt x="97884" y="193041"/>
+                  <a:pt x="102637" y="223935"/>
+                </a:cubicBezTo>
+                <a:cubicBezTo>
+                  <a:pt x="104133" y="233656"/>
+                  <a:pt x="111967" y="251927"/>
+                  <a:pt x="111967" y="251927"/>
+                </a:cubicBezTo>
+              </a:path>
+            </a:pathLst>
+          </a:custGeom>
+          <a:noFill/>
+        </p:spPr>
+        <p:style>
+          <a:lnRef idx="2">
+            <a:schemeClr val="accent1">
+              <a:shade val="50000"/>
+            </a:schemeClr>
+          </a:lnRef>
+          <a:fillRef idx="1">
+            <a:schemeClr val="accent1"/>
+          </a:fillRef>
+          <a:effectRef idx="0">
+            <a:schemeClr val="accent1"/>
+          </a:effectRef>
+          <a:fontRef idx="minor">
+            <a:schemeClr val="lt1"/>
+          </a:fontRef>
+        </p:style>
+        <p:txBody>
+          <a:bodyPr rtlCol="0" anchor="ctr"/>
+          <a:lstStyle/>
+          <a:p>
+            <a:pPr algn="ctr"/>
+            <a:endParaRPr lang="en-GB"/>
+          </a:p>
+        </p:txBody>
+      </p:sp>
+      <p:sp>
+        <p:nvSpPr>
+          <p:cNvPr id="4" name="Freeform: Shape 3">
+            <a:extLst>
+              <a:ext uri="{FF2B5EF4-FFF2-40B4-BE49-F238E27FC236}">
+                <a16:creationId xmlns:a16="http://schemas.microsoft.com/office/drawing/2014/main" id="{4E0128DA-1F57-CEA9-278F-86717B04D8CB}"/>
+              </a:ext>
+            </a:extLst>
+          </p:cNvPr>
+          <p:cNvSpPr/>
+          <p:nvPr/>
+        </p:nvSpPr>
+        <p:spPr>
+          <a:xfrm>
+            <a:off x="5607698" y="2752531"/>
+            <a:ext cx="179233" cy="195942"/>
+          </a:xfrm>
+          <a:custGeom>
+            <a:avLst/>
+            <a:gdLst>
+              <a:gd name="connsiteX0" fmla="*/ 0 w 179233"/>
+              <a:gd name="connsiteY0" fmla="*/ 195942 h 195942"/>
+              <a:gd name="connsiteX1" fmla="*/ 149290 w 179233"/>
+              <a:gd name="connsiteY1" fmla="*/ 177281 h 195942"/>
+              <a:gd name="connsiteX2" fmla="*/ 167951 w 179233"/>
+              <a:gd name="connsiteY2" fmla="*/ 139959 h 195942"/>
+              <a:gd name="connsiteX3" fmla="*/ 177282 w 179233"/>
+              <a:gd name="connsiteY3" fmla="*/ 0 h 195942"/>
+            </a:gdLst>
+            <a:ahLst/>
+            <a:cxnLst>
+              <a:cxn ang="0">
+                <a:pos x="connsiteX0" y="connsiteY0"/>
+              </a:cxn>
+              <a:cxn ang="0">
+                <a:pos x="connsiteX1" y="connsiteY1"/>
+              </a:cxn>
+              <a:cxn ang="0">
+                <a:pos x="connsiteX2" y="connsiteY2"/>
+              </a:cxn>
+              <a:cxn ang="0">
+                <a:pos x="connsiteX3" y="connsiteY3"/>
+              </a:cxn>
+            </a:cxnLst>
+            <a:rect l="l" t="t" r="r" b="b"/>
+            <a:pathLst>
+              <a:path w="179233" h="195942">
+                <a:moveTo>
+                  <a:pt x="0" y="195942"/>
+                </a:moveTo>
+                <a:cubicBezTo>
+                  <a:pt x="49763" y="189722"/>
+                  <a:pt x="101713" y="193140"/>
+                  <a:pt x="149290" y="177281"/>
+                </a:cubicBezTo>
+                <a:cubicBezTo>
+                  <a:pt x="162485" y="172883"/>
+                  <a:pt x="163067" y="152982"/>
+                  <a:pt x="167951" y="139959"/>
+                </a:cubicBezTo>
+                <a:cubicBezTo>
+                  <a:pt x="185580" y="92949"/>
+                  <a:pt x="177282" y="52757"/>
+                  <a:pt x="177282" y="0"/>
+                </a:cubicBezTo>
+              </a:path>
+            </a:pathLst>
+          </a:custGeom>
+          <a:noFill/>
+        </p:spPr>
+        <p:style>
+          <a:lnRef idx="2">
+            <a:schemeClr val="accent1">
+              <a:shade val="50000"/>
+            </a:schemeClr>
+          </a:lnRef>
+          <a:fillRef idx="1">
+            <a:schemeClr val="accent1"/>
+          </a:fillRef>
+          <a:effectRef idx="0">
+            <a:schemeClr val="accent1"/>
+          </a:effectRef>
+          <a:fontRef idx="minor">
+            <a:schemeClr val="lt1"/>
+          </a:fontRef>
+        </p:style>
+        <p:txBody>
+          <a:bodyPr rtlCol="0" anchor="ctr"/>
+          <a:lstStyle/>
+          <a:p>
+            <a:pPr algn="ctr"/>
+            <a:endParaRPr lang="en-GB"/>
+          </a:p>
+        </p:txBody>
+      </p:sp>
+      <p:sp>
+        <p:nvSpPr>
+          <p:cNvPr id="10" name="TextBox 9">
+            <a:extLst>
+              <a:ext uri="{FF2B5EF4-FFF2-40B4-BE49-F238E27FC236}">
+                <a16:creationId xmlns:a16="http://schemas.microsoft.com/office/drawing/2014/main" id="{08262981-C0D9-C739-3545-2212057CD0BD}"/>
+              </a:ext>
+            </a:extLst>
+          </p:cNvPr>
+          <p:cNvSpPr txBox="1"/>
+          <p:nvPr/>
+        </p:nvSpPr>
+        <p:spPr>
+          <a:xfrm>
+            <a:off x="6326614" y="1353104"/>
+            <a:ext cx="301638" cy="369332"/>
+          </a:xfrm>
+          <a:prstGeom prst="rect">
+            <a:avLst/>
+          </a:prstGeom>
+          <a:noFill/>
+        </p:spPr>
+        <p:txBody>
+          <a:bodyPr wrap="square" rtlCol="0">
+            <a:spAutoFit/>
+          </a:bodyPr>
+          <a:lstStyle/>
+          <a:p>
+            <a:r>
+              <a:rPr lang="en-GB" dirty="0"/>
+              <a:t>A</a:t>
+            </a:r>
+          </a:p>
+        </p:txBody>
+      </p:sp>
+      <p:sp>
+        <p:nvSpPr>
+          <p:cNvPr id="12" name="TextBox 11">
+            <a:extLst>
+              <a:ext uri="{FF2B5EF4-FFF2-40B4-BE49-F238E27FC236}">
+                <a16:creationId xmlns:a16="http://schemas.microsoft.com/office/drawing/2014/main" id="{F64574DE-A032-0797-FD85-545335D366BA}"/>
+              </a:ext>
+            </a:extLst>
+          </p:cNvPr>
+          <p:cNvSpPr txBox="1"/>
+          <p:nvPr/>
+        </p:nvSpPr>
+        <p:spPr>
+          <a:xfrm>
+            <a:off x="6317360" y="2636809"/>
+            <a:ext cx="301638" cy="369332"/>
+          </a:xfrm>
+          <a:prstGeom prst="rect">
+            <a:avLst/>
+          </a:prstGeom>
+          <a:noFill/>
+        </p:spPr>
+        <p:txBody>
+          <a:bodyPr wrap="square" rtlCol="0">
+            <a:spAutoFit/>
+          </a:bodyPr>
+          <a:lstStyle/>
+          <a:p>
+            <a:r>
+              <a:rPr lang="en-GB" dirty="0"/>
+              <a:t>D</a:t>
+            </a:r>
+          </a:p>
+        </p:txBody>
+      </p:sp>
+      <p:sp>
+        <p:nvSpPr>
+          <p:cNvPr id="15" name="TextBox 14">
+            <a:extLst>
+              <a:ext uri="{FF2B5EF4-FFF2-40B4-BE49-F238E27FC236}">
+                <a16:creationId xmlns:a16="http://schemas.microsoft.com/office/drawing/2014/main" id="{AE4046CE-B0CF-F78C-8083-1D0574E2C9DB}"/>
+              </a:ext>
+            </a:extLst>
+          </p:cNvPr>
+          <p:cNvSpPr txBox="1"/>
+          <p:nvPr/>
+        </p:nvSpPr>
+        <p:spPr>
+          <a:xfrm>
+            <a:off x="5155333" y="2530289"/>
+            <a:ext cx="301638" cy="369332"/>
+          </a:xfrm>
+          <a:prstGeom prst="rect">
+            <a:avLst/>
+          </a:prstGeom>
+          <a:noFill/>
+        </p:spPr>
+        <p:txBody>
+          <a:bodyPr wrap="square" rtlCol="0">
+            <a:spAutoFit/>
+          </a:bodyPr>
+          <a:lstStyle/>
+          <a:p>
+            <a:r>
+              <a:rPr lang="en-GB" dirty="0"/>
+              <a:t>C</a:t>
+            </a:r>
+          </a:p>
+        </p:txBody>
+      </p:sp>
+      <p:sp>
+        <p:nvSpPr>
+          <p:cNvPr id="18" name="TextBox 17">
+            <a:extLst>
+              <a:ext uri="{FF2B5EF4-FFF2-40B4-BE49-F238E27FC236}">
+                <a16:creationId xmlns:a16="http://schemas.microsoft.com/office/drawing/2014/main" id="{D243A6FE-8CB3-5955-5E16-AD8EAE79C347}"/>
+              </a:ext>
+            </a:extLst>
+          </p:cNvPr>
+          <p:cNvSpPr txBox="1"/>
+          <p:nvPr/>
+        </p:nvSpPr>
+        <p:spPr>
+          <a:xfrm>
+            <a:off x="6893057" y="2567865"/>
+            <a:ext cx="593402" cy="369332"/>
+          </a:xfrm>
+          <a:prstGeom prst="rect">
+            <a:avLst/>
+          </a:prstGeom>
+          <a:noFill/>
+        </p:spPr>
+        <p:txBody>
+          <a:bodyPr wrap="square" rtlCol="0">
+            <a:spAutoFit/>
+          </a:bodyPr>
+          <a:lstStyle/>
+          <a:p>
+            <a:r>
+              <a:rPr lang="en-GB" dirty="0"/>
+              <a:t>C</a:t>
+            </a:r>
+            <a:r>
+              <a:rPr lang="en-GB" sz="1200" dirty="0"/>
+              <a:t>1</a:t>
+            </a:r>
+            <a:endParaRPr lang="en-GB" dirty="0"/>
+          </a:p>
+        </p:txBody>
+      </p:sp>
+      <p:sp>
+        <p:nvSpPr>
+          <p:cNvPr id="19" name="TextBox 18">
+            <a:extLst>
+              <a:ext uri="{FF2B5EF4-FFF2-40B4-BE49-F238E27FC236}">
+                <a16:creationId xmlns:a16="http://schemas.microsoft.com/office/drawing/2014/main" id="{975B4DC9-0C1E-D8B6-61A0-125402BF1C75}"/>
+              </a:ext>
+            </a:extLst>
+          </p:cNvPr>
+          <p:cNvSpPr txBox="1"/>
+          <p:nvPr/>
+        </p:nvSpPr>
+        <p:spPr>
+          <a:xfrm>
+            <a:off x="409302" y="338845"/>
+            <a:ext cx="3526914" cy="5632311"/>
+          </a:xfrm>
+          <a:prstGeom prst="rect">
+            <a:avLst/>
+          </a:prstGeom>
+          <a:noFill/>
+        </p:spPr>
+        <p:txBody>
+          <a:bodyPr wrap="square" rtlCol="0">
+            <a:spAutoFit/>
+          </a:bodyPr>
+          <a:lstStyle/>
+          <a:p>
+            <a:r>
+              <a:rPr lang="en-GB" b="1" dirty="0"/>
+              <a:t>AC </a:t>
+            </a:r>
+            <a:r>
+              <a:rPr lang="en-GB" dirty="0"/>
+              <a:t>is the radius </a:t>
+            </a:r>
+            <a:r>
+              <a:rPr lang="en-GB" b="1" dirty="0"/>
+              <a:t>r</a:t>
+            </a:r>
+          </a:p>
+          <a:p>
+            <a:endParaRPr lang="en-GB" b="1" dirty="0"/>
+          </a:p>
+          <a:p>
+            <a:r>
+              <a:rPr lang="en-GB" b="1" dirty="0"/>
+              <a:t>AC=CB =r</a:t>
+            </a:r>
+          </a:p>
+          <a:p>
+            <a:endParaRPr lang="en-GB" b="1" dirty="0"/>
+          </a:p>
+          <a:p>
+            <a:r>
+              <a:rPr lang="en-GB" b="1" dirty="0"/>
+              <a:t>AB</a:t>
+            </a:r>
+            <a:r>
+              <a:rPr lang="en-GB" dirty="0"/>
+              <a:t> is known from previous calculation and this is </a:t>
+            </a:r>
+            <a:r>
+              <a:rPr lang="en-GB" b="1" dirty="0"/>
+              <a:t>2S</a:t>
+            </a:r>
+            <a:r>
+              <a:rPr lang="en-GB" sz="1200" b="1" dirty="0"/>
+              <a:t>0</a:t>
+            </a:r>
+            <a:endParaRPr lang="en-GB" b="1" dirty="0"/>
+          </a:p>
+          <a:p>
+            <a:endParaRPr lang="en-GB" dirty="0"/>
+          </a:p>
+          <a:p>
+            <a:r>
+              <a:rPr lang="en-GB" dirty="0"/>
+              <a:t>The segment </a:t>
+            </a:r>
+            <a:r>
+              <a:rPr lang="en-GB" b="1" dirty="0"/>
+              <a:t>CC</a:t>
+            </a:r>
+            <a:r>
+              <a:rPr lang="en-GB" sz="1200" b="1" dirty="0"/>
+              <a:t>1</a:t>
+            </a:r>
+            <a:r>
+              <a:rPr lang="en-GB" sz="1200" dirty="0"/>
+              <a:t>   </a:t>
+            </a:r>
+            <a:r>
+              <a:rPr lang="en-GB" dirty="0"/>
+              <a:t>bisects </a:t>
+            </a:r>
+            <a:r>
+              <a:rPr lang="en-GB" b="1" dirty="0"/>
+              <a:t>AB</a:t>
+            </a:r>
+          </a:p>
+          <a:p>
+            <a:endParaRPr lang="en-GB" b="1" dirty="0"/>
+          </a:p>
+          <a:p>
+            <a:r>
+              <a:rPr lang="en-GB" b="1" dirty="0"/>
+              <a:t>CC</a:t>
+            </a:r>
+            <a:r>
+              <a:rPr lang="en-GB" sz="1200" b="1" dirty="0"/>
+              <a:t>1</a:t>
+            </a:r>
+            <a:r>
+              <a:rPr lang="en-GB" b="1" dirty="0"/>
+              <a:t>=r=AC=BC</a:t>
+            </a:r>
+          </a:p>
+          <a:p>
+            <a:endParaRPr lang="en-GB" b="1" dirty="0"/>
+          </a:p>
+          <a:p>
+            <a:r>
+              <a:rPr lang="en-GB" b="1" dirty="0"/>
+              <a:t>What do we want to find?</a:t>
+            </a:r>
+          </a:p>
+          <a:p>
+            <a:r>
+              <a:rPr lang="en-GB" dirty="0"/>
+              <a:t>Find </a:t>
+            </a:r>
+            <a:r>
+              <a:rPr lang="en-GB" b="1" dirty="0"/>
+              <a:t>AC</a:t>
+            </a:r>
+            <a:r>
+              <a:rPr lang="en-GB" sz="1200" b="1" dirty="0"/>
+              <a:t>1 </a:t>
+            </a:r>
+            <a:r>
+              <a:rPr lang="en-GB" dirty="0"/>
+              <a:t>also denoted as</a:t>
+            </a:r>
+            <a:r>
+              <a:rPr lang="en-GB" b="1" dirty="0"/>
+              <a:t> 2S</a:t>
+            </a:r>
+            <a:r>
+              <a:rPr lang="en-GB" sz="1200" b="1" dirty="0"/>
+              <a:t>1</a:t>
+            </a:r>
+            <a:endParaRPr lang="en-GB" dirty="0"/>
+          </a:p>
+          <a:p>
+            <a:endParaRPr lang="en-GB" dirty="0"/>
+          </a:p>
+          <a:p>
+            <a:r>
+              <a:rPr lang="en-GB" b="1" dirty="0"/>
+              <a:t>Why are we doing this?</a:t>
+            </a:r>
+          </a:p>
+          <a:p>
+            <a:r>
+              <a:rPr lang="en-GB" dirty="0"/>
+              <a:t>If we can find a formula that gives us </a:t>
+            </a:r>
+            <a:r>
+              <a:rPr lang="en-GB" b="1" dirty="0"/>
+              <a:t>AC</a:t>
+            </a:r>
+            <a:r>
+              <a:rPr lang="en-GB" sz="1200" b="1" dirty="0"/>
+              <a:t>1 </a:t>
+            </a:r>
+            <a:r>
+              <a:rPr lang="en-GB" dirty="0"/>
+              <a:t>from </a:t>
+            </a:r>
+            <a:r>
+              <a:rPr lang="en-GB" b="1" dirty="0"/>
+              <a:t>AB</a:t>
+            </a:r>
+            <a:r>
+              <a:rPr lang="en-GB" dirty="0"/>
+              <a:t> then we can recursively sub-divide </a:t>
+            </a:r>
+            <a:r>
+              <a:rPr lang="en-GB" b="1" dirty="0"/>
+              <a:t>AC</a:t>
+            </a:r>
+            <a:r>
+              <a:rPr lang="en-GB" sz="1200" b="1" dirty="0"/>
+              <a:t>1 </a:t>
+            </a:r>
+            <a:r>
+              <a:rPr lang="en-GB" dirty="0"/>
+              <a:t>into smaller segments.</a:t>
+            </a:r>
+          </a:p>
+          <a:p>
+            <a:endParaRPr lang="en-GB" dirty="0"/>
+          </a:p>
+        </p:txBody>
+      </p:sp>
+      <p:sp>
+        <p:nvSpPr>
+          <p:cNvPr id="2" name="Freeform: Shape 1">
+            <a:extLst>
+              <a:ext uri="{FF2B5EF4-FFF2-40B4-BE49-F238E27FC236}">
+                <a16:creationId xmlns:a16="http://schemas.microsoft.com/office/drawing/2014/main" id="{E7669634-7258-23AD-2A54-36EE58CC1DC8}"/>
+              </a:ext>
+            </a:extLst>
+          </p:cNvPr>
+          <p:cNvSpPr/>
+          <p:nvPr/>
+        </p:nvSpPr>
+        <p:spPr>
+          <a:xfrm>
+            <a:off x="6152225" y="2557663"/>
+            <a:ext cx="195309" cy="167782"/>
+          </a:xfrm>
+          <a:custGeom>
+            <a:avLst/>
+            <a:gdLst>
+              <a:gd name="connsiteX0" fmla="*/ 0 w 195309"/>
+              <a:gd name="connsiteY0" fmla="*/ 167782 h 167782"/>
+              <a:gd name="connsiteX1" fmla="*/ 195309 w 195309"/>
+              <a:gd name="connsiteY1" fmla="*/ 7984 h 167782"/>
+            </a:gdLst>
+            <a:ahLst/>
+            <a:cxnLst>
+              <a:cxn ang="0">
+                <a:pos x="connsiteX0" y="connsiteY0"/>
+              </a:cxn>
+              <a:cxn ang="0">
+                <a:pos x="connsiteX1" y="connsiteY1"/>
+              </a:cxn>
+            </a:cxnLst>
+            <a:rect l="l" t="t" r="r" b="b"/>
+            <a:pathLst>
+              <a:path w="195309" h="167782">
+                <a:moveTo>
+                  <a:pt x="0" y="167782"/>
+                </a:moveTo>
+                <a:cubicBezTo>
+                  <a:pt x="12325" y="-54064"/>
+                  <a:pt x="-44470" y="7984"/>
+                  <a:pt x="195309" y="7984"/>
+                </a:cubicBezTo>
+              </a:path>
+            </a:pathLst>
+          </a:custGeom>
+          <a:noFill/>
+        </p:spPr>
+        <p:style>
+          <a:lnRef idx="2">
+            <a:schemeClr val="accent1">
+              <a:shade val="50000"/>
+            </a:schemeClr>
+          </a:lnRef>
+          <a:fillRef idx="1">
+            <a:schemeClr val="accent1"/>
+          </a:fillRef>
+          <a:effectRef idx="0">
+            <a:schemeClr val="accent1"/>
+          </a:effectRef>
+          <a:fontRef idx="minor">
+            <a:schemeClr val="lt1"/>
+          </a:fontRef>
+        </p:style>
+        <p:txBody>
+          <a:bodyPr rtlCol="0" anchor="ctr"/>
+          <a:lstStyle/>
+          <a:p>
+            <a:pPr algn="ctr"/>
+            <a:endParaRPr lang="en-GB"/>
+          </a:p>
+        </p:txBody>
+      </p:sp>
+      <p:sp>
+        <p:nvSpPr>
+          <p:cNvPr id="7" name="Freeform: Shape 6">
+            <a:extLst>
+              <a:ext uri="{FF2B5EF4-FFF2-40B4-BE49-F238E27FC236}">
+                <a16:creationId xmlns:a16="http://schemas.microsoft.com/office/drawing/2014/main" id="{570EB2E6-A199-3FF0-9956-3DD4ACA8E755}"/>
+              </a:ext>
+            </a:extLst>
+          </p:cNvPr>
+          <p:cNvSpPr/>
+          <p:nvPr/>
+        </p:nvSpPr>
+        <p:spPr>
+          <a:xfrm>
+            <a:off x="6374167" y="2449793"/>
+            <a:ext cx="145124" cy="266774"/>
+          </a:xfrm>
+          <a:custGeom>
+            <a:avLst/>
+            <a:gdLst>
+              <a:gd name="connsiteX0" fmla="*/ 0 w 145124"/>
+              <a:gd name="connsiteY0" fmla="*/ 444 h 266774"/>
+              <a:gd name="connsiteX1" fmla="*/ 142043 w 145124"/>
+              <a:gd name="connsiteY1" fmla="*/ 9322 h 266774"/>
+              <a:gd name="connsiteX2" fmla="*/ 124287 w 145124"/>
+              <a:gd name="connsiteY2" fmla="*/ 44832 h 266774"/>
+              <a:gd name="connsiteX3" fmla="*/ 124287 w 145124"/>
+              <a:gd name="connsiteY3" fmla="*/ 266774 h 266774"/>
+            </a:gdLst>
+            <a:ahLst/>
+            <a:cxnLst>
+              <a:cxn ang="0">
+                <a:pos x="connsiteX0" y="connsiteY0"/>
+              </a:cxn>
+              <a:cxn ang="0">
+                <a:pos x="connsiteX1" y="connsiteY1"/>
+              </a:cxn>
+              <a:cxn ang="0">
+                <a:pos x="connsiteX2" y="connsiteY2"/>
+              </a:cxn>
+              <a:cxn ang="0">
+                <a:pos x="connsiteX3" y="connsiteY3"/>
+              </a:cxn>
+            </a:cxnLst>
+            <a:rect l="l" t="t" r="r" b="b"/>
+            <a:pathLst>
+              <a:path w="145124" h="266774">
+                <a:moveTo>
+                  <a:pt x="0" y="444"/>
+                </a:moveTo>
+                <a:cubicBezTo>
+                  <a:pt x="47348" y="3403"/>
+                  <a:pt x="97367" y="-6634"/>
+                  <a:pt x="142043" y="9322"/>
+                </a:cubicBezTo>
+                <a:cubicBezTo>
+                  <a:pt x="154506" y="13773"/>
+                  <a:pt x="125198" y="31629"/>
+                  <a:pt x="124287" y="44832"/>
+                </a:cubicBezTo>
+                <a:cubicBezTo>
+                  <a:pt x="119197" y="118637"/>
+                  <a:pt x="124287" y="192793"/>
+                  <a:pt x="124287" y="266774"/>
+                </a:cubicBezTo>
+              </a:path>
+            </a:pathLst>
+          </a:custGeom>
+          <a:noFill/>
+        </p:spPr>
+        <p:style>
+          <a:lnRef idx="2">
+            <a:schemeClr val="accent1">
+              <a:shade val="50000"/>
+            </a:schemeClr>
+          </a:lnRef>
+          <a:fillRef idx="1">
+            <a:schemeClr val="accent1"/>
+          </a:fillRef>
+          <a:effectRef idx="0">
+            <a:schemeClr val="accent1"/>
+          </a:effectRef>
+          <a:fontRef idx="minor">
+            <a:schemeClr val="lt1"/>
+          </a:fontRef>
+        </p:style>
+        <p:txBody>
+          <a:bodyPr rtlCol="0" anchor="ctr"/>
+          <a:lstStyle/>
+          <a:p>
+            <a:pPr algn="ctr"/>
+            <a:endParaRPr lang="en-GB"/>
+          </a:p>
+        </p:txBody>
+      </p:sp>
+      <p:sp>
+        <p:nvSpPr>
+          <p:cNvPr id="13" name="TextBox 12">
+            <a:extLst>
+              <a:ext uri="{FF2B5EF4-FFF2-40B4-BE49-F238E27FC236}">
+                <a16:creationId xmlns:a16="http://schemas.microsoft.com/office/drawing/2014/main" id="{061196C2-6A91-9F70-9FF4-CE82C11117B2}"/>
+              </a:ext>
+            </a:extLst>
+          </p:cNvPr>
+          <p:cNvSpPr txBox="1"/>
+          <p:nvPr/>
+        </p:nvSpPr>
+        <p:spPr>
+          <a:xfrm>
+            <a:off x="6479014" y="3907774"/>
+            <a:ext cx="301638" cy="369332"/>
+          </a:xfrm>
+          <a:prstGeom prst="rect">
+            <a:avLst/>
+          </a:prstGeom>
+          <a:noFill/>
+        </p:spPr>
+        <p:txBody>
+          <a:bodyPr wrap="square" rtlCol="0">
+            <a:spAutoFit/>
+          </a:bodyPr>
+          <a:lstStyle/>
+          <a:p>
+            <a:r>
+              <a:rPr lang="en-GB" dirty="0"/>
+              <a:t>B</a:t>
+            </a:r>
+          </a:p>
+        </p:txBody>
+      </p:sp>
+      <mc:AlternateContent xmlns:mc="http://schemas.openxmlformats.org/markup-compatibility/2006" xmlns:a14="http://schemas.microsoft.com/office/drawing/2010/main">
+        <mc:Choice Requires="a14">
+          <p:sp>
+            <p:nvSpPr>
+              <p:cNvPr id="21" name="TextBox 20">
+                <a:extLst>
+                  <a:ext uri="{FF2B5EF4-FFF2-40B4-BE49-F238E27FC236}">
+                    <a16:creationId xmlns:a16="http://schemas.microsoft.com/office/drawing/2014/main" id="{B4B25DAB-63EB-F440-C9E6-27FC5EEC5EE1}"/>
+                  </a:ext>
+                </a:extLst>
+              </p:cNvPr>
+              <p:cNvSpPr txBox="1"/>
+              <p:nvPr/>
+            </p:nvSpPr>
+            <p:spPr>
+              <a:xfrm>
+                <a:off x="8442664" y="1589227"/>
+                <a:ext cx="1835458" cy="369332"/>
+              </a:xfrm>
+              <a:prstGeom prst="rect">
+                <a:avLst/>
+              </a:prstGeom>
+              <a:noFill/>
+            </p:spPr>
+            <p:txBody>
+              <a:bodyPr wrap="square">
+                <a:spAutoFit/>
+              </a:bodyPr>
+              <a:lstStyle/>
+              <a:p>
+                <a:pPr/>
+                <a14:m>
+                  <m:oMathPara xmlns:m="http://schemas.openxmlformats.org/officeDocument/2006/math">
+                    <m:oMathParaPr>
+                      <m:jc m:val="centerGroup"/>
+                    </m:oMathParaPr>
+                    <m:oMath xmlns:m="http://schemas.openxmlformats.org/officeDocument/2006/math">
+                      <m:sSup>
+                        <m:sSupPr>
+                          <m:ctrlPr>
+                            <a:rPr lang="pt-BR" i="1" smtClean="0">
+                              <a:latin typeface="Cambria Math" panose="02040503050406030204" pitchFamily="18" charset="0"/>
+                            </a:rPr>
+                          </m:ctrlPr>
+                        </m:sSupPr>
+                        <m:e>
+                          <m:r>
+                            <a:rPr lang="en-GB" b="0" i="1" smtClean="0">
+                              <a:latin typeface="Cambria Math" panose="02040503050406030204" pitchFamily="18" charset="0"/>
+                            </a:rPr>
+                            <m:t>𝐶𝐷</m:t>
+                          </m:r>
+                        </m:e>
+                        <m:sup>
+                          <m:r>
+                            <a:rPr lang="pt-BR" i="1" smtClean="0">
+                              <a:latin typeface="Cambria Math" panose="02040503050406030204" pitchFamily="18" charset="0"/>
+                            </a:rPr>
+                            <m:t>2</m:t>
+                          </m:r>
+                        </m:sup>
+                      </m:sSup>
+                      <m:r>
+                        <a:rPr lang="pt-BR" i="1" smtClean="0">
+                          <a:latin typeface="Cambria Math" panose="02040503050406030204" pitchFamily="18" charset="0"/>
+                        </a:rPr>
+                        <m:t>+</m:t>
+                      </m:r>
+                      <m:sSup>
+                        <m:sSupPr>
+                          <m:ctrlPr>
+                            <a:rPr lang="pt-BR" i="1" smtClean="0">
+                              <a:latin typeface="Cambria Math" panose="02040503050406030204" pitchFamily="18" charset="0"/>
+                            </a:rPr>
+                          </m:ctrlPr>
+                        </m:sSupPr>
+                        <m:e>
+                          <m:r>
+                            <a:rPr lang="en-GB" b="0" i="1" smtClean="0">
+                              <a:latin typeface="Cambria Math" panose="02040503050406030204" pitchFamily="18" charset="0"/>
+                            </a:rPr>
+                            <m:t>𝐴𝐷</m:t>
+                          </m:r>
+                        </m:e>
+                        <m:sup>
+                          <m:r>
+                            <a:rPr lang="pt-BR" i="1" smtClean="0">
+                              <a:latin typeface="Cambria Math" panose="02040503050406030204" pitchFamily="18" charset="0"/>
+                            </a:rPr>
+                            <m:t>2</m:t>
+                          </m:r>
+                        </m:sup>
+                      </m:sSup>
+                      <m:r>
+                        <a:rPr lang="pt-BR" i="1" smtClean="0">
+                          <a:latin typeface="Cambria Math" panose="02040503050406030204" pitchFamily="18" charset="0"/>
+                        </a:rPr>
+                        <m:t>=</m:t>
+                      </m:r>
+                      <m:sSup>
+                        <m:sSupPr>
+                          <m:ctrlPr>
+                            <a:rPr lang="pt-BR" i="1" smtClean="0">
+                              <a:latin typeface="Cambria Math" panose="02040503050406030204" pitchFamily="18" charset="0"/>
+                            </a:rPr>
+                          </m:ctrlPr>
+                        </m:sSupPr>
+                        <m:e>
+                          <m:r>
+                            <a:rPr lang="en-GB" b="0" i="1" smtClean="0">
+                              <a:latin typeface="Cambria Math" panose="02040503050406030204" pitchFamily="18" charset="0"/>
+                            </a:rPr>
+                            <m:t>𝑟</m:t>
+                          </m:r>
+                        </m:e>
+                        <m:sup>
+                          <m:r>
+                            <a:rPr lang="pt-BR" i="1" smtClean="0">
+                              <a:latin typeface="Cambria Math" panose="02040503050406030204" pitchFamily="18" charset="0"/>
+                            </a:rPr>
+                            <m:t>2</m:t>
+                          </m:r>
+                        </m:sup>
+                      </m:sSup>
+                    </m:oMath>
+                  </m:oMathPara>
+                </a14:m>
+                <a:endParaRPr lang="en-GB" dirty="0"/>
+              </a:p>
+            </p:txBody>
+          </p:sp>
+        </mc:Choice>
+        <mc:Fallback xmlns="">
+          <p:sp>
+            <p:nvSpPr>
+              <p:cNvPr id="21" name="TextBox 20">
+                <a:extLst>
+                  <a:ext uri="{FF2B5EF4-FFF2-40B4-BE49-F238E27FC236}">
+                    <a16:creationId xmlns:a16="http://schemas.microsoft.com/office/drawing/2014/main" id="{B4B25DAB-63EB-F440-C9E6-27FC5EEC5EE1}"/>
+                  </a:ext>
+                </a:extLst>
+              </p:cNvPr>
+              <p:cNvSpPr txBox="1">
+                <a:spLocks noRot="1" noChangeAspect="1" noMove="1" noResize="1" noEditPoints="1" noAdjustHandles="1" noChangeArrowheads="1" noChangeShapeType="1" noTextEdit="1"/>
+              </p:cNvSpPr>
+              <p:nvPr/>
+            </p:nvSpPr>
+            <p:spPr>
+              <a:xfrm>
+                <a:off x="8442664" y="1589227"/>
+                <a:ext cx="1835458" cy="369332"/>
+              </a:xfrm>
+              <a:prstGeom prst="rect">
+                <a:avLst/>
+              </a:prstGeom>
+              <a:blipFill>
+                <a:blip r:embed="rId4"/>
+                <a:stretch>
+                  <a:fillRect/>
+                </a:stretch>
+              </a:blipFill>
+            </p:spPr>
+            <p:txBody>
+              <a:bodyPr/>
+              <a:lstStyle/>
+              <a:p>
+                <a:r>
+                  <a:rPr lang="en-GB">
+                    <a:noFill/>
+                  </a:rPr>
+                  <a:t> </a:t>
+                </a:r>
+              </a:p>
+            </p:txBody>
+          </p:sp>
+        </mc:Fallback>
+      </mc:AlternateContent>
+      <p:sp>
+        <p:nvSpPr>
+          <p:cNvPr id="24" name="TextBox 23">
+            <a:extLst>
+              <a:ext uri="{FF2B5EF4-FFF2-40B4-BE49-F238E27FC236}">
+                <a16:creationId xmlns:a16="http://schemas.microsoft.com/office/drawing/2014/main" id="{4F0FC8E1-D89F-4706-BFAE-1D7794171CD3}"/>
+              </a:ext>
+            </a:extLst>
+          </p:cNvPr>
+          <p:cNvSpPr txBox="1"/>
+          <p:nvPr/>
+        </p:nvSpPr>
+        <p:spPr>
+          <a:xfrm>
+            <a:off x="8175008" y="1135591"/>
+            <a:ext cx="2984221" cy="369332"/>
+          </a:xfrm>
+          <a:prstGeom prst="rect">
+            <a:avLst/>
+          </a:prstGeom>
+          <a:noFill/>
+        </p:spPr>
+        <p:txBody>
+          <a:bodyPr wrap="square" rtlCol="0">
+            <a:spAutoFit/>
+          </a:bodyPr>
+          <a:lstStyle/>
+          <a:p>
+            <a:r>
+              <a:rPr lang="en-GB" b="1" dirty="0"/>
+              <a:t>2.Using Pythagoras theorem</a:t>
+            </a:r>
+          </a:p>
+        </p:txBody>
+      </p:sp>
+      <mc:AlternateContent xmlns:mc="http://schemas.openxmlformats.org/markup-compatibility/2006" xmlns:a14="http://schemas.microsoft.com/office/drawing/2010/main">
+        <mc:Choice Requires="a14">
+          <p:sp>
+            <p:nvSpPr>
+              <p:cNvPr id="26" name="TextBox 25">
+                <a:extLst>
+                  <a:ext uri="{FF2B5EF4-FFF2-40B4-BE49-F238E27FC236}">
+                    <a16:creationId xmlns:a16="http://schemas.microsoft.com/office/drawing/2014/main" id="{91D86895-59A1-163C-E02F-3806E71F7CF7}"/>
+                  </a:ext>
+                </a:extLst>
+              </p:cNvPr>
+              <p:cNvSpPr txBox="1"/>
+              <p:nvPr/>
+            </p:nvSpPr>
+            <p:spPr>
+              <a:xfrm>
+                <a:off x="8442664" y="2008451"/>
+                <a:ext cx="2281560" cy="369332"/>
+              </a:xfrm>
+              <a:prstGeom prst="rect">
+                <a:avLst/>
+              </a:prstGeom>
+              <a:noFill/>
+            </p:spPr>
+            <p:txBody>
+              <a:bodyPr wrap="square">
+                <a:spAutoFit/>
+              </a:bodyPr>
+              <a:lstStyle/>
+              <a:p>
+                <a:pPr/>
+                <a14:m>
+                  <m:oMathPara xmlns:m="http://schemas.openxmlformats.org/officeDocument/2006/math">
+                    <m:oMathParaPr>
+                      <m:jc m:val="centerGroup"/>
+                    </m:oMathParaPr>
+                    <m:oMath xmlns:m="http://schemas.openxmlformats.org/officeDocument/2006/math">
+                      <m:sSup>
+                        <m:sSupPr>
+                          <m:ctrlPr>
+                            <a:rPr lang="pt-BR" i="1" smtClean="0">
+                              <a:latin typeface="Cambria Math" panose="02040503050406030204" pitchFamily="18" charset="0"/>
+                            </a:rPr>
+                          </m:ctrlPr>
+                        </m:sSupPr>
+                        <m:e>
+                          <m:r>
+                            <a:rPr lang="en-GB" b="0" i="1" smtClean="0">
+                              <a:latin typeface="Cambria Math" panose="02040503050406030204" pitchFamily="18" charset="0"/>
+                            </a:rPr>
+                            <m:t>𝐷𝐶</m:t>
+                          </m:r>
+                          <m:r>
+                            <a:rPr lang="en-GB" b="0" i="1" smtClean="0">
+                              <a:latin typeface="Cambria Math" panose="02040503050406030204" pitchFamily="18" charset="0"/>
+                            </a:rPr>
+                            <m:t>1</m:t>
+                          </m:r>
+                        </m:e>
+                        <m:sup>
+                          <m:r>
+                            <a:rPr lang="pt-BR" i="1" smtClean="0">
+                              <a:latin typeface="Cambria Math" panose="02040503050406030204" pitchFamily="18" charset="0"/>
+                            </a:rPr>
+                            <m:t>2</m:t>
+                          </m:r>
+                        </m:sup>
+                      </m:sSup>
+                      <m:r>
+                        <a:rPr lang="pt-BR" i="1" smtClean="0">
+                          <a:latin typeface="Cambria Math" panose="02040503050406030204" pitchFamily="18" charset="0"/>
+                        </a:rPr>
+                        <m:t>+</m:t>
+                      </m:r>
+                      <m:sSup>
+                        <m:sSupPr>
+                          <m:ctrlPr>
+                            <a:rPr lang="pt-BR" i="1" smtClean="0">
+                              <a:latin typeface="Cambria Math" panose="02040503050406030204" pitchFamily="18" charset="0"/>
+                            </a:rPr>
+                          </m:ctrlPr>
+                        </m:sSupPr>
+                        <m:e>
+                          <m:r>
+                            <a:rPr lang="en-GB" b="0" i="1" smtClean="0">
+                              <a:latin typeface="Cambria Math" panose="02040503050406030204" pitchFamily="18" charset="0"/>
+                            </a:rPr>
+                            <m:t>𝐴𝐷</m:t>
+                          </m:r>
+                        </m:e>
+                        <m:sup>
+                          <m:r>
+                            <a:rPr lang="pt-BR" i="1" smtClean="0">
+                              <a:latin typeface="Cambria Math" panose="02040503050406030204" pitchFamily="18" charset="0"/>
+                            </a:rPr>
+                            <m:t>2</m:t>
+                          </m:r>
+                        </m:sup>
+                      </m:sSup>
+                      <m:r>
+                        <a:rPr lang="pt-BR" i="1" smtClean="0">
+                          <a:latin typeface="Cambria Math" panose="02040503050406030204" pitchFamily="18" charset="0"/>
+                        </a:rPr>
+                        <m:t>=</m:t>
+                      </m:r>
+                      <m:sSup>
+                        <m:sSupPr>
+                          <m:ctrlPr>
+                            <a:rPr lang="pt-BR" i="1" smtClean="0">
+                              <a:latin typeface="Cambria Math" panose="02040503050406030204" pitchFamily="18" charset="0"/>
+                            </a:rPr>
+                          </m:ctrlPr>
+                        </m:sSupPr>
+                        <m:e>
+                          <m:r>
+                            <a:rPr lang="en-GB" b="0" i="1" smtClean="0">
+                              <a:latin typeface="Cambria Math" panose="02040503050406030204" pitchFamily="18" charset="0"/>
+                            </a:rPr>
+                            <m:t>𝐴𝐶</m:t>
+                          </m:r>
+                          <m:r>
+                            <a:rPr lang="en-GB" b="0" i="1" smtClean="0">
+                              <a:latin typeface="Cambria Math" panose="02040503050406030204" pitchFamily="18" charset="0"/>
+                            </a:rPr>
+                            <m:t>1</m:t>
+                          </m:r>
+                        </m:e>
+                        <m:sup>
+                          <m:r>
+                            <a:rPr lang="pt-BR" i="1" smtClean="0">
+                              <a:latin typeface="Cambria Math" panose="02040503050406030204" pitchFamily="18" charset="0"/>
+                            </a:rPr>
+                            <m:t>2</m:t>
+                          </m:r>
+                        </m:sup>
+                      </m:sSup>
+                    </m:oMath>
+                  </m:oMathPara>
+                </a14:m>
+                <a:endParaRPr lang="en-GB" dirty="0"/>
+              </a:p>
+            </p:txBody>
+          </p:sp>
+        </mc:Choice>
+        <mc:Fallback xmlns="">
+          <p:sp>
+            <p:nvSpPr>
+              <p:cNvPr id="26" name="TextBox 25">
+                <a:extLst>
+                  <a:ext uri="{FF2B5EF4-FFF2-40B4-BE49-F238E27FC236}">
+                    <a16:creationId xmlns:a16="http://schemas.microsoft.com/office/drawing/2014/main" id="{91D86895-59A1-163C-E02F-3806E71F7CF7}"/>
+                  </a:ext>
+                </a:extLst>
+              </p:cNvPr>
+              <p:cNvSpPr txBox="1">
+                <a:spLocks noRot="1" noChangeAspect="1" noMove="1" noResize="1" noEditPoints="1" noAdjustHandles="1" noChangeArrowheads="1" noChangeShapeType="1" noTextEdit="1"/>
+              </p:cNvSpPr>
+              <p:nvPr/>
+            </p:nvSpPr>
+            <p:spPr>
+              <a:xfrm>
+                <a:off x="8442664" y="2008451"/>
+                <a:ext cx="2281560" cy="369332"/>
+              </a:xfrm>
+              <a:prstGeom prst="rect">
+                <a:avLst/>
+              </a:prstGeom>
+              <a:blipFill>
+                <a:blip r:embed="rId5"/>
+                <a:stretch>
+                  <a:fillRect/>
+                </a:stretch>
+              </a:blipFill>
+            </p:spPr>
+            <p:txBody>
+              <a:bodyPr/>
+              <a:lstStyle/>
+              <a:p>
+                <a:r>
+                  <a:rPr lang="en-GB">
+                    <a:noFill/>
+                  </a:rPr>
+                  <a:t> </a:t>
+                </a:r>
+              </a:p>
+            </p:txBody>
+          </p:sp>
+        </mc:Fallback>
+      </mc:AlternateContent>
+      <mc:AlternateContent xmlns:mc="http://schemas.openxmlformats.org/markup-compatibility/2006" xmlns:a14="http://schemas.microsoft.com/office/drawing/2010/main">
+        <mc:Choice Requires="a14">
+          <p:sp>
+            <p:nvSpPr>
+              <p:cNvPr id="30" name="TextBox 29">
+                <a:extLst>
+                  <a:ext uri="{FF2B5EF4-FFF2-40B4-BE49-F238E27FC236}">
+                    <a16:creationId xmlns:a16="http://schemas.microsoft.com/office/drawing/2014/main" id="{1F70F6B8-510D-1351-C9BA-BCC03B3E14ED}"/>
+                  </a:ext>
+                </a:extLst>
+              </p:cNvPr>
+              <p:cNvSpPr txBox="1"/>
+              <p:nvPr/>
+            </p:nvSpPr>
+            <p:spPr>
+              <a:xfrm>
+                <a:off x="8442664" y="3018886"/>
+                <a:ext cx="2281560" cy="1200329"/>
+              </a:xfrm>
+              <a:prstGeom prst="rect">
+                <a:avLst/>
+              </a:prstGeom>
+              <a:noFill/>
+            </p:spPr>
+            <p:txBody>
+              <a:bodyPr wrap="square">
+                <a:spAutoFit/>
+              </a:bodyPr>
+              <a:lstStyle/>
+              <a:p>
+                <a:r>
+                  <a:rPr lang="pt-BR" dirty="0"/>
+                  <a:t>DC1</a:t>
+                </a:r>
+                <a14:m>
+                  <m:oMath xmlns:m="http://schemas.openxmlformats.org/officeDocument/2006/math">
+                    <m:r>
+                      <a:rPr lang="pt-BR" i="1" smtClean="0">
+                        <a:latin typeface="Cambria Math" panose="02040503050406030204" pitchFamily="18" charset="0"/>
+                      </a:rPr>
+                      <m:t>=</m:t>
+                    </m:r>
+                    <m:r>
+                      <a:rPr lang="en-GB" b="0" i="1" smtClean="0">
+                        <a:latin typeface="Cambria Math" panose="02040503050406030204" pitchFamily="18" charset="0"/>
+                      </a:rPr>
+                      <m:t>𝐶𝐶</m:t>
+                    </m:r>
+                    <m:r>
+                      <a:rPr lang="en-GB" b="0" i="1" smtClean="0">
+                        <a:latin typeface="Cambria Math" panose="02040503050406030204" pitchFamily="18" charset="0"/>
+                      </a:rPr>
+                      <m:t>1−</m:t>
+                    </m:r>
+                    <m:r>
+                      <a:rPr lang="en-GB" b="0" i="1" smtClean="0">
+                        <a:latin typeface="Cambria Math" panose="02040503050406030204" pitchFamily="18" charset="0"/>
+                      </a:rPr>
+                      <m:t>𝐶𝐷</m:t>
+                    </m:r>
+                  </m:oMath>
+                </a14:m>
+                <a:endParaRPr lang="en-GB" b="0" dirty="0"/>
+              </a:p>
+              <a:p>
+                <a:endParaRPr lang="en-GB" dirty="0"/>
+              </a:p>
+              <a:p>
+                <a:r>
+                  <a:rPr lang="pt-BR" dirty="0"/>
+                  <a:t>DC1</a:t>
+                </a:r>
+                <a14:m>
+                  <m:oMath xmlns:m="http://schemas.openxmlformats.org/officeDocument/2006/math">
+                    <m:r>
+                      <a:rPr lang="pt-BR" i="1" smtClean="0">
+                        <a:latin typeface="Cambria Math" panose="02040503050406030204" pitchFamily="18" charset="0"/>
+                      </a:rPr>
+                      <m:t>=</m:t>
+                    </m:r>
+                  </m:oMath>
+                </a14:m>
+                <a:r>
+                  <a:rPr lang="en-GB" dirty="0"/>
+                  <a:t>r</a:t>
+                </a:r>
+                <a14:m>
+                  <m:oMath xmlns:m="http://schemas.openxmlformats.org/officeDocument/2006/math">
+                    <m:r>
+                      <a:rPr lang="en-GB" i="1">
+                        <a:latin typeface="Cambria Math" panose="02040503050406030204" pitchFamily="18" charset="0"/>
+                      </a:rPr>
+                      <m:t>−</m:t>
+                    </m:r>
+                    <m:r>
+                      <a:rPr lang="en-GB" i="1">
+                        <a:latin typeface="Cambria Math" panose="02040503050406030204" pitchFamily="18" charset="0"/>
+                      </a:rPr>
+                      <m:t>𝐶𝐷</m:t>
+                    </m:r>
+                  </m:oMath>
+                </a14:m>
+                <a:endParaRPr lang="en-GB" dirty="0"/>
+              </a:p>
+              <a:p>
+                <a:endParaRPr lang="en-GB" dirty="0"/>
+              </a:p>
+            </p:txBody>
+          </p:sp>
+        </mc:Choice>
+        <mc:Fallback xmlns="">
+          <p:sp>
+            <p:nvSpPr>
+              <p:cNvPr id="30" name="TextBox 29">
+                <a:extLst>
+                  <a:ext uri="{FF2B5EF4-FFF2-40B4-BE49-F238E27FC236}">
+                    <a16:creationId xmlns:a16="http://schemas.microsoft.com/office/drawing/2014/main" id="{1F70F6B8-510D-1351-C9BA-BCC03B3E14ED}"/>
+                  </a:ext>
+                </a:extLst>
+              </p:cNvPr>
+              <p:cNvSpPr txBox="1">
+                <a:spLocks noRot="1" noChangeAspect="1" noMove="1" noResize="1" noEditPoints="1" noAdjustHandles="1" noChangeArrowheads="1" noChangeShapeType="1" noTextEdit="1"/>
+              </p:cNvSpPr>
+              <p:nvPr/>
+            </p:nvSpPr>
+            <p:spPr>
+              <a:xfrm>
+                <a:off x="8442664" y="3018886"/>
+                <a:ext cx="2281560" cy="1200329"/>
+              </a:xfrm>
+              <a:prstGeom prst="rect">
+                <a:avLst/>
+              </a:prstGeom>
+              <a:blipFill>
+                <a:blip r:embed="rId6"/>
+                <a:stretch>
+                  <a:fillRect l="-2406" t="-2538"/>
+                </a:stretch>
+              </a:blipFill>
+            </p:spPr>
+            <p:txBody>
+              <a:bodyPr/>
+              <a:lstStyle/>
+              <a:p>
+                <a:r>
+                  <a:rPr lang="en-GB">
+                    <a:noFill/>
+                  </a:rPr>
+                  <a:t> </a:t>
+                </a:r>
+              </a:p>
+            </p:txBody>
+          </p:sp>
+        </mc:Fallback>
+      </mc:AlternateContent>
+      <mc:AlternateContent xmlns:mc="http://schemas.openxmlformats.org/markup-compatibility/2006" xmlns:a14="http://schemas.microsoft.com/office/drawing/2010/main">
+        <mc:Choice Requires="a14">
+          <p:sp>
+            <p:nvSpPr>
+              <p:cNvPr id="32" name="TextBox 31">
+                <a:extLst>
+                  <a:ext uri="{FF2B5EF4-FFF2-40B4-BE49-F238E27FC236}">
+                    <a16:creationId xmlns:a16="http://schemas.microsoft.com/office/drawing/2014/main" id="{DF92B8ED-1201-1433-C9B7-1E812353C282}"/>
+                  </a:ext>
+                </a:extLst>
+              </p:cNvPr>
+              <p:cNvSpPr txBox="1"/>
+              <p:nvPr/>
+            </p:nvSpPr>
+            <p:spPr>
+              <a:xfrm>
+                <a:off x="8451543" y="601496"/>
+                <a:ext cx="2281560" cy="369332"/>
+              </a:xfrm>
+              <a:prstGeom prst="rect">
+                <a:avLst/>
+              </a:prstGeom>
+              <a:noFill/>
+            </p:spPr>
+            <p:txBody>
+              <a:bodyPr wrap="square">
+                <a:spAutoFit/>
+              </a:bodyPr>
+              <a:lstStyle/>
+              <a:p>
+                <a:r>
+                  <a:rPr lang="pt-BR" dirty="0"/>
+                  <a:t>AD</a:t>
+                </a:r>
+                <a14:m>
+                  <m:oMath xmlns:m="http://schemas.openxmlformats.org/officeDocument/2006/math">
+                    <m:r>
+                      <a:rPr lang="pt-BR" i="1" smtClean="0">
+                        <a:latin typeface="Cambria Math" panose="02040503050406030204" pitchFamily="18" charset="0"/>
+                      </a:rPr>
+                      <m:t>=</m:t>
+                    </m:r>
+                    <m:r>
+                      <a:rPr lang="en-GB" b="0" i="1" smtClean="0">
+                        <a:latin typeface="Cambria Math" panose="02040503050406030204" pitchFamily="18" charset="0"/>
+                      </a:rPr>
+                      <m:t>𝐴𝐵</m:t>
+                    </m:r>
+                    <m:r>
+                      <a:rPr lang="en-GB" b="0" i="1" smtClean="0">
+                        <a:latin typeface="Cambria Math" panose="02040503050406030204" pitchFamily="18" charset="0"/>
+                      </a:rPr>
+                      <m:t>/2</m:t>
+                    </m:r>
+                  </m:oMath>
+                </a14:m>
+                <a:r>
+                  <a:rPr lang="en-GB" dirty="0"/>
+                  <a:t> </a:t>
+                </a:r>
+                <a14:m>
+                  <m:oMath xmlns:m="http://schemas.openxmlformats.org/officeDocument/2006/math">
+                    <m:r>
+                      <a:rPr lang="pt-BR" i="1">
+                        <a:latin typeface="Cambria Math" panose="02040503050406030204" pitchFamily="18" charset="0"/>
+                      </a:rPr>
+                      <m:t>=</m:t>
+                    </m:r>
+                  </m:oMath>
+                </a14:m>
+                <a:r>
+                  <a:rPr lang="en-GB" dirty="0"/>
+                  <a:t> S0</a:t>
+                </a:r>
+              </a:p>
+            </p:txBody>
+          </p:sp>
+        </mc:Choice>
+        <mc:Fallback xmlns="">
+          <p:sp>
+            <p:nvSpPr>
+              <p:cNvPr id="32" name="TextBox 31">
+                <a:extLst>
+                  <a:ext uri="{FF2B5EF4-FFF2-40B4-BE49-F238E27FC236}">
+                    <a16:creationId xmlns:a16="http://schemas.microsoft.com/office/drawing/2014/main" id="{DF92B8ED-1201-1433-C9B7-1E812353C282}"/>
+                  </a:ext>
+                </a:extLst>
+              </p:cNvPr>
+              <p:cNvSpPr txBox="1">
+                <a:spLocks noRot="1" noChangeAspect="1" noMove="1" noResize="1" noEditPoints="1" noAdjustHandles="1" noChangeArrowheads="1" noChangeShapeType="1" noTextEdit="1"/>
+              </p:cNvSpPr>
+              <p:nvPr/>
+            </p:nvSpPr>
+            <p:spPr>
+              <a:xfrm>
+                <a:off x="8451543" y="601496"/>
+                <a:ext cx="2281560" cy="369332"/>
+              </a:xfrm>
+              <a:prstGeom prst="rect">
+                <a:avLst/>
+              </a:prstGeom>
+              <a:blipFill>
+                <a:blip r:embed="rId7"/>
+                <a:stretch>
+                  <a:fillRect l="-2133" t="-10000" b="-26667"/>
+                </a:stretch>
+              </a:blipFill>
+            </p:spPr>
+            <p:txBody>
+              <a:bodyPr/>
+              <a:lstStyle/>
+              <a:p>
+                <a:r>
+                  <a:rPr lang="en-GB">
+                    <a:noFill/>
+                  </a:rPr>
+                  <a:t> </a:t>
+                </a:r>
+              </a:p>
+            </p:txBody>
+          </p:sp>
+        </mc:Fallback>
+      </mc:AlternateContent>
+      <p:sp>
+        <p:nvSpPr>
+          <p:cNvPr id="36" name="TextBox 35">
+            <a:extLst>
+              <a:ext uri="{FF2B5EF4-FFF2-40B4-BE49-F238E27FC236}">
+                <a16:creationId xmlns:a16="http://schemas.microsoft.com/office/drawing/2014/main" id="{5592ABF9-5A43-DCCC-FA58-0619062DD127}"/>
+              </a:ext>
+            </a:extLst>
+          </p:cNvPr>
+          <p:cNvSpPr txBox="1"/>
+          <p:nvPr/>
+        </p:nvSpPr>
+        <p:spPr>
+          <a:xfrm>
+            <a:off x="8175009" y="158549"/>
+            <a:ext cx="2984221" cy="369332"/>
+          </a:xfrm>
+          <a:prstGeom prst="rect">
+            <a:avLst/>
+          </a:prstGeom>
+          <a:noFill/>
+        </p:spPr>
+        <p:txBody>
+          <a:bodyPr wrap="square" rtlCol="0">
+            <a:spAutoFit/>
+          </a:bodyPr>
+          <a:lstStyle/>
+          <a:p>
+            <a:r>
+              <a:rPr lang="en-GB" b="1" dirty="0"/>
+              <a:t>1. D bisects AB</a:t>
+            </a:r>
+          </a:p>
+        </p:txBody>
+      </p:sp>
+      <p:sp>
+        <p:nvSpPr>
+          <p:cNvPr id="38" name="TextBox 37">
+            <a:extLst>
+              <a:ext uri="{FF2B5EF4-FFF2-40B4-BE49-F238E27FC236}">
+                <a16:creationId xmlns:a16="http://schemas.microsoft.com/office/drawing/2014/main" id="{EA8B28B0-4B6B-2221-67F2-0BCEA1DFD3C4}"/>
+              </a:ext>
+            </a:extLst>
+          </p:cNvPr>
+          <p:cNvSpPr txBox="1"/>
+          <p:nvPr/>
+        </p:nvSpPr>
+        <p:spPr>
+          <a:xfrm>
+            <a:off x="8211845" y="2724535"/>
+            <a:ext cx="2984221" cy="369332"/>
+          </a:xfrm>
+          <a:prstGeom prst="rect">
+            <a:avLst/>
+          </a:prstGeom>
+          <a:noFill/>
+        </p:spPr>
+        <p:txBody>
+          <a:bodyPr wrap="square" rtlCol="0">
+            <a:spAutoFit/>
+          </a:bodyPr>
+          <a:lstStyle/>
+          <a:p>
+            <a:r>
+              <a:rPr lang="en-GB" b="1" dirty="0"/>
+              <a:t>3.D splits the radius CC1</a:t>
+            </a:r>
+          </a:p>
+        </p:txBody>
+      </p:sp>
+      <p:sp>
+        <p:nvSpPr>
+          <p:cNvPr id="40" name="TextBox 39">
+            <a:extLst>
+              <a:ext uri="{FF2B5EF4-FFF2-40B4-BE49-F238E27FC236}">
+                <a16:creationId xmlns:a16="http://schemas.microsoft.com/office/drawing/2014/main" id="{466FD3D5-4790-03BF-334E-1155D8CE1432}"/>
+              </a:ext>
+            </a:extLst>
+          </p:cNvPr>
+          <p:cNvSpPr txBox="1"/>
+          <p:nvPr/>
+        </p:nvSpPr>
+        <p:spPr>
+          <a:xfrm>
+            <a:off x="8211844" y="4137691"/>
+            <a:ext cx="3773010" cy="369332"/>
+          </a:xfrm>
+          <a:prstGeom prst="rect">
+            <a:avLst/>
+          </a:prstGeom>
+          <a:noFill/>
+        </p:spPr>
+        <p:txBody>
+          <a:bodyPr wrap="square" rtlCol="0">
+            <a:spAutoFit/>
+          </a:bodyPr>
+          <a:lstStyle/>
+          <a:p>
+            <a:r>
+              <a:rPr lang="en-GB" b="1" dirty="0"/>
+              <a:t>4. Combining the above equations </a:t>
+            </a:r>
+          </a:p>
+        </p:txBody>
+      </p:sp>
+      <mc:AlternateContent xmlns:mc="http://schemas.openxmlformats.org/markup-compatibility/2006" xmlns:a14="http://schemas.microsoft.com/office/drawing/2010/main">
+        <mc:Choice Requires="a14">
+          <p:sp>
+            <p:nvSpPr>
+              <p:cNvPr id="50" name="TextBox 49">
+                <a:extLst>
+                  <a:ext uri="{FF2B5EF4-FFF2-40B4-BE49-F238E27FC236}">
+                    <a16:creationId xmlns:a16="http://schemas.microsoft.com/office/drawing/2014/main" id="{9CEACF01-9977-1D7E-3F6A-E04B6B9750E8}"/>
+                  </a:ext>
+                </a:extLst>
+              </p:cNvPr>
+              <p:cNvSpPr txBox="1"/>
+              <p:nvPr/>
+            </p:nvSpPr>
+            <p:spPr>
+              <a:xfrm>
+                <a:off x="8442663" y="5055494"/>
+                <a:ext cx="2778711" cy="369332"/>
+              </a:xfrm>
+              <a:prstGeom prst="rect">
+                <a:avLst/>
+              </a:prstGeom>
+              <a:noFill/>
+            </p:spPr>
+            <p:txBody>
+              <a:bodyPr wrap="square">
+                <a:spAutoFit/>
+              </a:bodyPr>
+              <a:lstStyle/>
+              <a:p>
+                <a14:m>
+                  <m:oMath xmlns:m="http://schemas.openxmlformats.org/officeDocument/2006/math">
+                    <m:sSup>
+                      <m:sSupPr>
+                        <m:ctrlPr>
+                          <a:rPr lang="pt-BR" i="1" smtClean="0">
+                            <a:latin typeface="Cambria Math" panose="02040503050406030204" pitchFamily="18" charset="0"/>
+                          </a:rPr>
+                        </m:ctrlPr>
+                      </m:sSupPr>
+                      <m:e>
+                        <m:r>
+                          <a:rPr lang="en-GB" b="0" i="1" smtClean="0">
+                            <a:latin typeface="Cambria Math" panose="02040503050406030204" pitchFamily="18" charset="0"/>
+                          </a:rPr>
+                          <m:t>𝐶𝐷</m:t>
+                        </m:r>
+                      </m:e>
+                      <m:sup>
+                        <m:r>
+                          <a:rPr lang="pt-BR" i="1" smtClean="0">
+                            <a:latin typeface="Cambria Math" panose="02040503050406030204" pitchFamily="18" charset="0"/>
+                          </a:rPr>
+                          <m:t>2</m:t>
+                        </m:r>
+                      </m:sup>
+                    </m:sSup>
+                    <m:r>
+                      <a:rPr lang="pt-BR" i="1" smtClean="0">
+                        <a:latin typeface="Cambria Math" panose="02040503050406030204" pitchFamily="18" charset="0"/>
+                      </a:rPr>
+                      <m:t>=</m:t>
+                    </m:r>
+                  </m:oMath>
+                </a14:m>
+                <a:r>
+                  <a:rPr lang="en-GB" dirty="0"/>
+                  <a:t> </a:t>
+                </a:r>
+                <a14:m>
+                  <m:oMath xmlns:m="http://schemas.openxmlformats.org/officeDocument/2006/math">
+                    <m:sSup>
+                      <m:sSupPr>
+                        <m:ctrlPr>
+                          <a:rPr lang="pt-BR" i="1">
+                            <a:latin typeface="Cambria Math" panose="02040503050406030204" pitchFamily="18" charset="0"/>
+                          </a:rPr>
+                        </m:ctrlPr>
+                      </m:sSupPr>
+                      <m:e>
+                        <m:r>
+                          <a:rPr lang="en-GB" b="0" i="1" smtClean="0">
+                            <a:latin typeface="Cambria Math" panose="02040503050406030204" pitchFamily="18" charset="0"/>
+                          </a:rPr>
+                          <m:t>𝑟</m:t>
+                        </m:r>
+                      </m:e>
+                      <m:sup>
+                        <m:r>
+                          <a:rPr lang="pt-BR" i="1">
+                            <a:latin typeface="Cambria Math" panose="02040503050406030204" pitchFamily="18" charset="0"/>
+                          </a:rPr>
+                          <m:t>2</m:t>
+                        </m:r>
+                      </m:sup>
+                    </m:sSup>
+                    <m:r>
+                      <a:rPr lang="en-GB" i="1">
+                        <a:latin typeface="Cambria Math" panose="02040503050406030204" pitchFamily="18" charset="0"/>
+                      </a:rPr>
+                      <m:t>−</m:t>
+                    </m:r>
+                    <m:sSup>
+                      <m:sSupPr>
+                        <m:ctrlPr>
+                          <a:rPr lang="pt-BR" i="1">
+                            <a:latin typeface="Cambria Math" panose="02040503050406030204" pitchFamily="18" charset="0"/>
+                          </a:rPr>
+                        </m:ctrlPr>
+                      </m:sSupPr>
+                      <m:e>
+                        <m:r>
+                          <a:rPr lang="en-GB" i="1">
+                            <a:latin typeface="Cambria Math" panose="02040503050406030204" pitchFamily="18" charset="0"/>
+                          </a:rPr>
+                          <m:t>𝐴</m:t>
+                        </m:r>
+                        <m:r>
+                          <a:rPr lang="en-GB" b="0" i="1" smtClean="0">
+                            <a:latin typeface="Cambria Math" panose="02040503050406030204" pitchFamily="18" charset="0"/>
+                          </a:rPr>
+                          <m:t>𝐷</m:t>
+                        </m:r>
+                      </m:e>
+                      <m:sup>
+                        <m:r>
+                          <a:rPr lang="pt-BR" i="1">
+                            <a:latin typeface="Cambria Math" panose="02040503050406030204" pitchFamily="18" charset="0"/>
+                          </a:rPr>
+                          <m:t>2</m:t>
+                        </m:r>
+                      </m:sup>
+                    </m:sSup>
+                  </m:oMath>
+                </a14:m>
+                <a:endParaRPr lang="en-GB" dirty="0"/>
+              </a:p>
+            </p:txBody>
+          </p:sp>
+        </mc:Choice>
+        <mc:Fallback xmlns="">
+          <p:sp>
+            <p:nvSpPr>
+              <p:cNvPr id="50" name="TextBox 49">
+                <a:extLst>
+                  <a:ext uri="{FF2B5EF4-FFF2-40B4-BE49-F238E27FC236}">
+                    <a16:creationId xmlns:a16="http://schemas.microsoft.com/office/drawing/2014/main" id="{9CEACF01-9977-1D7E-3F6A-E04B6B9750E8}"/>
+                  </a:ext>
+                </a:extLst>
+              </p:cNvPr>
+              <p:cNvSpPr txBox="1">
+                <a:spLocks noRot="1" noChangeAspect="1" noMove="1" noResize="1" noEditPoints="1" noAdjustHandles="1" noChangeArrowheads="1" noChangeShapeType="1" noTextEdit="1"/>
+              </p:cNvSpPr>
+              <p:nvPr/>
+            </p:nvSpPr>
+            <p:spPr>
+              <a:xfrm>
+                <a:off x="8442663" y="5055494"/>
+                <a:ext cx="2778711" cy="369332"/>
+              </a:xfrm>
+              <a:prstGeom prst="rect">
+                <a:avLst/>
+              </a:prstGeom>
+              <a:blipFill>
+                <a:blip r:embed="rId8"/>
+                <a:stretch>
+                  <a:fillRect/>
+                </a:stretch>
+              </a:blipFill>
+            </p:spPr>
+            <p:txBody>
+              <a:bodyPr/>
+              <a:lstStyle/>
+              <a:p>
+                <a:r>
+                  <a:rPr lang="en-GB">
+                    <a:noFill/>
+                  </a:rPr>
+                  <a:t> </a:t>
+                </a:r>
+              </a:p>
+            </p:txBody>
+          </p:sp>
+        </mc:Fallback>
+      </mc:AlternateContent>
+      <mc:AlternateContent xmlns:mc="http://schemas.openxmlformats.org/markup-compatibility/2006" xmlns:a14="http://schemas.microsoft.com/office/drawing/2010/main">
+        <mc:Choice Requires="a14">
+          <p:sp>
+            <p:nvSpPr>
+              <p:cNvPr id="52" name="TextBox 51">
+                <a:extLst>
+                  <a:ext uri="{FF2B5EF4-FFF2-40B4-BE49-F238E27FC236}">
+                    <a16:creationId xmlns:a16="http://schemas.microsoft.com/office/drawing/2014/main" id="{9AFAC407-EFB2-5500-5ED1-F2DFF529ED01}"/>
+                  </a:ext>
+                </a:extLst>
+              </p:cNvPr>
+              <p:cNvSpPr txBox="1"/>
+              <p:nvPr/>
+            </p:nvSpPr>
+            <p:spPr>
+              <a:xfrm>
+                <a:off x="8442664" y="5348422"/>
+                <a:ext cx="2281560" cy="369332"/>
+              </a:xfrm>
+              <a:prstGeom prst="rect">
+                <a:avLst/>
+              </a:prstGeom>
+              <a:noFill/>
+            </p:spPr>
+            <p:txBody>
+              <a:bodyPr wrap="square">
+                <a:spAutoFit/>
+              </a:bodyPr>
+              <a:lstStyle/>
+              <a:p>
+                <a:r>
+                  <a:rPr lang="pt-BR" dirty="0"/>
+                  <a:t>DC1 </a:t>
+                </a:r>
+                <a14:m>
+                  <m:oMath xmlns:m="http://schemas.openxmlformats.org/officeDocument/2006/math">
+                    <m:r>
+                      <a:rPr lang="pt-BR" i="1" smtClean="0">
+                        <a:latin typeface="Cambria Math" panose="02040503050406030204" pitchFamily="18" charset="0"/>
+                      </a:rPr>
+                      <m:t>=</m:t>
+                    </m:r>
+                    <m:r>
+                      <a:rPr lang="en-GB" b="0" i="1" smtClean="0">
+                        <a:latin typeface="Cambria Math" panose="02040503050406030204" pitchFamily="18" charset="0"/>
+                      </a:rPr>
+                      <m:t> </m:t>
+                    </m:r>
+                  </m:oMath>
+                </a14:m>
+                <a:r>
+                  <a:rPr lang="en-GB" dirty="0"/>
+                  <a:t>r</a:t>
+                </a:r>
+                <a14:m>
+                  <m:oMath xmlns:m="http://schemas.openxmlformats.org/officeDocument/2006/math">
+                    <m:r>
+                      <a:rPr lang="en-GB" i="1">
+                        <a:latin typeface="Cambria Math" panose="02040503050406030204" pitchFamily="18" charset="0"/>
+                      </a:rPr>
+                      <m:t>−</m:t>
+                    </m:r>
+                    <m:r>
+                      <a:rPr lang="en-GB" b="0" i="1" smtClean="0">
+                        <a:latin typeface="Cambria Math" panose="02040503050406030204" pitchFamily="18" charset="0"/>
+                      </a:rPr>
+                      <m:t> </m:t>
+                    </m:r>
+                    <m:r>
+                      <a:rPr lang="en-GB" i="1">
+                        <a:latin typeface="Cambria Math" panose="02040503050406030204" pitchFamily="18" charset="0"/>
+                      </a:rPr>
+                      <m:t>𝐶𝐷</m:t>
+                    </m:r>
+                  </m:oMath>
+                </a14:m>
+                <a:endParaRPr lang="en-GB" dirty="0"/>
+              </a:p>
+            </p:txBody>
+          </p:sp>
+        </mc:Choice>
+        <mc:Fallback xmlns="">
+          <p:sp>
+            <p:nvSpPr>
+              <p:cNvPr id="52" name="TextBox 51">
+                <a:extLst>
+                  <a:ext uri="{FF2B5EF4-FFF2-40B4-BE49-F238E27FC236}">
+                    <a16:creationId xmlns:a16="http://schemas.microsoft.com/office/drawing/2014/main" id="{9AFAC407-EFB2-5500-5ED1-F2DFF529ED01}"/>
+                  </a:ext>
+                </a:extLst>
+              </p:cNvPr>
+              <p:cNvSpPr txBox="1">
+                <a:spLocks noRot="1" noChangeAspect="1" noMove="1" noResize="1" noEditPoints="1" noAdjustHandles="1" noChangeArrowheads="1" noChangeShapeType="1" noTextEdit="1"/>
+              </p:cNvSpPr>
+              <p:nvPr/>
+            </p:nvSpPr>
+            <p:spPr>
+              <a:xfrm>
+                <a:off x="8442664" y="5348422"/>
+                <a:ext cx="2281560" cy="369332"/>
+              </a:xfrm>
+              <a:prstGeom prst="rect">
+                <a:avLst/>
+              </a:prstGeom>
+              <a:blipFill>
+                <a:blip r:embed="rId9"/>
+                <a:stretch>
+                  <a:fillRect l="-2406" t="-8197" b="-24590"/>
+                </a:stretch>
+              </a:blipFill>
+            </p:spPr>
+            <p:txBody>
+              <a:bodyPr/>
+              <a:lstStyle/>
+              <a:p>
+                <a:r>
+                  <a:rPr lang="en-GB">
+                    <a:noFill/>
+                  </a:rPr>
+                  <a:t> </a:t>
+                </a:r>
+              </a:p>
+            </p:txBody>
+          </p:sp>
+        </mc:Fallback>
+      </mc:AlternateContent>
+      <mc:AlternateContent xmlns:mc="http://schemas.openxmlformats.org/markup-compatibility/2006" xmlns:a14="http://schemas.microsoft.com/office/drawing/2010/main">
+        <mc:Choice Requires="a14">
+          <p:sp>
+            <p:nvSpPr>
+              <p:cNvPr id="54" name="TextBox 53">
+                <a:extLst>
+                  <a:ext uri="{FF2B5EF4-FFF2-40B4-BE49-F238E27FC236}">
+                    <a16:creationId xmlns:a16="http://schemas.microsoft.com/office/drawing/2014/main" id="{9EB5227B-7C84-22F8-43B3-E3C1300992F2}"/>
+                  </a:ext>
+                </a:extLst>
+              </p:cNvPr>
+              <p:cNvSpPr txBox="1"/>
+              <p:nvPr/>
+            </p:nvSpPr>
+            <p:spPr>
+              <a:xfrm>
+                <a:off x="8404932" y="5724678"/>
+                <a:ext cx="3579922" cy="369332"/>
+              </a:xfrm>
+              <a:prstGeom prst="rect">
+                <a:avLst/>
+              </a:prstGeom>
+              <a:noFill/>
+            </p:spPr>
+            <p:txBody>
+              <a:bodyPr wrap="square">
+                <a:spAutoFit/>
+              </a:bodyPr>
+              <a:lstStyle/>
+              <a:p>
+                <a14:m>
+                  <m:oMath xmlns:m="http://schemas.openxmlformats.org/officeDocument/2006/math">
+                    <m:sSup>
+                      <m:sSupPr>
+                        <m:ctrlPr>
+                          <a:rPr lang="pt-BR" i="1" smtClean="0">
+                            <a:latin typeface="Cambria Math" panose="02040503050406030204" pitchFamily="18" charset="0"/>
+                          </a:rPr>
+                        </m:ctrlPr>
+                      </m:sSupPr>
+                      <m:e>
+                        <m:r>
+                          <a:rPr lang="en-GB" i="1">
+                            <a:latin typeface="Cambria Math" panose="02040503050406030204" pitchFamily="18" charset="0"/>
+                          </a:rPr>
+                          <m:t>𝐴𝐶</m:t>
+                        </m:r>
+                        <m:r>
+                          <a:rPr lang="en-GB" i="1">
+                            <a:latin typeface="Cambria Math" panose="02040503050406030204" pitchFamily="18" charset="0"/>
+                          </a:rPr>
+                          <m:t>1</m:t>
+                        </m:r>
+                      </m:e>
+                      <m:sup>
+                        <m:r>
+                          <a:rPr lang="pt-BR" i="1">
+                            <a:latin typeface="Cambria Math" panose="02040503050406030204" pitchFamily="18" charset="0"/>
+                          </a:rPr>
+                          <m:t>2</m:t>
+                        </m:r>
+                      </m:sup>
+                    </m:sSup>
+                    <m:r>
+                      <a:rPr lang="pt-BR" i="1" smtClean="0">
+                        <a:latin typeface="Cambria Math" panose="02040503050406030204" pitchFamily="18" charset="0"/>
+                      </a:rPr>
+                      <m:t>=</m:t>
+                    </m:r>
+                    <m:sSup>
+                      <m:sSupPr>
+                        <m:ctrlPr>
+                          <a:rPr lang="pt-BR" i="1">
+                            <a:latin typeface="Cambria Math" panose="02040503050406030204" pitchFamily="18" charset="0"/>
+                          </a:rPr>
+                        </m:ctrlPr>
+                      </m:sSupPr>
+                      <m:e>
+                        <m:r>
+                          <a:rPr lang="en-GB" i="1">
+                            <a:latin typeface="Cambria Math" panose="02040503050406030204" pitchFamily="18" charset="0"/>
+                          </a:rPr>
+                          <m:t>𝐷𝐶</m:t>
+                        </m:r>
+                        <m:r>
+                          <a:rPr lang="en-GB" i="1">
+                            <a:latin typeface="Cambria Math" panose="02040503050406030204" pitchFamily="18" charset="0"/>
+                          </a:rPr>
+                          <m:t>1</m:t>
+                        </m:r>
+                      </m:e>
+                      <m:sup>
+                        <m:r>
+                          <a:rPr lang="pt-BR" i="1">
+                            <a:latin typeface="Cambria Math" panose="02040503050406030204" pitchFamily="18" charset="0"/>
+                          </a:rPr>
+                          <m:t>2</m:t>
+                        </m:r>
+                      </m:sup>
+                    </m:sSup>
+                    <m:r>
+                      <a:rPr lang="pt-BR" i="1">
+                        <a:latin typeface="Cambria Math" panose="02040503050406030204" pitchFamily="18" charset="0"/>
+                      </a:rPr>
+                      <m:t>+</m:t>
+                    </m:r>
+                    <m:sSup>
+                      <m:sSupPr>
+                        <m:ctrlPr>
+                          <a:rPr lang="pt-BR" i="1">
+                            <a:latin typeface="Cambria Math" panose="02040503050406030204" pitchFamily="18" charset="0"/>
+                          </a:rPr>
+                        </m:ctrlPr>
+                      </m:sSupPr>
+                      <m:e>
+                        <m:r>
+                          <a:rPr lang="en-GB" i="1">
+                            <a:latin typeface="Cambria Math" panose="02040503050406030204" pitchFamily="18" charset="0"/>
+                          </a:rPr>
+                          <m:t>𝐴𝐷</m:t>
+                        </m:r>
+                      </m:e>
+                      <m:sup>
+                        <m:r>
+                          <a:rPr lang="pt-BR" i="1">
+                            <a:latin typeface="Cambria Math" panose="02040503050406030204" pitchFamily="18" charset="0"/>
+                          </a:rPr>
+                          <m:t>2</m:t>
+                        </m:r>
+                      </m:sup>
+                    </m:sSup>
+                  </m:oMath>
+                </a14:m>
+                <a:r>
+                  <a:rPr lang="en-GB" dirty="0"/>
+                  <a:t> </a:t>
+                </a:r>
+                <a14:m>
+                  <m:oMath xmlns:m="http://schemas.openxmlformats.org/officeDocument/2006/math">
+                    <m:r>
+                      <a:rPr lang="pt-BR" i="1">
+                        <a:latin typeface="Cambria Math" panose="02040503050406030204" pitchFamily="18" charset="0"/>
+                      </a:rPr>
+                      <m:t>=</m:t>
+                    </m:r>
+                    <m:sSup>
+                      <m:sSupPr>
+                        <m:ctrlPr>
+                          <a:rPr lang="pt-BR" i="1">
+                            <a:latin typeface="Cambria Math" panose="02040503050406030204" pitchFamily="18" charset="0"/>
+                          </a:rPr>
+                        </m:ctrlPr>
+                      </m:sSupPr>
+                      <m:e>
+                        <m:r>
+                          <a:rPr lang="en-GB" b="0" i="1" smtClean="0">
+                            <a:latin typeface="Cambria Math" panose="02040503050406030204" pitchFamily="18" charset="0"/>
+                          </a:rPr>
+                          <m:t>(2∗</m:t>
+                        </m:r>
+                        <m:r>
+                          <a:rPr lang="en-GB" b="0" i="1" smtClean="0">
+                            <a:latin typeface="Cambria Math" panose="02040503050406030204" pitchFamily="18" charset="0"/>
+                          </a:rPr>
+                          <m:t>𝑆</m:t>
+                        </m:r>
+                        <m:r>
+                          <a:rPr lang="en-GB" b="0" i="1" smtClean="0">
+                            <a:latin typeface="Cambria Math" panose="02040503050406030204" pitchFamily="18" charset="0"/>
+                          </a:rPr>
+                          <m:t>1)</m:t>
+                        </m:r>
+                      </m:e>
+                      <m:sup>
+                        <m:r>
+                          <a:rPr lang="pt-BR" i="1">
+                            <a:latin typeface="Cambria Math" panose="02040503050406030204" pitchFamily="18" charset="0"/>
+                          </a:rPr>
+                          <m:t>2</m:t>
+                        </m:r>
+                      </m:sup>
+                    </m:sSup>
+                  </m:oMath>
+                </a14:m>
+                <a:endParaRPr lang="en-GB" dirty="0"/>
+              </a:p>
+            </p:txBody>
+          </p:sp>
+        </mc:Choice>
+        <mc:Fallback xmlns="">
+          <p:sp>
+            <p:nvSpPr>
+              <p:cNvPr id="54" name="TextBox 53">
+                <a:extLst>
+                  <a:ext uri="{FF2B5EF4-FFF2-40B4-BE49-F238E27FC236}">
+                    <a16:creationId xmlns:a16="http://schemas.microsoft.com/office/drawing/2014/main" id="{9EB5227B-7C84-22F8-43B3-E3C1300992F2}"/>
+                  </a:ext>
+                </a:extLst>
+              </p:cNvPr>
+              <p:cNvSpPr txBox="1">
+                <a:spLocks noRot="1" noChangeAspect="1" noMove="1" noResize="1" noEditPoints="1" noAdjustHandles="1" noChangeArrowheads="1" noChangeShapeType="1" noTextEdit="1"/>
+              </p:cNvSpPr>
+              <p:nvPr/>
+            </p:nvSpPr>
+            <p:spPr>
+              <a:xfrm>
+                <a:off x="8404932" y="5724678"/>
+                <a:ext cx="3579922" cy="369332"/>
+              </a:xfrm>
+              <a:prstGeom prst="rect">
+                <a:avLst/>
+              </a:prstGeom>
+              <a:blipFill>
+                <a:blip r:embed="rId10"/>
+                <a:stretch>
+                  <a:fillRect b="-13115"/>
+                </a:stretch>
+              </a:blipFill>
+            </p:spPr>
+            <p:txBody>
+              <a:bodyPr/>
+              <a:lstStyle/>
+              <a:p>
+                <a:r>
+                  <a:rPr lang="en-GB">
+                    <a:noFill/>
+                  </a:rPr>
+                  <a:t> </a:t>
+                </a:r>
+              </a:p>
+            </p:txBody>
+          </p:sp>
+        </mc:Fallback>
+      </mc:AlternateContent>
+      <mc:AlternateContent xmlns:mc="http://schemas.openxmlformats.org/markup-compatibility/2006" xmlns:a14="http://schemas.microsoft.com/office/drawing/2010/main">
+        <mc:Choice Requires="a14">
+          <p:sp>
+            <p:nvSpPr>
+              <p:cNvPr id="56" name="TextBox 55">
+                <a:extLst>
+                  <a:ext uri="{FF2B5EF4-FFF2-40B4-BE49-F238E27FC236}">
+                    <a16:creationId xmlns:a16="http://schemas.microsoft.com/office/drawing/2014/main" id="{0CF6883E-100C-9026-4C18-BDBC5995D3C0}"/>
+                  </a:ext>
+                </a:extLst>
+              </p:cNvPr>
+              <p:cNvSpPr txBox="1"/>
+              <p:nvPr/>
+            </p:nvSpPr>
+            <p:spPr>
+              <a:xfrm>
+                <a:off x="8442663" y="4591327"/>
+                <a:ext cx="2281560" cy="369332"/>
+              </a:xfrm>
+              <a:prstGeom prst="rect">
+                <a:avLst/>
+              </a:prstGeom>
+              <a:noFill/>
+            </p:spPr>
+            <p:txBody>
+              <a:bodyPr wrap="square">
+                <a:spAutoFit/>
+              </a:bodyPr>
+              <a:lstStyle/>
+              <a:p>
+                <a:r>
+                  <a:rPr lang="pt-BR" dirty="0"/>
+                  <a:t>AD</a:t>
+                </a:r>
+                <a14:m>
+                  <m:oMath xmlns:m="http://schemas.openxmlformats.org/officeDocument/2006/math">
+                    <m:r>
+                      <a:rPr lang="pt-BR" i="1" smtClean="0">
+                        <a:latin typeface="Cambria Math" panose="02040503050406030204" pitchFamily="18" charset="0"/>
+                      </a:rPr>
+                      <m:t>=</m:t>
+                    </m:r>
+                    <m:r>
+                      <a:rPr lang="en-GB" b="0" i="1" smtClean="0">
+                        <a:latin typeface="Cambria Math" panose="02040503050406030204" pitchFamily="18" charset="0"/>
+                      </a:rPr>
+                      <m:t>𝐴𝐵</m:t>
+                    </m:r>
+                    <m:r>
+                      <a:rPr lang="en-GB" b="0" i="1" smtClean="0">
+                        <a:latin typeface="Cambria Math" panose="02040503050406030204" pitchFamily="18" charset="0"/>
+                      </a:rPr>
+                      <m:t>/2</m:t>
+                    </m:r>
+                  </m:oMath>
+                </a14:m>
+                <a:r>
+                  <a:rPr lang="en-GB" dirty="0"/>
+                  <a:t> </a:t>
+                </a:r>
+                <a14:m>
+                  <m:oMath xmlns:m="http://schemas.openxmlformats.org/officeDocument/2006/math">
+                    <m:r>
+                      <a:rPr lang="pt-BR" i="1">
+                        <a:latin typeface="Cambria Math" panose="02040503050406030204" pitchFamily="18" charset="0"/>
+                      </a:rPr>
+                      <m:t>=</m:t>
+                    </m:r>
+                  </m:oMath>
+                </a14:m>
+                <a:r>
+                  <a:rPr lang="en-GB" dirty="0"/>
+                  <a:t> S0</a:t>
+                </a:r>
+              </a:p>
+            </p:txBody>
+          </p:sp>
+        </mc:Choice>
+        <mc:Fallback xmlns="">
+          <p:sp>
+            <p:nvSpPr>
+              <p:cNvPr id="56" name="TextBox 55">
+                <a:extLst>
+                  <a:ext uri="{FF2B5EF4-FFF2-40B4-BE49-F238E27FC236}">
+                    <a16:creationId xmlns:a16="http://schemas.microsoft.com/office/drawing/2014/main" id="{0CF6883E-100C-9026-4C18-BDBC5995D3C0}"/>
+                  </a:ext>
+                </a:extLst>
+              </p:cNvPr>
+              <p:cNvSpPr txBox="1">
+                <a:spLocks noRot="1" noChangeAspect="1" noMove="1" noResize="1" noEditPoints="1" noAdjustHandles="1" noChangeArrowheads="1" noChangeShapeType="1" noTextEdit="1"/>
+              </p:cNvSpPr>
+              <p:nvPr/>
+            </p:nvSpPr>
+            <p:spPr>
+              <a:xfrm>
+                <a:off x="8442663" y="4591327"/>
+                <a:ext cx="2281560" cy="369332"/>
+              </a:xfrm>
+              <a:prstGeom prst="rect">
+                <a:avLst/>
+              </a:prstGeom>
+              <a:blipFill>
+                <a:blip r:embed="rId11"/>
+                <a:stretch>
+                  <a:fillRect l="-2406" t="-8197" b="-24590"/>
+                </a:stretch>
+              </a:blipFill>
+            </p:spPr>
+            <p:txBody>
+              <a:bodyPr/>
+              <a:lstStyle/>
+              <a:p>
+                <a:r>
+                  <a:rPr lang="en-GB">
+                    <a:noFill/>
+                  </a:rPr>
+                  <a:t> </a:t>
+                </a:r>
+              </a:p>
+            </p:txBody>
+          </p:sp>
+        </mc:Fallback>
+      </mc:AlternateContent>
+    </p:spTree>
+    <p:extLst>
+      <p:ext uri="{BB962C8B-B14F-4D97-AF65-F5344CB8AC3E}">
+        <p14:creationId xmlns:p14="http://schemas.microsoft.com/office/powerpoint/2010/main" val="2989472199"/>
+      </p:ext>
+    </p:extLst>
+  </p:cSld>
+  <p:clrMapOvr>
+    <a:masterClrMapping/>
+  </p:clrMapOvr>
+</p:sld>
+</file>
+
+<file path=ppt/slides/slide9.xml><?xml version="1.0" encoding="utf-8"?>
+<p:sld xmlns:a="http://schemas.openxmlformats.org/drawingml/2006/main" xmlns:r="http://schemas.openxmlformats.org/officeDocument/2006/relationships" xmlns:p="http://schemas.openxmlformats.org/presentationml/2006/main">
+  <p:cSld>
+    <p:spTree>
+      <p:nvGrpSpPr>
+        <p:cNvPr id="1" name=""/>
+        <p:cNvGrpSpPr/>
+        <p:nvPr/>
+      </p:nvGrpSpPr>
+      <p:grpSpPr>
+        <a:xfrm>
+          <a:off x="0" y="0"/>
+          <a:ext cx="0" cy="0"/>
+          <a:chOff x="0" y="0"/>
+          <a:chExt cx="0" cy="0"/>
+        </a:xfrm>
+      </p:grpSpPr>
+      <p:graphicFrame>
+        <p:nvGraphicFramePr>
+          <p:cNvPr id="2" name="Table 2">
+            <a:extLst>
+              <a:ext uri="{FF2B5EF4-FFF2-40B4-BE49-F238E27FC236}">
+                <a16:creationId xmlns:a16="http://schemas.microsoft.com/office/drawing/2014/main" id="{40D85FFD-1DD9-608D-37E0-377C7CD1C3A4}"/>
+              </a:ext>
+            </a:extLst>
+          </p:cNvPr>
+          <p:cNvGraphicFramePr>
+            <a:graphicFrameLocks noGrp="1"/>
+          </p:cNvGraphicFramePr>
+          <p:nvPr>
+            <p:extLst>
+              <p:ext uri="{D42A27DB-BD31-4B8C-83A1-F6EECF244321}">
+                <p14:modId xmlns:p14="http://schemas.microsoft.com/office/powerpoint/2010/main" val="491224724"/>
+              </p:ext>
+            </p:extLst>
+          </p:nvPr>
+        </p:nvGraphicFramePr>
+        <p:xfrm>
+          <a:off x="852255" y="719666"/>
+          <a:ext cx="10093910" cy="1752600"/>
+        </p:xfrm>
+        <a:graphic>
+          <a:graphicData uri="http://schemas.openxmlformats.org/drawingml/2006/table">
+            <a:tbl>
+              <a:tblPr firstRow="1" bandRow="1">
+                <a:tableStyleId>{5C22544A-7EE6-4342-B048-85BDC9FD1C3A}</a:tableStyleId>
+              </a:tblPr>
+              <a:tblGrid>
+                <a:gridCol w="1878397">
+                  <a:extLst>
+                    <a:ext uri="{9D8B030D-6E8A-4147-A177-3AD203B41FA5}">
+                      <a16:colId xmlns:a16="http://schemas.microsoft.com/office/drawing/2014/main" val="1924429027"/>
+                    </a:ext>
+                  </a:extLst>
+                </a:gridCol>
+                <a:gridCol w="2095895">
+                  <a:extLst>
+                    <a:ext uri="{9D8B030D-6E8A-4147-A177-3AD203B41FA5}">
+                      <a16:colId xmlns:a16="http://schemas.microsoft.com/office/drawing/2014/main" val="4144027158"/>
+                    </a:ext>
+                  </a:extLst>
+                </a:gridCol>
+                <a:gridCol w="2799371">
+                  <a:extLst>
+                    <a:ext uri="{9D8B030D-6E8A-4147-A177-3AD203B41FA5}">
+                      <a16:colId xmlns:a16="http://schemas.microsoft.com/office/drawing/2014/main" val="581830581"/>
+                    </a:ext>
+                  </a:extLst>
+                </a:gridCol>
+                <a:gridCol w="3320247">
+                  <a:extLst>
+                    <a:ext uri="{9D8B030D-6E8A-4147-A177-3AD203B41FA5}">
+                      <a16:colId xmlns:a16="http://schemas.microsoft.com/office/drawing/2014/main" val="3672749653"/>
+                    </a:ext>
+                  </a:extLst>
+                </a:gridCol>
+              </a:tblGrid>
+              <a:tr h="370840">
+                <a:tc>
+                  <a:txBody>
+                    <a:bodyPr/>
+                    <a:lstStyle/>
+                    <a:p>
+                      <a:pPr marL="0" marR="0" lvl="0" indent="0" algn="l" defTabSz="914400" rtl="0" eaLnBrk="1" fontAlgn="auto" latinLnBrk="0" hangingPunct="1">
+                        <a:lnSpc>
+                          <a:spcPct val="100000"/>
+                        </a:lnSpc>
+                        <a:spcBef>
+                          <a:spcPts val="0"/>
+                        </a:spcBef>
+                        <a:spcAft>
+                          <a:spcPts val="0"/>
+                        </a:spcAft>
+                        <a:buClrTx/>
+                        <a:buSzTx/>
+                        <a:buFontTx/>
+                        <a:buNone/>
+                        <a:tabLst/>
+                        <a:defRPr/>
+                      </a:pPr>
+                      <a:r>
+                        <a:rPr lang="en-GB" sz="1800" b="0" kern="1200" dirty="0">
+                          <a:solidFill>
+                            <a:schemeClr val="lt1"/>
+                          </a:solidFill>
+                          <a:effectLst/>
+                          <a:latin typeface="+mn-lt"/>
+                          <a:ea typeface="+mn-ea"/>
+                          <a:cs typeface="+mn-cs"/>
+                        </a:rPr>
+                        <a:t>Iteration </a:t>
+                      </a:r>
+                    </a:p>
+                    <a:p>
+                      <a:pPr marL="0" marR="0" lvl="0" indent="0" algn="l" defTabSz="914400" rtl="0" eaLnBrk="1" fontAlgn="auto" latinLnBrk="0" hangingPunct="1">
+                        <a:lnSpc>
+                          <a:spcPct val="100000"/>
+                        </a:lnSpc>
+                        <a:spcBef>
+                          <a:spcPts val="0"/>
+                        </a:spcBef>
+                        <a:spcAft>
+                          <a:spcPts val="0"/>
+                        </a:spcAft>
+                        <a:buClrTx/>
+                        <a:buSzTx/>
+                        <a:buFontTx/>
+                        <a:buNone/>
+                        <a:tabLst/>
+                        <a:defRPr/>
+                      </a:pPr>
+                      <a:r>
+                        <a:rPr lang="en-GB" sz="1800" b="0" kern="1200" dirty="0">
+                          <a:solidFill>
+                            <a:schemeClr val="lt1"/>
+                          </a:solidFill>
+                          <a:effectLst/>
+                          <a:latin typeface="+mn-lt"/>
+                          <a:ea typeface="+mn-ea"/>
+                          <a:cs typeface="+mn-cs"/>
+                        </a:rPr>
+                        <a:t>number (n)</a:t>
+                      </a:r>
+                    </a:p>
+                  </a:txBody>
+                  <a:tcPr/>
+                </a:tc>
+                <a:tc>
+                  <a:txBody>
+                    <a:bodyPr/>
+                    <a:lstStyle/>
+                    <a:p>
+                      <a:r>
+                        <a:rPr lang="en-GB" dirty="0"/>
+                        <a:t> Number</a:t>
+                      </a:r>
+                    </a:p>
+                    <a:p>
+                      <a:r>
+                        <a:rPr lang="en-GB" dirty="0"/>
+                        <a:t> of sides</a:t>
+                      </a:r>
+                    </a:p>
+                  </a:txBody>
+                  <a:tcPr/>
+                </a:tc>
+                <a:tc>
+                  <a:txBody>
+                    <a:bodyPr/>
+                    <a:lstStyle/>
+                    <a:p>
+                      <a:r>
+                        <a:rPr lang="en-GB" dirty="0"/>
+                        <a:t>Length of  one side </a:t>
+                      </a:r>
+                    </a:p>
+                    <a:p>
+                      <a:r>
+                        <a:rPr lang="en-GB" dirty="0"/>
+                        <a:t>of the regular polygon</a:t>
+                      </a:r>
+                    </a:p>
+                  </a:txBody>
+                  <a:tcPr/>
+                </a:tc>
+                <a:tc>
+                  <a:txBody>
+                    <a:bodyPr/>
+                    <a:lstStyle/>
+                    <a:p>
+                      <a:r>
+                        <a:rPr lang="en-GB" dirty="0"/>
+                        <a:t>Perimeter</a:t>
+                      </a:r>
+                    </a:p>
+                  </a:txBody>
+                  <a:tcPr/>
+                </a:tc>
+                <a:extLst>
+                  <a:ext uri="{0D108BD9-81ED-4DB2-BD59-A6C34878D82A}">
+                    <a16:rowId xmlns:a16="http://schemas.microsoft.com/office/drawing/2014/main" val="3749633567"/>
+                  </a:ext>
+                </a:extLst>
+              </a:tr>
+              <a:tr h="370840">
+                <a:tc>
+                  <a:txBody>
+                    <a:bodyPr/>
+                    <a:lstStyle/>
+                    <a:p>
+                      <a:r>
+                        <a:rPr lang="en-GB" dirty="0"/>
+                        <a:t>0</a:t>
+                      </a:r>
+                    </a:p>
+                  </a:txBody>
+                  <a:tcPr/>
+                </a:tc>
+                <a:tc>
+                  <a:txBody>
+                    <a:bodyPr/>
+                    <a:lstStyle/>
+                    <a:p>
+                      <a:r>
+                        <a:rPr lang="en-GB" dirty="0"/>
+                        <a:t>4</a:t>
+                      </a:r>
+                    </a:p>
+                  </a:txBody>
+                  <a:tcPr/>
+                </a:tc>
+                <a:tc>
+                  <a:txBody>
+                    <a:bodyPr/>
+                    <a:lstStyle/>
+                    <a:p>
+                      <a:r>
+                        <a:rPr lang="en-GB" dirty="0"/>
+                        <a:t>S</a:t>
+                      </a:r>
+                      <a:r>
+                        <a:rPr lang="en-GB" sz="1200" dirty="0"/>
+                        <a:t>0</a:t>
+                      </a:r>
+                      <a:endParaRPr lang="en-GB" dirty="0"/>
+                    </a:p>
+                  </a:txBody>
+                  <a:tcPr/>
+                </a:tc>
+                <a:tc>
+                  <a:txBody>
+                    <a:bodyPr/>
+                    <a:lstStyle/>
+                    <a:p>
+                      <a:r>
+                        <a:rPr lang="en-GB" dirty="0"/>
+                        <a:t>4*S</a:t>
+                      </a:r>
+                      <a:r>
+                        <a:rPr lang="en-GB" sz="1200" dirty="0"/>
+                        <a:t>0</a:t>
+                      </a:r>
+                      <a:endParaRPr lang="en-GB" dirty="0"/>
+                    </a:p>
+                  </a:txBody>
+                  <a:tcPr/>
+                </a:tc>
+                <a:extLst>
+                  <a:ext uri="{0D108BD9-81ED-4DB2-BD59-A6C34878D82A}">
+                    <a16:rowId xmlns:a16="http://schemas.microsoft.com/office/drawing/2014/main" val="1966436777"/>
+                  </a:ext>
+                </a:extLst>
+              </a:tr>
+              <a:tr h="370840">
+                <a:tc>
+                  <a:txBody>
+                    <a:bodyPr/>
+                    <a:lstStyle/>
+                    <a:p>
+                      <a:r>
+                        <a:rPr lang="en-GB" dirty="0"/>
+                        <a:t>1</a:t>
+                      </a:r>
+                    </a:p>
+                  </a:txBody>
+                  <a:tcPr/>
+                </a:tc>
+                <a:tc>
+                  <a:txBody>
+                    <a:bodyPr/>
+                    <a:lstStyle/>
+                    <a:p>
+                      <a:r>
+                        <a:rPr lang="en-GB" dirty="0"/>
+                        <a:t>8</a:t>
+                      </a:r>
+                    </a:p>
+                  </a:txBody>
+                  <a:tcPr/>
+                </a:tc>
+                <a:tc>
+                  <a:txBody>
+                    <a:bodyPr/>
+                    <a:lstStyle/>
+                    <a:p>
+                      <a:r>
+                        <a:rPr lang="en-GB" dirty="0"/>
+                        <a:t>S</a:t>
+                      </a:r>
+                      <a:r>
+                        <a:rPr lang="en-GB" sz="1200" dirty="0"/>
+                        <a:t>1</a:t>
+                      </a:r>
+                      <a:endParaRPr lang="en-GB" dirty="0"/>
+                    </a:p>
+                  </a:txBody>
+                  <a:tcPr/>
+                </a:tc>
+                <a:tc>
+                  <a:txBody>
+                    <a:bodyPr/>
+                    <a:lstStyle/>
+                    <a:p>
+                      <a:r>
+                        <a:rPr lang="en-GB" dirty="0"/>
+                        <a:t>8*S</a:t>
+                      </a:r>
+                      <a:r>
+                        <a:rPr lang="en-GB" sz="1200" dirty="0"/>
+                        <a:t>1</a:t>
+                      </a:r>
+                      <a:endParaRPr lang="en-GB" dirty="0"/>
+                    </a:p>
+                  </a:txBody>
+                  <a:tcPr/>
+                </a:tc>
+                <a:extLst>
+                  <a:ext uri="{0D108BD9-81ED-4DB2-BD59-A6C34878D82A}">
+                    <a16:rowId xmlns:a16="http://schemas.microsoft.com/office/drawing/2014/main" val="1972173956"/>
+                  </a:ext>
+                </a:extLst>
+              </a:tr>
+              <a:tr h="370840">
+                <a:tc>
+                  <a:txBody>
+                    <a:bodyPr/>
+                    <a:lstStyle/>
+                    <a:p>
+                      <a:r>
+                        <a:rPr lang="en-GB" dirty="0"/>
+                        <a:t>2</a:t>
+                      </a:r>
+                    </a:p>
+                  </a:txBody>
+                  <a:tcPr/>
+                </a:tc>
+                <a:tc>
+                  <a:txBody>
+                    <a:bodyPr/>
+                    <a:lstStyle/>
+                    <a:p>
+                      <a:r>
+                        <a:rPr lang="en-GB" dirty="0"/>
+                        <a:t>16</a:t>
+                      </a:r>
+                    </a:p>
+                  </a:txBody>
+                  <a:tcPr/>
+                </a:tc>
+                <a:tc>
+                  <a:txBody>
+                    <a:bodyPr/>
+                    <a:lstStyle/>
+                    <a:p>
+                      <a:r>
+                        <a:rPr lang="en-GB" dirty="0"/>
+                        <a:t>S</a:t>
+                      </a:r>
+                      <a:r>
+                        <a:rPr lang="en-GB" sz="1200" dirty="0"/>
+                        <a:t>2</a:t>
+                      </a:r>
+                      <a:endParaRPr lang="en-GB" dirty="0"/>
+                    </a:p>
+                  </a:txBody>
+                  <a:tcPr/>
+                </a:tc>
+                <a:tc>
+                  <a:txBody>
+                    <a:bodyPr/>
+                    <a:lstStyle/>
+                    <a:p>
+                      <a:r>
+                        <a:rPr lang="en-GB" dirty="0"/>
+                        <a:t>16*S</a:t>
+                      </a:r>
+                      <a:r>
+                        <a:rPr lang="en-GB" sz="1200" dirty="0"/>
+                        <a:t>2</a:t>
+                      </a:r>
+                      <a:endParaRPr lang="en-GB" dirty="0"/>
+                    </a:p>
+                  </a:txBody>
+                  <a:tcPr/>
+                </a:tc>
+                <a:extLst>
+                  <a:ext uri="{0D108BD9-81ED-4DB2-BD59-A6C34878D82A}">
+                    <a16:rowId xmlns:a16="http://schemas.microsoft.com/office/drawing/2014/main" val="3174289661"/>
+                  </a:ext>
+                </a:extLst>
+              </a:tr>
+            </a:tbl>
+          </a:graphicData>
+        </a:graphic>
+      </p:graphicFrame>
+    </p:spTree>
+    <p:extLst>
+      <p:ext uri="{BB962C8B-B14F-4D97-AF65-F5344CB8AC3E}">
+        <p14:creationId xmlns:p14="http://schemas.microsoft.com/office/powerpoint/2010/main" val="163448047"/>
       </p:ext>
     </p:extLst>
   </p:cSld>

--- a/pie-geometrical-method/docs/CalculatePie.pptx
+++ b/pie-geometrical-method/docs/CalculatePie.pptx
@@ -5,7 +5,7 @@
     <p:sldMasterId id="2147483648" r:id="rId1"/>
   </p:sldMasterIdLst>
   <p:notesMasterIdLst>
-    <p:notesMasterId r:id="rId11"/>
+    <p:notesMasterId r:id="rId12"/>
   </p:notesMasterIdLst>
   <p:sldIdLst>
     <p:sldId id="256" r:id="rId2"/>
@@ -17,6 +17,7 @@
     <p:sldId id="263" r:id="rId8"/>
     <p:sldId id="262" r:id="rId9"/>
     <p:sldId id="264" r:id="rId10"/>
+    <p:sldId id="265" r:id="rId11"/>
   </p:sldIdLst>
   <p:sldSz cx="12192000" cy="6858000"/>
   <p:notesSz cx="6858000" cy="9144000"/>
@@ -812,6 +813,93 @@
     <p:extLst>
       <p:ext uri="{BB962C8B-B14F-4D97-AF65-F5344CB8AC3E}">
         <p14:creationId xmlns:p14="http://schemas.microsoft.com/office/powerpoint/2010/main" val="2125775919"/>
+      </p:ext>
+    </p:extLst>
+  </p:cSld>
+  <p:clrMapOvr>
+    <a:masterClrMapping/>
+  </p:clrMapOvr>
+</p:notes>
+</file>
+
+<file path=ppt/notesSlides/notesSlide5.xml><?xml version="1.0" encoding="utf-8"?>
+<p:notes xmlns:a="http://schemas.openxmlformats.org/drawingml/2006/main" xmlns:r="http://schemas.openxmlformats.org/officeDocument/2006/relationships" xmlns:p="http://schemas.openxmlformats.org/presentationml/2006/main">
+  <p:cSld>
+    <p:spTree>
+      <p:nvGrpSpPr>
+        <p:cNvPr id="1" name=""/>
+        <p:cNvGrpSpPr/>
+        <p:nvPr/>
+      </p:nvGrpSpPr>
+      <p:grpSpPr>
+        <a:xfrm>
+          <a:off x="0" y="0"/>
+          <a:ext cx="0" cy="0"/>
+          <a:chOff x="0" y="0"/>
+          <a:chExt cx="0" cy="0"/>
+        </a:xfrm>
+      </p:grpSpPr>
+      <p:sp>
+        <p:nvSpPr>
+          <p:cNvPr id="2" name="Slide Image Placeholder 1"/>
+          <p:cNvSpPr>
+            <a:spLocks noGrp="1" noRot="1" noChangeAspect="1"/>
+          </p:cNvSpPr>
+          <p:nvPr>
+            <p:ph type="sldImg"/>
+          </p:nvPr>
+        </p:nvSpPr>
+        <p:spPr/>
+      </p:sp>
+      <p:sp>
+        <p:nvSpPr>
+          <p:cNvPr id="3" name="Notes Placeholder 2"/>
+          <p:cNvSpPr>
+            <a:spLocks noGrp="1"/>
+          </p:cNvSpPr>
+          <p:nvPr>
+            <p:ph type="body" idx="1"/>
+          </p:nvPr>
+        </p:nvSpPr>
+        <p:spPr/>
+        <p:txBody>
+          <a:bodyPr/>
+          <a:lstStyle/>
+          <a:p>
+            <a:r>
+              <a:rPr lang="en-GB" dirty="0"/>
+              <a:t>results-table.png</a:t>
+            </a:r>
+          </a:p>
+        </p:txBody>
+      </p:sp>
+      <p:sp>
+        <p:nvSpPr>
+          <p:cNvPr id="4" name="Slide Number Placeholder 3"/>
+          <p:cNvSpPr>
+            <a:spLocks noGrp="1"/>
+          </p:cNvSpPr>
+          <p:nvPr>
+            <p:ph type="sldNum" sz="quarter" idx="5"/>
+          </p:nvPr>
+        </p:nvSpPr>
+        <p:spPr/>
+        <p:txBody>
+          <a:bodyPr/>
+          <a:lstStyle/>
+          <a:p>
+            <a:fld id="{83C2492E-88FF-4D7C-91C0-01748C3C9A9D}" type="slidenum">
+              <a:rPr lang="en-GB" smtClean="0"/>
+              <a:t>10</a:t>
+            </a:fld>
+            <a:endParaRPr lang="en-GB"/>
+          </a:p>
+        </p:txBody>
+      </p:sp>
+    </p:spTree>
+    <p:extLst>
+      <p:ext uri="{BB962C8B-B14F-4D97-AF65-F5344CB8AC3E}">
+        <p14:creationId xmlns:p14="http://schemas.microsoft.com/office/powerpoint/2010/main" val="1682157597"/>
       </p:ext>
     </p:extLst>
   </p:cSld>
@@ -4110,6 +4198,984 @@
     <p:extLst>
       <p:ext uri="{BB962C8B-B14F-4D97-AF65-F5344CB8AC3E}">
         <p14:creationId xmlns:p14="http://schemas.microsoft.com/office/powerpoint/2010/main" val="1098911539"/>
+      </p:ext>
+    </p:extLst>
+  </p:cSld>
+  <p:clrMapOvr>
+    <a:masterClrMapping/>
+  </p:clrMapOvr>
+</p:sld>
+</file>
+
+<file path=ppt/slides/slide10.xml><?xml version="1.0" encoding="utf-8"?>
+<p:sld xmlns:a="http://schemas.openxmlformats.org/drawingml/2006/main" xmlns:r="http://schemas.openxmlformats.org/officeDocument/2006/relationships" xmlns:p="http://schemas.openxmlformats.org/presentationml/2006/main">
+  <p:cSld>
+    <p:spTree>
+      <p:nvGrpSpPr>
+        <p:cNvPr id="1" name=""/>
+        <p:cNvGrpSpPr/>
+        <p:nvPr/>
+      </p:nvGrpSpPr>
+      <p:grpSpPr>
+        <a:xfrm>
+          <a:off x="0" y="0"/>
+          <a:ext cx="0" cy="0"/>
+          <a:chOff x="0" y="0"/>
+          <a:chExt cx="0" cy="0"/>
+        </a:xfrm>
+      </p:grpSpPr>
+      <p:graphicFrame>
+        <p:nvGraphicFramePr>
+          <p:cNvPr id="2" name="Table 2">
+            <a:extLst>
+              <a:ext uri="{FF2B5EF4-FFF2-40B4-BE49-F238E27FC236}">
+                <a16:creationId xmlns:a16="http://schemas.microsoft.com/office/drawing/2014/main" id="{40D85FFD-1DD9-608D-37E0-377C7CD1C3A4}"/>
+              </a:ext>
+            </a:extLst>
+          </p:cNvPr>
+          <p:cNvGraphicFramePr>
+            <a:graphicFrameLocks noGrp="1"/>
+          </p:cNvGraphicFramePr>
+          <p:nvPr>
+            <p:extLst>
+              <p:ext uri="{D42A27DB-BD31-4B8C-83A1-F6EECF244321}">
+                <p14:modId xmlns:p14="http://schemas.microsoft.com/office/powerpoint/2010/main" val="3350268857"/>
+              </p:ext>
+            </p:extLst>
+          </p:nvPr>
+        </p:nvGraphicFramePr>
+        <p:xfrm>
+          <a:off x="852255" y="719666"/>
+          <a:ext cx="10227077" cy="4348480"/>
+        </p:xfrm>
+        <a:graphic>
+          <a:graphicData uri="http://schemas.openxmlformats.org/drawingml/2006/table">
+            <a:tbl>
+              <a:tblPr firstRow="1" bandRow="1">
+                <a:tableStyleId>{5C22544A-7EE6-4342-B048-85BDC9FD1C3A}</a:tableStyleId>
+              </a:tblPr>
+              <a:tblGrid>
+                <a:gridCol w="1343844">
+                  <a:extLst>
+                    <a:ext uri="{9D8B030D-6E8A-4147-A177-3AD203B41FA5}">
+                      <a16:colId xmlns:a16="http://schemas.microsoft.com/office/drawing/2014/main" val="1924429027"/>
+                    </a:ext>
+                  </a:extLst>
+                </a:gridCol>
+                <a:gridCol w="1499446">
+                  <a:extLst>
+                    <a:ext uri="{9D8B030D-6E8A-4147-A177-3AD203B41FA5}">
+                      <a16:colId xmlns:a16="http://schemas.microsoft.com/office/drawing/2014/main" val="4144027158"/>
+                    </a:ext>
+                  </a:extLst>
+                </a:gridCol>
+                <a:gridCol w="2435405">
+                  <a:extLst>
+                    <a:ext uri="{9D8B030D-6E8A-4147-A177-3AD203B41FA5}">
+                      <a16:colId xmlns:a16="http://schemas.microsoft.com/office/drawing/2014/main" val="581830581"/>
+                    </a:ext>
+                  </a:extLst>
+                </a:gridCol>
+                <a:gridCol w="2425346">
+                  <a:extLst>
+                    <a:ext uri="{9D8B030D-6E8A-4147-A177-3AD203B41FA5}">
+                      <a16:colId xmlns:a16="http://schemas.microsoft.com/office/drawing/2014/main" val="3672749653"/>
+                    </a:ext>
+                  </a:extLst>
+                </a:gridCol>
+                <a:gridCol w="2523036">
+                  <a:extLst>
+                    <a:ext uri="{9D8B030D-6E8A-4147-A177-3AD203B41FA5}">
+                      <a16:colId xmlns:a16="http://schemas.microsoft.com/office/drawing/2014/main" val="551541925"/>
+                    </a:ext>
+                  </a:extLst>
+                </a:gridCol>
+              </a:tblGrid>
+              <a:tr h="370840">
+                <a:tc>
+                  <a:txBody>
+                    <a:bodyPr/>
+                    <a:lstStyle/>
+                    <a:p>
+                      <a:pPr marL="0" marR="0" lvl="0" indent="0" algn="l" defTabSz="914400" rtl="0" eaLnBrk="1" fontAlgn="auto" latinLnBrk="0" hangingPunct="1">
+                        <a:lnSpc>
+                          <a:spcPct val="100000"/>
+                        </a:lnSpc>
+                        <a:spcBef>
+                          <a:spcPts val="0"/>
+                        </a:spcBef>
+                        <a:spcAft>
+                          <a:spcPts val="0"/>
+                        </a:spcAft>
+                        <a:buClrTx/>
+                        <a:buSzTx/>
+                        <a:buFontTx/>
+                        <a:buNone/>
+                        <a:tabLst/>
+                        <a:defRPr/>
+                      </a:pPr>
+                      <a:r>
+                        <a:rPr lang="en-GB" sz="1800" b="0" kern="1200" dirty="0">
+                          <a:solidFill>
+                            <a:schemeClr val="lt1"/>
+                          </a:solidFill>
+                          <a:effectLst/>
+                          <a:latin typeface="+mn-lt"/>
+                          <a:ea typeface="+mn-ea"/>
+                          <a:cs typeface="+mn-cs"/>
+                        </a:rPr>
+                        <a:t>Iteration </a:t>
+                      </a:r>
+                    </a:p>
+                    <a:p>
+                      <a:pPr marL="0" marR="0" lvl="0" indent="0" algn="l" defTabSz="914400" rtl="0" eaLnBrk="1" fontAlgn="auto" latinLnBrk="0" hangingPunct="1">
+                        <a:lnSpc>
+                          <a:spcPct val="100000"/>
+                        </a:lnSpc>
+                        <a:spcBef>
+                          <a:spcPts val="0"/>
+                        </a:spcBef>
+                        <a:spcAft>
+                          <a:spcPts val="0"/>
+                        </a:spcAft>
+                        <a:buClrTx/>
+                        <a:buSzTx/>
+                        <a:buFontTx/>
+                        <a:buNone/>
+                        <a:tabLst/>
+                        <a:defRPr/>
+                      </a:pPr>
+                      <a:r>
+                        <a:rPr lang="en-GB" sz="1800" b="0" kern="1200" dirty="0">
+                          <a:solidFill>
+                            <a:schemeClr val="lt1"/>
+                          </a:solidFill>
+                          <a:effectLst/>
+                          <a:latin typeface="+mn-lt"/>
+                          <a:ea typeface="+mn-ea"/>
+                          <a:cs typeface="+mn-cs"/>
+                        </a:rPr>
+                        <a:t>number (n)</a:t>
+                      </a:r>
+                    </a:p>
+                  </a:txBody>
+                  <a:tcPr/>
+                </a:tc>
+                <a:tc>
+                  <a:txBody>
+                    <a:bodyPr/>
+                    <a:lstStyle/>
+                    <a:p>
+                      <a:r>
+                        <a:rPr lang="en-GB" dirty="0"/>
+                        <a:t> Number</a:t>
+                      </a:r>
+                    </a:p>
+                    <a:p>
+                      <a:r>
+                        <a:rPr lang="en-GB" dirty="0"/>
+                        <a:t> of sides</a:t>
+                      </a:r>
+                    </a:p>
+                  </a:txBody>
+                  <a:tcPr/>
+                </a:tc>
+                <a:tc>
+                  <a:txBody>
+                    <a:bodyPr/>
+                    <a:lstStyle/>
+                    <a:p>
+                      <a:r>
+                        <a:rPr lang="en-GB" dirty="0"/>
+                        <a:t>Length of  one side </a:t>
+                      </a:r>
+                    </a:p>
+                    <a:p>
+                      <a:r>
+                        <a:rPr lang="en-GB" dirty="0"/>
+                        <a:t>of the regular polygon</a:t>
+                      </a:r>
+                    </a:p>
+                  </a:txBody>
+                  <a:tcPr/>
+                </a:tc>
+                <a:tc>
+                  <a:txBody>
+                    <a:bodyPr/>
+                    <a:lstStyle/>
+                    <a:p>
+                      <a:r>
+                        <a:rPr lang="en-GB" dirty="0"/>
+                        <a:t>Perimeter</a:t>
+                      </a:r>
+                    </a:p>
+                  </a:txBody>
+                  <a:tcPr/>
+                </a:tc>
+                <a:tc>
+                  <a:txBody>
+                    <a:bodyPr/>
+                    <a:lstStyle/>
+                    <a:p>
+                      <a:r>
+                        <a:rPr lang="en-GB" dirty="0"/>
+                        <a:t>Calculated PIE</a:t>
+                      </a:r>
+                    </a:p>
+                  </a:txBody>
+                  <a:tcPr/>
+                </a:tc>
+                <a:extLst>
+                  <a:ext uri="{0D108BD9-81ED-4DB2-BD59-A6C34878D82A}">
+                    <a16:rowId xmlns:a16="http://schemas.microsoft.com/office/drawing/2014/main" val="3749633567"/>
+                  </a:ext>
+                </a:extLst>
+              </a:tr>
+              <a:tr h="370840">
+                <a:tc>
+                  <a:txBody>
+                    <a:bodyPr/>
+                    <a:lstStyle/>
+                    <a:p>
+                      <a:r>
+                        <a:rPr lang="en-GB" dirty="0"/>
+                        <a:t>0</a:t>
+                      </a:r>
+                    </a:p>
+                  </a:txBody>
+                  <a:tcPr/>
+                </a:tc>
+                <a:tc>
+                  <a:txBody>
+                    <a:bodyPr/>
+                    <a:lstStyle/>
+                    <a:p>
+                      <a:r>
+                        <a:rPr lang="en-GB" dirty="0"/>
+                        <a:t>4</a:t>
+                      </a:r>
+                    </a:p>
+                  </a:txBody>
+                  <a:tcPr/>
+                </a:tc>
+                <a:tc>
+                  <a:txBody>
+                    <a:bodyPr/>
+                    <a:lstStyle/>
+                    <a:p>
+                      <a:r>
+                        <a:rPr lang="en-GB" dirty="0"/>
+                        <a:t>1.414213562373095</a:t>
+                      </a:r>
+                    </a:p>
+                  </a:txBody>
+                  <a:tcPr/>
+                </a:tc>
+                <a:tc>
+                  <a:txBody>
+                    <a:bodyPr/>
+                    <a:lstStyle/>
+                    <a:p>
+                      <a:pPr marL="0" marR="0" lvl="0" indent="0" algn="l" defTabSz="914400" rtl="0" eaLnBrk="1" fontAlgn="auto" latinLnBrk="0" hangingPunct="1">
+                        <a:lnSpc>
+                          <a:spcPct val="100000"/>
+                        </a:lnSpc>
+                        <a:spcBef>
+                          <a:spcPts val="0"/>
+                        </a:spcBef>
+                        <a:spcAft>
+                          <a:spcPts val="0"/>
+                        </a:spcAft>
+                        <a:buClrTx/>
+                        <a:buSzTx/>
+                        <a:buFontTx/>
+                        <a:buNone/>
+                        <a:tabLst/>
+                        <a:defRPr/>
+                      </a:pPr>
+                      <a:r>
+                        <a:rPr lang="en-GB" dirty="0"/>
+                        <a:t>5.656854249492381</a:t>
+                      </a:r>
+                    </a:p>
+                  </a:txBody>
+                  <a:tcPr/>
+                </a:tc>
+                <a:tc>
+                  <a:txBody>
+                    <a:bodyPr/>
+                    <a:lstStyle/>
+                    <a:p>
+                      <a:r>
+                        <a:rPr lang="en-GB" dirty="0"/>
+                        <a:t>2.8284271247461903</a:t>
+                      </a:r>
+                    </a:p>
+                  </a:txBody>
+                  <a:tcPr/>
+                </a:tc>
+                <a:extLst>
+                  <a:ext uri="{0D108BD9-81ED-4DB2-BD59-A6C34878D82A}">
+                    <a16:rowId xmlns:a16="http://schemas.microsoft.com/office/drawing/2014/main" val="1966436777"/>
+                  </a:ext>
+                </a:extLst>
+              </a:tr>
+              <a:tr h="370840">
+                <a:tc>
+                  <a:txBody>
+                    <a:bodyPr/>
+                    <a:lstStyle/>
+                    <a:p>
+                      <a:r>
+                        <a:rPr lang="en-GB" dirty="0"/>
+                        <a:t>1</a:t>
+                      </a:r>
+                    </a:p>
+                  </a:txBody>
+                  <a:tcPr/>
+                </a:tc>
+                <a:tc>
+                  <a:txBody>
+                    <a:bodyPr/>
+                    <a:lstStyle/>
+                    <a:p>
+                      <a:r>
+                        <a:rPr lang="en-GB" dirty="0"/>
+                        <a:t>8</a:t>
+                      </a:r>
+                    </a:p>
+                  </a:txBody>
+                  <a:tcPr/>
+                </a:tc>
+                <a:tc>
+                  <a:txBody>
+                    <a:bodyPr/>
+                    <a:lstStyle/>
+                    <a:p>
+                      <a:r>
+                        <a:rPr lang="en-GB" dirty="0"/>
+                        <a:t>0.7653668647301797</a:t>
+                      </a:r>
+                    </a:p>
+                  </a:txBody>
+                  <a:tcPr/>
+                </a:tc>
+                <a:tc>
+                  <a:txBody>
+                    <a:bodyPr/>
+                    <a:lstStyle/>
+                    <a:p>
+                      <a:r>
+                        <a:rPr lang="en-GB" dirty="0"/>
+                        <a:t>6.122934917841437</a:t>
+                      </a:r>
+                    </a:p>
+                  </a:txBody>
+                  <a:tcPr/>
+                </a:tc>
+                <a:tc>
+                  <a:txBody>
+                    <a:bodyPr/>
+                    <a:lstStyle/>
+                    <a:p>
+                      <a:r>
+                        <a:rPr lang="en-GB" dirty="0"/>
+                        <a:t>3.0614674589207187</a:t>
+                      </a:r>
+                    </a:p>
+                  </a:txBody>
+                  <a:tcPr/>
+                </a:tc>
+                <a:extLst>
+                  <a:ext uri="{0D108BD9-81ED-4DB2-BD59-A6C34878D82A}">
+                    <a16:rowId xmlns:a16="http://schemas.microsoft.com/office/drawing/2014/main" val="1972173956"/>
+                  </a:ext>
+                </a:extLst>
+              </a:tr>
+              <a:tr h="370840">
+                <a:tc>
+                  <a:txBody>
+                    <a:bodyPr/>
+                    <a:lstStyle/>
+                    <a:p>
+                      <a:r>
+                        <a:rPr lang="en-GB" dirty="0"/>
+                        <a:t>2</a:t>
+                      </a:r>
+                    </a:p>
+                  </a:txBody>
+                  <a:tcPr/>
+                </a:tc>
+                <a:tc>
+                  <a:txBody>
+                    <a:bodyPr/>
+                    <a:lstStyle/>
+                    <a:p>
+                      <a:r>
+                        <a:rPr lang="en-GB" dirty="0"/>
+                        <a:t>16</a:t>
+                      </a:r>
+                    </a:p>
+                  </a:txBody>
+                  <a:tcPr/>
+                </a:tc>
+                <a:tc>
+                  <a:txBody>
+                    <a:bodyPr/>
+                    <a:lstStyle/>
+                    <a:p>
+                      <a:r>
+                        <a:rPr lang="en-GB" dirty="0"/>
+                        <a:t>0.3901806440322566</a:t>
+                      </a:r>
+                    </a:p>
+                  </a:txBody>
+                  <a:tcPr/>
+                </a:tc>
+                <a:tc>
+                  <a:txBody>
+                    <a:bodyPr/>
+                    <a:lstStyle/>
+                    <a:p>
+                      <a:r>
+                        <a:rPr lang="en-GB" dirty="0"/>
+                        <a:t>6.242890304516106</a:t>
+                      </a:r>
+                    </a:p>
+                  </a:txBody>
+                  <a:tcPr/>
+                </a:tc>
+                <a:tc>
+                  <a:txBody>
+                    <a:bodyPr/>
+                    <a:lstStyle/>
+                    <a:p>
+                      <a:r>
+                        <a:rPr lang="en-GB" dirty="0"/>
+                        <a:t>3.121445152258053</a:t>
+                      </a:r>
+                    </a:p>
+                  </a:txBody>
+                  <a:tcPr/>
+                </a:tc>
+                <a:extLst>
+                  <a:ext uri="{0D108BD9-81ED-4DB2-BD59-A6C34878D82A}">
+                    <a16:rowId xmlns:a16="http://schemas.microsoft.com/office/drawing/2014/main" val="3174289661"/>
+                  </a:ext>
+                </a:extLst>
+              </a:tr>
+              <a:tr h="370840">
+                <a:tc>
+                  <a:txBody>
+                    <a:bodyPr/>
+                    <a:lstStyle/>
+                    <a:p>
+                      <a:r>
+                        <a:rPr lang="en-GB" dirty="0"/>
+                        <a:t>3</a:t>
+                      </a:r>
+                    </a:p>
+                  </a:txBody>
+                  <a:tcPr/>
+                </a:tc>
+                <a:tc>
+                  <a:txBody>
+                    <a:bodyPr/>
+                    <a:lstStyle/>
+                    <a:p>
+                      <a:r>
+                        <a:rPr lang="en-GB" dirty="0"/>
+                        <a:t>32</a:t>
+                      </a:r>
+                    </a:p>
+                  </a:txBody>
+                  <a:tcPr/>
+                </a:tc>
+                <a:tc>
+                  <a:txBody>
+                    <a:bodyPr/>
+                    <a:lstStyle/>
+                    <a:p>
+                      <a:r>
+                        <a:rPr lang="en-GB" dirty="0"/>
+                        <a:t>0.19603428065912124</a:t>
+                      </a:r>
+                    </a:p>
+                  </a:txBody>
+                  <a:tcPr/>
+                </a:tc>
+                <a:tc>
+                  <a:txBody>
+                    <a:bodyPr/>
+                    <a:lstStyle/>
+                    <a:p>
+                      <a:r>
+                        <a:rPr lang="en-GB" dirty="0"/>
+                        <a:t>6.2730969810918795</a:t>
+                      </a:r>
+                    </a:p>
+                  </a:txBody>
+                  <a:tcPr/>
+                </a:tc>
+                <a:tc>
+                  <a:txBody>
+                    <a:bodyPr/>
+                    <a:lstStyle/>
+                    <a:p>
+                      <a:r>
+                        <a:rPr lang="en-GB" dirty="0"/>
+                        <a:t>3.1365484905459398</a:t>
+                      </a:r>
+                    </a:p>
+                  </a:txBody>
+                  <a:tcPr/>
+                </a:tc>
+                <a:extLst>
+                  <a:ext uri="{0D108BD9-81ED-4DB2-BD59-A6C34878D82A}">
+                    <a16:rowId xmlns:a16="http://schemas.microsoft.com/office/drawing/2014/main" val="3762253924"/>
+                  </a:ext>
+                </a:extLst>
+              </a:tr>
+              <a:tr h="370840">
+                <a:tc>
+                  <a:txBody>
+                    <a:bodyPr/>
+                    <a:lstStyle/>
+                    <a:p>
+                      <a:r>
+                        <a:rPr lang="en-GB" dirty="0"/>
+                        <a:t>4</a:t>
+                      </a:r>
+                    </a:p>
+                  </a:txBody>
+                  <a:tcPr/>
+                </a:tc>
+                <a:tc>
+                  <a:txBody>
+                    <a:bodyPr/>
+                    <a:lstStyle/>
+                    <a:p>
+                      <a:r>
+                        <a:rPr lang="en-GB" dirty="0"/>
+                        <a:t>64</a:t>
+                      </a:r>
+                    </a:p>
+                  </a:txBody>
+                  <a:tcPr/>
+                </a:tc>
+                <a:tc>
+                  <a:txBody>
+                    <a:bodyPr/>
+                    <a:lstStyle/>
+                    <a:p>
+                      <a:r>
+                        <a:rPr lang="en-GB" dirty="0"/>
+                        <a:t>0.09813534865483604</a:t>
+                      </a:r>
+                    </a:p>
+                  </a:txBody>
+                  <a:tcPr/>
+                </a:tc>
+                <a:tc>
+                  <a:txBody>
+                    <a:bodyPr/>
+                    <a:lstStyle/>
+                    <a:p>
+                      <a:r>
+                        <a:rPr lang="en-GB" dirty="0"/>
+                        <a:t>6.280662313909507</a:t>
+                      </a:r>
+                    </a:p>
+                  </a:txBody>
+                  <a:tcPr/>
+                </a:tc>
+                <a:tc>
+                  <a:txBody>
+                    <a:bodyPr/>
+                    <a:lstStyle/>
+                    <a:p>
+                      <a:r>
+                        <a:rPr lang="en-GB" dirty="0"/>
+                        <a:t>3.1403311569547534</a:t>
+                      </a:r>
+                    </a:p>
+                  </a:txBody>
+                  <a:tcPr/>
+                </a:tc>
+                <a:extLst>
+                  <a:ext uri="{0D108BD9-81ED-4DB2-BD59-A6C34878D82A}">
+                    <a16:rowId xmlns:a16="http://schemas.microsoft.com/office/drawing/2014/main" val="4120049565"/>
+                  </a:ext>
+                </a:extLst>
+              </a:tr>
+              <a:tr h="370840">
+                <a:tc>
+                  <a:txBody>
+                    <a:bodyPr/>
+                    <a:lstStyle/>
+                    <a:p>
+                      <a:r>
+                        <a:rPr lang="en-GB" dirty="0"/>
+                        <a:t>5</a:t>
+                      </a:r>
+                    </a:p>
+                  </a:txBody>
+                  <a:tcPr/>
+                </a:tc>
+                <a:tc>
+                  <a:txBody>
+                    <a:bodyPr/>
+                    <a:lstStyle/>
+                    <a:p>
+                      <a:r>
+                        <a:rPr lang="en-GB" dirty="0"/>
+                        <a:t>128</a:t>
+                      </a:r>
+                    </a:p>
+                  </a:txBody>
+                  <a:tcPr/>
+                </a:tc>
+                <a:tc>
+                  <a:txBody>
+                    <a:bodyPr/>
+                    <a:lstStyle/>
+                    <a:p>
+                      <a:r>
+                        <a:rPr lang="en-GB" dirty="0"/>
+                        <a:t>0.04908245704582458</a:t>
+                      </a:r>
+                    </a:p>
+                  </a:txBody>
+                  <a:tcPr/>
+                </a:tc>
+                <a:tc>
+                  <a:txBody>
+                    <a:bodyPr/>
+                    <a:lstStyle/>
+                    <a:p>
+                      <a:r>
+                        <a:rPr lang="en-GB" dirty="0"/>
+                        <a:t>6.282554501865547</a:t>
+                      </a:r>
+                    </a:p>
+                  </a:txBody>
+                  <a:tcPr/>
+                </a:tc>
+                <a:tc>
+                  <a:txBody>
+                    <a:bodyPr/>
+                    <a:lstStyle/>
+                    <a:p>
+                      <a:r>
+                        <a:rPr lang="en-GB" dirty="0"/>
+                        <a:t>3.1412772509327733</a:t>
+                      </a:r>
+                    </a:p>
+                  </a:txBody>
+                  <a:tcPr/>
+                </a:tc>
+                <a:extLst>
+                  <a:ext uri="{0D108BD9-81ED-4DB2-BD59-A6C34878D82A}">
+                    <a16:rowId xmlns:a16="http://schemas.microsoft.com/office/drawing/2014/main" val="2700542755"/>
+                  </a:ext>
+                </a:extLst>
+              </a:tr>
+              <a:tr h="370840">
+                <a:tc>
+                  <a:txBody>
+                    <a:bodyPr/>
+                    <a:lstStyle/>
+                    <a:p>
+                      <a:r>
+                        <a:rPr lang="en-GB" dirty="0"/>
+                        <a:t>6</a:t>
+                      </a:r>
+                    </a:p>
+                  </a:txBody>
+                  <a:tcPr/>
+                </a:tc>
+                <a:tc>
+                  <a:txBody>
+                    <a:bodyPr/>
+                    <a:lstStyle/>
+                    <a:p>
+                      <a:r>
+                        <a:rPr lang="en-GB" dirty="0"/>
+                        <a:t>256</a:t>
+                      </a:r>
+                    </a:p>
+                  </a:txBody>
+                  <a:tcPr/>
+                </a:tc>
+                <a:tc>
+                  <a:txBody>
+                    <a:bodyPr/>
+                    <a:lstStyle/>
+                    <a:p>
+                      <a:r>
+                        <a:rPr lang="en-GB" dirty="0"/>
+                        <a:t>0.02454307657143985</a:t>
+                      </a:r>
+                    </a:p>
+                  </a:txBody>
+                  <a:tcPr/>
+                </a:tc>
+                <a:tc>
+                  <a:txBody>
+                    <a:bodyPr/>
+                    <a:lstStyle/>
+                    <a:p>
+                      <a:r>
+                        <a:rPr lang="en-GB" dirty="0"/>
+                        <a:t>6.283027602288603</a:t>
+                      </a:r>
+                    </a:p>
+                  </a:txBody>
+                  <a:tcPr/>
+                </a:tc>
+                <a:tc>
+                  <a:txBody>
+                    <a:bodyPr/>
+                    <a:lstStyle/>
+                    <a:p>
+                      <a:r>
+                        <a:rPr lang="en-GB" dirty="0"/>
+                        <a:t>3.1415138011443013</a:t>
+                      </a:r>
+                    </a:p>
+                  </a:txBody>
+                  <a:tcPr/>
+                </a:tc>
+                <a:extLst>
+                  <a:ext uri="{0D108BD9-81ED-4DB2-BD59-A6C34878D82A}">
+                    <a16:rowId xmlns:a16="http://schemas.microsoft.com/office/drawing/2014/main" val="3566330000"/>
+                  </a:ext>
+                </a:extLst>
+              </a:tr>
+              <a:tr h="370840">
+                <a:tc>
+                  <a:txBody>
+                    <a:bodyPr/>
+                    <a:lstStyle/>
+                    <a:p>
+                      <a:r>
+                        <a:rPr lang="en-GB" dirty="0"/>
+                        <a:t>7</a:t>
+                      </a:r>
+                    </a:p>
+                  </a:txBody>
+                  <a:tcPr/>
+                </a:tc>
+                <a:tc>
+                  <a:txBody>
+                    <a:bodyPr/>
+                    <a:lstStyle/>
+                    <a:p>
+                      <a:r>
+                        <a:rPr lang="en-GB" dirty="0"/>
+                        <a:t>512</a:t>
+                      </a:r>
+                    </a:p>
+                  </a:txBody>
+                  <a:tcPr/>
+                </a:tc>
+                <a:tc>
+                  <a:txBody>
+                    <a:bodyPr/>
+                    <a:lstStyle/>
+                    <a:p>
+                      <a:r>
+                        <a:rPr lang="en-GB" dirty="0"/>
+                        <a:t>0.01227176929830895</a:t>
+                      </a:r>
+                    </a:p>
+                  </a:txBody>
+                  <a:tcPr/>
+                </a:tc>
+                <a:tc>
+                  <a:txBody>
+                    <a:bodyPr/>
+                    <a:lstStyle/>
+                    <a:p>
+                      <a:r>
+                        <a:rPr lang="en-GB" dirty="0"/>
+                        <a:t>6.283145880734184</a:t>
+                      </a:r>
+                    </a:p>
+                  </a:txBody>
+                  <a:tcPr/>
+                </a:tc>
+                <a:tc>
+                  <a:txBody>
+                    <a:bodyPr/>
+                    <a:lstStyle/>
+                    <a:p>
+                      <a:r>
+                        <a:rPr lang="en-GB" dirty="0"/>
+                        <a:t>3.141572940367092</a:t>
+                      </a:r>
+                    </a:p>
+                  </a:txBody>
+                  <a:tcPr/>
+                </a:tc>
+                <a:extLst>
+                  <a:ext uri="{0D108BD9-81ED-4DB2-BD59-A6C34878D82A}">
+                    <a16:rowId xmlns:a16="http://schemas.microsoft.com/office/drawing/2014/main" val="1702411517"/>
+                  </a:ext>
+                </a:extLst>
+              </a:tr>
+              <a:tr h="370840">
+                <a:tc>
+                  <a:txBody>
+                    <a:bodyPr/>
+                    <a:lstStyle/>
+                    <a:p>
+                      <a:r>
+                        <a:rPr lang="en-GB" dirty="0"/>
+                        <a:t>8</a:t>
+                      </a:r>
+                    </a:p>
+                  </a:txBody>
+                  <a:tcPr/>
+                </a:tc>
+                <a:tc>
+                  <a:txBody>
+                    <a:bodyPr/>
+                    <a:lstStyle/>
+                    <a:p>
+                      <a:r>
+                        <a:rPr lang="en-GB" dirty="0"/>
+                        <a:t>1024</a:t>
+                      </a:r>
+                    </a:p>
+                  </a:txBody>
+                  <a:tcPr/>
+                </a:tc>
+                <a:tc>
+                  <a:txBody>
+                    <a:bodyPr/>
+                    <a:lstStyle/>
+                    <a:p>
+                      <a:r>
+                        <a:rPr lang="en-GB" dirty="0"/>
+                        <a:t>0.00613591352593195</a:t>
+                      </a:r>
+                    </a:p>
+                  </a:txBody>
+                  <a:tcPr/>
+                </a:tc>
+                <a:tc>
+                  <a:txBody>
+                    <a:bodyPr/>
+                    <a:lstStyle/>
+                    <a:p>
+                      <a:r>
+                        <a:rPr lang="en-GB" dirty="0"/>
+                        <a:t>6.28317545055432</a:t>
+                      </a:r>
+                    </a:p>
+                  </a:txBody>
+                  <a:tcPr/>
+                </a:tc>
+                <a:tc>
+                  <a:txBody>
+                    <a:bodyPr/>
+                    <a:lstStyle/>
+                    <a:p>
+                      <a:r>
+                        <a:rPr lang="en-GB" dirty="0"/>
+                        <a:t>3.14158772527716</a:t>
+                      </a:r>
+                    </a:p>
+                  </a:txBody>
+                  <a:tcPr/>
+                </a:tc>
+                <a:extLst>
+                  <a:ext uri="{0D108BD9-81ED-4DB2-BD59-A6C34878D82A}">
+                    <a16:rowId xmlns:a16="http://schemas.microsoft.com/office/drawing/2014/main" val="1568132366"/>
+                  </a:ext>
+                </a:extLst>
+              </a:tr>
+              <a:tr h="370840">
+                <a:tc>
+                  <a:txBody>
+                    <a:bodyPr/>
+                    <a:lstStyle/>
+                    <a:p>
+                      <a:r>
+                        <a:rPr lang="en-GB" dirty="0"/>
+                        <a:t>9</a:t>
+                      </a:r>
+                    </a:p>
+                  </a:txBody>
+                  <a:tcPr/>
+                </a:tc>
+                <a:tc>
+                  <a:txBody>
+                    <a:bodyPr/>
+                    <a:lstStyle/>
+                    <a:p>
+                      <a:r>
+                        <a:rPr lang="en-GB" dirty="0"/>
+                        <a:t>2048</a:t>
+                      </a:r>
+                    </a:p>
+                  </a:txBody>
+                  <a:tcPr/>
+                </a:tc>
+                <a:tc>
+                  <a:txBody>
+                    <a:bodyPr/>
+                    <a:lstStyle/>
+                    <a:p>
+                      <a:r>
+                        <a:rPr lang="en-GB" dirty="0"/>
+                        <a:t>0.00306796037256953</a:t>
+                      </a:r>
+                    </a:p>
+                  </a:txBody>
+                  <a:tcPr/>
+                </a:tc>
+                <a:tc>
+                  <a:txBody>
+                    <a:bodyPr/>
+                    <a:lstStyle/>
+                    <a:p>
+                      <a:r>
+                        <a:rPr lang="en-GB" dirty="0"/>
+                        <a:t>6.2831828430224</a:t>
+                      </a:r>
+                    </a:p>
+                  </a:txBody>
+                  <a:tcPr/>
+                </a:tc>
+                <a:tc>
+                  <a:txBody>
+                    <a:bodyPr/>
+                    <a:lstStyle/>
+                    <a:p>
+                      <a:r>
+                        <a:rPr lang="en-GB" dirty="0"/>
+                        <a:t>3.1415914215112</a:t>
+                      </a:r>
+                    </a:p>
+                  </a:txBody>
+                  <a:tcPr/>
+                </a:tc>
+                <a:extLst>
+                  <a:ext uri="{0D108BD9-81ED-4DB2-BD59-A6C34878D82A}">
+                    <a16:rowId xmlns:a16="http://schemas.microsoft.com/office/drawing/2014/main" val="944198434"/>
+                  </a:ext>
+                </a:extLst>
+              </a:tr>
+            </a:tbl>
+          </a:graphicData>
+        </a:graphic>
+      </p:graphicFrame>
+    </p:spTree>
+    <p:extLst>
+      <p:ext uri="{BB962C8B-B14F-4D97-AF65-F5344CB8AC3E}">
+        <p14:creationId xmlns:p14="http://schemas.microsoft.com/office/powerpoint/2010/main" val="2887307589"/>
       </p:ext>
     </p:extLst>
   </p:cSld>
@@ -6208,7 +7274,7 @@
         <p:spPr>
           <a:xfrm>
             <a:off x="3762410" y="2129524"/>
-            <a:ext cx="379507" cy="369332"/>
+            <a:ext cx="762137" cy="369332"/>
           </a:xfrm>
           <a:prstGeom prst="rect">
             <a:avLst/>
@@ -6223,7 +7289,7 @@
           <a:p>
             <a:r>
               <a:rPr lang="en-GB" dirty="0"/>
-              <a:t>S</a:t>
+              <a:t>1/2S</a:t>
             </a:r>
             <a:r>
               <a:rPr lang="en-GB" sz="1200" dirty="0"/>
@@ -6466,7 +7532,7 @@
           <a:p>
             <a:r>
               <a:rPr lang="en-GB" dirty="0"/>
-              <a:t>2S</a:t>
+              <a:t>S</a:t>
             </a:r>
             <a:r>
               <a:rPr lang="en-GB" sz="1200" dirty="0"/>
@@ -6567,7 +7633,7 @@
         <p:spPr>
           <a:xfrm>
             <a:off x="3765519" y="3065689"/>
-            <a:ext cx="473081" cy="369332"/>
+            <a:ext cx="645419" cy="553998"/>
           </a:xfrm>
           <a:prstGeom prst="rect">
             <a:avLst/>
@@ -6582,7 +7648,7 @@
           <a:p>
             <a:r>
               <a:rPr lang="en-GB" dirty="0"/>
-              <a:t>S</a:t>
+              <a:t>1/2S</a:t>
             </a:r>
             <a:r>
               <a:rPr lang="en-GB" sz="1200" dirty="0"/>
@@ -7444,7 +8510,7 @@
           <a:p>
             <a:r>
               <a:rPr lang="en-GB" dirty="0"/>
-              <a:t>2S</a:t>
+              <a:t>S</a:t>
             </a:r>
             <a:r>
               <a:rPr lang="en-GB" sz="1200" dirty="0"/>
@@ -7501,7 +8567,7 @@
             <a:pPr algn="ctr"/>
             <a:r>
               <a:rPr lang="en-GB" dirty="0"/>
-              <a:t>Square of side 2*</a:t>
+              <a:t>Square of side </a:t>
             </a:r>
             <a:r>
               <a:rPr lang="en-GB" dirty="0">
@@ -7569,7 +8635,7 @@
             <a:pPr algn="ctr"/>
             <a:r>
               <a:rPr lang="en-GB" dirty="0"/>
-              <a:t>Octagon of side 2*</a:t>
+              <a:t>Octagon of side </a:t>
             </a:r>
             <a:r>
               <a:rPr lang="en-GB" dirty="0">
@@ -7577,7 +8643,7 @@
                   <a:schemeClr val="bg1"/>
                 </a:solidFill>
               </a:rPr>
-              <a:t> S</a:t>
+              <a:t>S</a:t>
             </a:r>
             <a:r>
               <a:rPr lang="en-GB" sz="1200" dirty="0">
@@ -7670,18 +8736,22 @@
           <a:p>
             <a:r>
               <a:rPr lang="en-GB" dirty="0"/>
-              <a:t>Can we come up a formula that gives us the value of given </a:t>
-            </a:r>
-            <a:r>
-              <a:rPr lang="en-GB" b="1" dirty="0"/>
+              <a:t>Can we come up a formula that gives us the value </a:t>
+            </a:r>
+            <a:r>
+              <a:rPr lang="en-GB"/>
+              <a:t>of </a:t>
+            </a:r>
+            <a:r>
+              <a:rPr lang="en-GB" b="1"/>
               <a:t>S</a:t>
             </a:r>
             <a:r>
-              <a:rPr lang="en-GB" sz="1200" b="1" dirty="0"/>
+              <a:rPr lang="en-GB" sz="1200" b="1"/>
               <a:t>1</a:t>
             </a:r>
             <a:r>
-              <a:rPr lang="en-GB" sz="1200" dirty="0"/>
+              <a:rPr lang="en-GB" sz="1200"/>
               <a:t> </a:t>
             </a:r>
             <a:r>
@@ -8048,9 +9118,9 @@
           <p:nvPr/>
         </p:nvCxnSpPr>
         <p:spPr>
-          <a:xfrm>
-            <a:off x="4051225" y="4593910"/>
-            <a:ext cx="2198451" cy="0"/>
+          <a:xfrm flipV="1">
+            <a:off x="4051225" y="4591327"/>
+            <a:ext cx="2955023" cy="2583"/>
           </a:xfrm>
           <a:prstGeom prst="straightConnector1">
             <a:avLst/>
@@ -8090,8 +9160,8 @@
         </p:nvSpPr>
         <p:spPr>
           <a:xfrm>
-            <a:off x="4905821" y="4680062"/>
-            <a:ext cx="881110" cy="369332"/>
+            <a:off x="5223126" y="4664931"/>
+            <a:ext cx="384572" cy="369332"/>
           </a:xfrm>
           <a:prstGeom prst="rect">
             <a:avLst/>
@@ -8106,7 +9176,7 @@
           <a:p>
             <a:r>
               <a:rPr lang="en-GB" dirty="0"/>
-              <a:t>2S</a:t>
+              <a:t>S</a:t>
             </a:r>
             <a:r>
               <a:rPr lang="en-GB" sz="1200" dirty="0"/>
@@ -8580,7 +9650,7 @@
         </p:nvSpPr>
         <p:spPr>
           <a:xfrm>
-            <a:off x="409302" y="338845"/>
+            <a:off x="409302" y="321090"/>
             <a:ext cx="3526914" cy="5632311"/>
           </a:xfrm>
           <a:prstGeom prst="rect">
@@ -9533,8 +10603,8 @@
           </p:sp>
         </mc:Fallback>
       </mc:AlternateContent>
-      <mc:AlternateContent xmlns:mc="http://schemas.openxmlformats.org/markup-compatibility/2006" xmlns:a14="http://schemas.microsoft.com/office/drawing/2010/main">
-        <mc:Choice Requires="a14">
+      <mc:AlternateContent xmlns:mc="http://schemas.openxmlformats.org/markup-compatibility/2006">
+        <mc:Choice xmlns:a14="http://schemas.microsoft.com/office/drawing/2010/main" Requires="a14">
           <p:sp>
             <p:nvSpPr>
               <p:cNvPr id="32" name="TextBox 31">
@@ -9605,13 +10675,27 @@
                 </a14:m>
                 <a:r>
                   <a:rPr lang="en-GB" dirty="0"/>
-                  <a:t> S0</a:t>
+                  <a:t> S0 </a:t>
+                </a:r>
+                <a14:m>
+                  <m:oMath xmlns:m="http://schemas.openxmlformats.org/officeDocument/2006/math">
+                    <m:r>
+                      <a:rPr lang="en-GB" i="1">
+                        <a:latin typeface="Cambria Math" panose="02040503050406030204" pitchFamily="18" charset="0"/>
+                      </a:rPr>
+                      <m:t>/2</m:t>
+                    </m:r>
+                  </m:oMath>
+                </a14:m>
+                <a:r>
+                  <a:rPr lang="en-GB" dirty="0"/>
+                  <a:t> </a:t>
                 </a:r>
               </a:p>
             </p:txBody>
           </p:sp>
         </mc:Choice>
-        <mc:Fallback xmlns="">
+        <mc:Fallback>
           <p:sp>
             <p:nvSpPr>
               <p:cNvPr id="32" name="TextBox 31">
@@ -10072,8 +11156,8 @@
           </p:sp>
         </mc:Fallback>
       </mc:AlternateContent>
-      <mc:AlternateContent xmlns:mc="http://schemas.openxmlformats.org/markup-compatibility/2006" xmlns:a14="http://schemas.microsoft.com/office/drawing/2010/main">
-        <mc:Choice Requires="a14">
+      <mc:AlternateContent xmlns:mc="http://schemas.openxmlformats.org/markup-compatibility/2006">
+        <mc:Choice xmlns:a14="http://schemas.microsoft.com/office/drawing/2010/main" Requires="a14">
           <p:sp>
             <p:nvSpPr>
               <p:cNvPr id="54" name="TextBox 53">
@@ -10230,7 +11314,7 @@
                           <a:rPr lang="en-GB" b="0" i="1" smtClean="0">
                             <a:latin typeface="Cambria Math" panose="02040503050406030204" pitchFamily="18" charset="0"/>
                           </a:rPr>
-                          <m:t>(2∗</m:t>
+                          <m:t>(</m:t>
                         </m:r>
                         <m:r>
                           <a:rPr lang="en-GB" b="0" i="1" smtClean="0">
@@ -10261,7 +11345,7 @@
             </p:txBody>
           </p:sp>
         </mc:Choice>
-        <mc:Fallback xmlns="">
+        <mc:Fallback>
           <p:sp>
             <p:nvSpPr>
               <p:cNvPr id="54" name="TextBox 53">
@@ -10306,8 +11390,8 @@
           </p:sp>
         </mc:Fallback>
       </mc:AlternateContent>
-      <mc:AlternateContent xmlns:mc="http://schemas.openxmlformats.org/markup-compatibility/2006" xmlns:a14="http://schemas.microsoft.com/office/drawing/2010/main">
-        <mc:Choice Requires="a14">
+      <mc:AlternateContent xmlns:mc="http://schemas.openxmlformats.org/markup-compatibility/2006">
+        <mc:Choice xmlns:a14="http://schemas.microsoft.com/office/drawing/2010/main" Requires="a14">
           <p:sp>
             <p:nvSpPr>
               <p:cNvPr id="56" name="TextBox 55">
@@ -10378,13 +11462,27 @@
                 </a14:m>
                 <a:r>
                   <a:rPr lang="en-GB" dirty="0"/>
-                  <a:t> S0</a:t>
+                  <a:t> S0 </a:t>
+                </a:r>
+                <a14:m>
+                  <m:oMath xmlns:m="http://schemas.openxmlformats.org/officeDocument/2006/math">
+                    <m:r>
+                      <a:rPr lang="en-GB" i="1">
+                        <a:latin typeface="Cambria Math" panose="02040503050406030204" pitchFamily="18" charset="0"/>
+                      </a:rPr>
+                      <m:t>/2</m:t>
+                    </m:r>
+                  </m:oMath>
+                </a14:m>
+                <a:r>
+                  <a:rPr lang="en-GB" dirty="0"/>
+                  <a:t> </a:t>
                 </a:r>
               </a:p>
             </p:txBody>
           </p:sp>
         </mc:Choice>
-        <mc:Fallback xmlns="">
+        <mc:Fallback>
           <p:sp>
             <p:nvSpPr>
               <p:cNvPr id="56" name="TextBox 55">
